--- a/Docs/Detección de Intrusiones y Análisis de Anomalías en Tráfico de Red mediante Técnicas Estadísticas.pptx
+++ b/Docs/Detección de Intrusiones y Análisis de Anomalías en Tráfico de Red mediante Técnicas Estadísticas.pptx
@@ -5,7 +5,7 @@
     <p:sldMasterId id="2147483648" r:id="rId1"/>
   </p:sldMasterIdLst>
   <p:notesMasterIdLst>
-    <p:notesMasterId r:id="rId16"/>
+    <p:notesMasterId r:id="rId17"/>
   </p:notesMasterIdLst>
   <p:sldIdLst>
     <p:sldId id="256" r:id="rId3"/>
@@ -21,6 +21,7 @@
     <p:sldId id="266" r:id="rId13"/>
     <p:sldId id="267" r:id="rId14"/>
     <p:sldId id="268" r:id="rId15"/>
+    <p:sldId id="269" r:id="rId16"/>
   </p:sldIdLst>
   <p:sldSz cx="12192000" cy="6858000"/>
   <p:notesSz cx="6858000" cy="12192000"/>
@@ -51,7 +52,7 @@
       </p:grpSpPr>
       <p:sp>
         <p:nvSpPr>
-          <p:cNvPr id="1738957341" name="Header Placeholder 1"/>
+          <p:cNvPr id="1878939674" name="Header Placeholder 1"/>
           <p:cNvSpPr>
             <a:spLocks noGrp="1"/>
           </p:cNvSpPr>
@@ -85,7 +86,7 @@
       </p:sp>
       <p:sp>
         <p:nvSpPr>
-          <p:cNvPr id="1723178352" name="Date Placeholder 2"/>
+          <p:cNvPr id="1739896780" name="Date Placeholder 2"/>
           <p:cNvSpPr>
             <a:spLocks noGrp="1"/>
           </p:cNvSpPr>
@@ -123,7 +124,7 @@
       </p:sp>
       <p:sp>
         <p:nvSpPr>
-          <p:cNvPr id="1485807955" name="Slide Image Placeholder 3"/>
+          <p:cNvPr id="1623408184" name="Slide Image Placeholder 3"/>
           <p:cNvSpPr>
             <a:spLocks noChangeAspect="1" noGrp="1" noRot="1"/>
           </p:cNvSpPr>
@@ -159,7 +160,7 @@
       </p:sp>
       <p:sp>
         <p:nvSpPr>
-          <p:cNvPr id="1244624560" name="Notes Placeholder 4"/>
+          <p:cNvPr id="101186760" name="Notes Placeholder 4"/>
           <p:cNvSpPr>
             <a:spLocks noGrp="1"/>
           </p:cNvSpPr>
@@ -233,7 +234,7 @@
       </p:sp>
       <p:sp>
         <p:nvSpPr>
-          <p:cNvPr id="734921308" name="Footer Placeholder 5"/>
+          <p:cNvPr id="958227458" name="Footer Placeholder 5"/>
           <p:cNvSpPr>
             <a:spLocks noGrp="1"/>
           </p:cNvSpPr>
@@ -267,7 +268,7 @@
       </p:sp>
       <p:sp>
         <p:nvSpPr>
-          <p:cNvPr id="53461972" name="Slide Number Placeholder 6"/>
+          <p:cNvPr id="358577228" name="Slide Number Placeholder 6"/>
           <p:cNvSpPr>
             <a:spLocks noGrp="1"/>
           </p:cNvSpPr>
@@ -420,7 +421,7 @@
       </p:grpSpPr>
       <p:sp>
         <p:nvSpPr>
-          <p:cNvPr id="1309451542" name="Slide Image Placeholder 1"/>
+          <p:cNvPr id="1601088115" name="Slide Image Placeholder 1"/>
           <p:cNvSpPr>
             <a:spLocks noChangeAspect="1" noGrp="1" noRot="1"/>
           </p:cNvSpPr>
@@ -432,7 +433,7 @@
       </p:sp>
       <p:sp>
         <p:nvSpPr>
-          <p:cNvPr id="1400191188" name="Notes Placeholder 2"/>
+          <p:cNvPr id="681110776" name="Notes Placeholder 2"/>
           <p:cNvSpPr>
             <a:spLocks noGrp="1"/>
           </p:cNvSpPr>
@@ -454,7 +455,7 @@
       </p:sp>
       <p:sp>
         <p:nvSpPr>
-          <p:cNvPr id="996025674" name="Slide Number Placeholder 3"/>
+          <p:cNvPr id="39123186" name="Slide Number Placeholder 3"/>
           <p:cNvSpPr>
             <a:spLocks noGrp="1"/>
           </p:cNvSpPr>
@@ -505,7 +506,7 @@
       </p:grpSpPr>
       <p:sp>
         <p:nvSpPr>
-          <p:cNvPr id="730057244" name="Slide Image Placeholder 1"/>
+          <p:cNvPr id="2" name="Slide Image Placeholder 1"/>
           <p:cNvSpPr>
             <a:spLocks noChangeAspect="1" noGrp="1" noRot="1"/>
           </p:cNvSpPr>
@@ -517,7 +518,7 @@
       </p:sp>
       <p:sp>
         <p:nvSpPr>
-          <p:cNvPr id="705939995" name="Notes Placeholder 2"/>
+          <p:cNvPr id="3" name="Notes Placeholder 2"/>
           <p:cNvSpPr>
             <a:spLocks noGrp="1"/>
           </p:cNvSpPr>
@@ -533,13 +534,13 @@
             <a:pPr>
               <a:defRPr/>
             </a:pPr>
-            <a:endParaRPr lang="en-US"/>
+            <a:endParaRPr/>
           </a:p>
         </p:txBody>
       </p:sp>
       <p:sp>
         <p:nvSpPr>
-          <p:cNvPr id="190995393" name="Slide Number Placeholder 3"/>
+          <p:cNvPr id="4" name="Slide Number Placeholder 3"/>
           <p:cNvSpPr>
             <a:spLocks noGrp="1"/>
           </p:cNvSpPr>
@@ -555,11 +556,11 @@
             <a:pPr>
               <a:defRPr/>
             </a:pPr>
-            <a:fld id="{F7021451-1387-4CA6-816F-3879F97B5CBC}" type="slidenum">
-              <a:rPr lang="en-US"/>
-              <a:t>10</a:t>
+            <a:fld id="{3090E1A5-E0E9-9BB0-3256-23CB4166060F}" type="slidenum">
+              <a:rPr/>
+              <a:t/>
             </a:fld>
-            <a:endParaRPr lang="en-US"/>
+            <a:endParaRPr/>
           </a:p>
         </p:txBody>
       </p:sp>
@@ -590,7 +591,7 @@
       </p:grpSpPr>
       <p:sp>
         <p:nvSpPr>
-          <p:cNvPr id="248887600" name="Slide Image Placeholder 1"/>
+          <p:cNvPr id="412858841" name="Slide Image Placeholder 1"/>
           <p:cNvSpPr>
             <a:spLocks noChangeAspect="1" noGrp="1" noRot="1"/>
           </p:cNvSpPr>
@@ -602,7 +603,7 @@
       </p:sp>
       <p:sp>
         <p:nvSpPr>
-          <p:cNvPr id="945271365" name="Notes Placeholder 2"/>
+          <p:cNvPr id="582575562" name="Notes Placeholder 2"/>
           <p:cNvSpPr>
             <a:spLocks noGrp="1"/>
           </p:cNvSpPr>
@@ -624,7 +625,7 @@
       </p:sp>
       <p:sp>
         <p:nvSpPr>
-          <p:cNvPr id="1295729825" name="Slide Number Placeholder 3"/>
+          <p:cNvPr id="698177889" name="Slide Number Placeholder 3"/>
           <p:cNvSpPr>
             <a:spLocks noGrp="1"/>
           </p:cNvSpPr>
@@ -642,7 +643,7 @@
             </a:pPr>
             <a:fld id="{F7021451-1387-4CA6-816F-3879F97B5CBC}" type="slidenum">
               <a:rPr lang="en-US"/>
-              <a:t>11</a:t>
+              <a:t>10</a:t>
             </a:fld>
             <a:endParaRPr lang="en-US"/>
           </a:p>
@@ -675,7 +676,7 @@
       </p:grpSpPr>
       <p:sp>
         <p:nvSpPr>
-          <p:cNvPr id="1887762874" name="Slide Image Placeholder 1"/>
+          <p:cNvPr id="2089202654" name="Slide Image Placeholder 1"/>
           <p:cNvSpPr>
             <a:spLocks noChangeAspect="1" noGrp="1" noRot="1"/>
           </p:cNvSpPr>
@@ -687,7 +688,7 @@
       </p:sp>
       <p:sp>
         <p:nvSpPr>
-          <p:cNvPr id="1987995021" name="Notes Placeholder 2"/>
+          <p:cNvPr id="2146815994" name="Notes Placeholder 2"/>
           <p:cNvSpPr>
             <a:spLocks noGrp="1"/>
           </p:cNvSpPr>
@@ -709,7 +710,7 @@
       </p:sp>
       <p:sp>
         <p:nvSpPr>
-          <p:cNvPr id="537154391" name="Slide Number Placeholder 3"/>
+          <p:cNvPr id="522846417" name="Slide Number Placeholder 3"/>
           <p:cNvSpPr>
             <a:spLocks noGrp="1"/>
           </p:cNvSpPr>
@@ -727,7 +728,7 @@
             </a:pPr>
             <a:fld id="{F7021451-1387-4CA6-816F-3879F97B5CBC}" type="slidenum">
               <a:rPr lang="en-US"/>
-              <a:t>12</a:t>
+              <a:t>11</a:t>
             </a:fld>
             <a:endParaRPr lang="en-US"/>
           </a:p>
@@ -760,7 +761,7 @@
       </p:grpSpPr>
       <p:sp>
         <p:nvSpPr>
-          <p:cNvPr id="1818154337" name="Slide Image Placeholder 1"/>
+          <p:cNvPr id="1955446883" name="Slide Image Placeholder 1"/>
           <p:cNvSpPr>
             <a:spLocks noChangeAspect="1" noGrp="1" noRot="1"/>
           </p:cNvSpPr>
@@ -772,7 +773,7 @@
       </p:sp>
       <p:sp>
         <p:nvSpPr>
-          <p:cNvPr id="424397883" name="Notes Placeholder 2"/>
+          <p:cNvPr id="367261070" name="Notes Placeholder 2"/>
           <p:cNvSpPr>
             <a:spLocks noGrp="1"/>
           </p:cNvSpPr>
@@ -794,7 +795,92 @@
       </p:sp>
       <p:sp>
         <p:nvSpPr>
-          <p:cNvPr id="719125124" name="Slide Number Placeholder 3"/>
+          <p:cNvPr id="1546027064" name="Slide Number Placeholder 3"/>
+          <p:cNvSpPr>
+            <a:spLocks noGrp="1"/>
+          </p:cNvSpPr>
+          <p:nvPr>
+            <p:ph type="sldNum" sz="quarter" idx="10"/>
+          </p:nvPr>
+        </p:nvSpPr>
+        <p:spPr bwMode="auto"/>
+        <p:txBody>
+          <a:bodyPr/>
+          <a:lstStyle/>
+          <a:p>
+            <a:pPr>
+              <a:defRPr/>
+            </a:pPr>
+            <a:fld id="{F7021451-1387-4CA6-816F-3879F97B5CBC}" type="slidenum">
+              <a:rPr lang="en-US"/>
+              <a:t>12</a:t>
+            </a:fld>
+            <a:endParaRPr lang="en-US"/>
+          </a:p>
+        </p:txBody>
+      </p:sp>
+    </p:spTree>
+  </p:cSld>
+  <p:clrMapOvr>
+    <a:masterClrMapping/>
+  </p:clrMapOvr>
+</p:notes>
+</file>
+
+<file path=ppt/notesSlides/notesSlide14.xml><?xml version="1.0" encoding="utf-8"?>
+<p:notes xmlns:a="http://schemas.openxmlformats.org/drawingml/2006/main" xmlns:r="http://schemas.openxmlformats.org/officeDocument/2006/relationships" xmlns:p="http://schemas.openxmlformats.org/presentationml/2006/main" xmlns:m="http://schemas.openxmlformats.org/officeDocument/2006/math" xmlns:w="http://schemas.openxmlformats.org/wordprocessingml/2006/main">
+  <p:cSld name="">
+    <p:spTree>
+      <p:nvGrpSpPr>
+        <p:cNvPr id="1" name=""/>
+        <p:cNvGrpSpPr/>
+        <p:nvPr/>
+      </p:nvGrpSpPr>
+      <p:grpSpPr bwMode="auto">
+        <a:xfrm>
+          <a:off x="0" y="0"/>
+          <a:ext cx="0" cy="0"/>
+          <a:chOff x="0" y="0"/>
+          <a:chExt cx="0" cy="0"/>
+        </a:xfrm>
+      </p:grpSpPr>
+      <p:sp>
+        <p:nvSpPr>
+          <p:cNvPr id="97858905" name="Slide Image Placeholder 1"/>
+          <p:cNvSpPr>
+            <a:spLocks noChangeAspect="1" noGrp="1" noRot="1"/>
+          </p:cNvSpPr>
+          <p:nvPr>
+            <p:ph type="sldImg"/>
+          </p:nvPr>
+        </p:nvSpPr>
+        <p:spPr bwMode="auto"/>
+      </p:sp>
+      <p:sp>
+        <p:nvSpPr>
+          <p:cNvPr id="146382421" name="Notes Placeholder 2"/>
+          <p:cNvSpPr>
+            <a:spLocks noGrp="1"/>
+          </p:cNvSpPr>
+          <p:nvPr>
+            <p:ph type="body" idx="1"/>
+          </p:nvPr>
+        </p:nvSpPr>
+        <p:spPr bwMode="auto"/>
+        <p:txBody>
+          <a:bodyPr/>
+          <a:lstStyle/>
+          <a:p>
+            <a:pPr>
+              <a:defRPr/>
+            </a:pPr>
+            <a:endParaRPr lang="en-US"/>
+          </a:p>
+        </p:txBody>
+      </p:sp>
+      <p:sp>
+        <p:nvSpPr>
+          <p:cNvPr id="318216161" name="Slide Number Placeholder 3"/>
           <p:cNvSpPr>
             <a:spLocks noGrp="1"/>
           </p:cNvSpPr>
@@ -845,7 +931,7 @@
       </p:grpSpPr>
       <p:sp>
         <p:nvSpPr>
-          <p:cNvPr id="2147008714" name="Slide Image Placeholder 1"/>
+          <p:cNvPr id="1757290676" name="Slide Image Placeholder 1"/>
           <p:cNvSpPr>
             <a:spLocks noChangeAspect="1" noGrp="1" noRot="1"/>
           </p:cNvSpPr>
@@ -857,7 +943,7 @@
       </p:sp>
       <p:sp>
         <p:nvSpPr>
-          <p:cNvPr id="1131480927" name="Notes Placeholder 2"/>
+          <p:cNvPr id="1708865124" name="Notes Placeholder 2"/>
           <p:cNvSpPr>
             <a:spLocks noGrp="1"/>
           </p:cNvSpPr>
@@ -879,7 +965,7 @@
       </p:sp>
       <p:sp>
         <p:nvSpPr>
-          <p:cNvPr id="571678583" name="Slide Number Placeholder 3"/>
+          <p:cNvPr id="1631643794" name="Slide Number Placeholder 3"/>
           <p:cNvSpPr>
             <a:spLocks noGrp="1"/>
           </p:cNvSpPr>
@@ -930,7 +1016,7 @@
       </p:grpSpPr>
       <p:sp>
         <p:nvSpPr>
-          <p:cNvPr id="2024601389" name="Slide Image Placeholder 1"/>
+          <p:cNvPr id="1563737846" name="Slide Image Placeholder 1"/>
           <p:cNvSpPr>
             <a:spLocks noChangeAspect="1" noGrp="1" noRot="1"/>
           </p:cNvSpPr>
@@ -942,7 +1028,7 @@
       </p:sp>
       <p:sp>
         <p:nvSpPr>
-          <p:cNvPr id="775734912" name="Notes Placeholder 2"/>
+          <p:cNvPr id="535737964" name="Notes Placeholder 2"/>
           <p:cNvSpPr>
             <a:spLocks noGrp="1"/>
           </p:cNvSpPr>
@@ -964,7 +1050,7 @@
       </p:sp>
       <p:sp>
         <p:nvSpPr>
-          <p:cNvPr id="1771444558" name="Slide Number Placeholder 3"/>
+          <p:cNvPr id="1603204964" name="Slide Number Placeholder 3"/>
           <p:cNvSpPr>
             <a:spLocks noGrp="1"/>
           </p:cNvSpPr>
@@ -1015,7 +1101,7 @@
       </p:grpSpPr>
       <p:sp>
         <p:nvSpPr>
-          <p:cNvPr id="1266855679" name="Slide Image Placeholder 1"/>
+          <p:cNvPr id="588457217" name="Slide Image Placeholder 1"/>
           <p:cNvSpPr>
             <a:spLocks noChangeAspect="1" noGrp="1" noRot="1"/>
           </p:cNvSpPr>
@@ -1027,7 +1113,7 @@
       </p:sp>
       <p:sp>
         <p:nvSpPr>
-          <p:cNvPr id="398324672" name="Notes Placeholder 2"/>
+          <p:cNvPr id="1792323415" name="Notes Placeholder 2"/>
           <p:cNvSpPr>
             <a:spLocks noGrp="1"/>
           </p:cNvSpPr>
@@ -1049,7 +1135,7 @@
       </p:sp>
       <p:sp>
         <p:nvSpPr>
-          <p:cNvPr id="1978728483" name="Slide Number Placeholder 3"/>
+          <p:cNvPr id="441412832" name="Slide Number Placeholder 3"/>
           <p:cNvSpPr>
             <a:spLocks noGrp="1"/>
           </p:cNvSpPr>
@@ -1100,7 +1186,7 @@
       </p:grpSpPr>
       <p:sp>
         <p:nvSpPr>
-          <p:cNvPr id="1315497796" name="Slide Image Placeholder 1"/>
+          <p:cNvPr id="1138142495" name="Slide Image Placeholder 1"/>
           <p:cNvSpPr>
             <a:spLocks noChangeAspect="1" noGrp="1" noRot="1"/>
           </p:cNvSpPr>
@@ -1112,7 +1198,7 @@
       </p:sp>
       <p:sp>
         <p:nvSpPr>
-          <p:cNvPr id="1462381746" name="Notes Placeholder 2"/>
+          <p:cNvPr id="822065410" name="Notes Placeholder 2"/>
           <p:cNvSpPr>
             <a:spLocks noGrp="1"/>
           </p:cNvSpPr>
@@ -1134,7 +1220,7 @@
       </p:sp>
       <p:sp>
         <p:nvSpPr>
-          <p:cNvPr id="395632009" name="Slide Number Placeholder 3"/>
+          <p:cNvPr id="242968148" name="Slide Number Placeholder 3"/>
           <p:cNvSpPr>
             <a:spLocks noGrp="1"/>
           </p:cNvSpPr>
@@ -1185,7 +1271,7 @@
       </p:grpSpPr>
       <p:sp>
         <p:nvSpPr>
-          <p:cNvPr id="23078171" name="Slide Image Placeholder 1"/>
+          <p:cNvPr id="1891432989" name="Slide Image Placeholder 1"/>
           <p:cNvSpPr>
             <a:spLocks noChangeAspect="1" noGrp="1" noRot="1"/>
           </p:cNvSpPr>
@@ -1197,7 +1283,7 @@
       </p:sp>
       <p:sp>
         <p:nvSpPr>
-          <p:cNvPr id="1799260675" name="Notes Placeholder 2"/>
+          <p:cNvPr id="1334668982" name="Notes Placeholder 2"/>
           <p:cNvSpPr>
             <a:spLocks noGrp="1"/>
           </p:cNvSpPr>
@@ -1219,7 +1305,7 @@
       </p:sp>
       <p:sp>
         <p:nvSpPr>
-          <p:cNvPr id="180066687" name="Slide Number Placeholder 3"/>
+          <p:cNvPr id="1344702795" name="Slide Number Placeholder 3"/>
           <p:cNvSpPr>
             <a:spLocks noGrp="1"/>
           </p:cNvSpPr>
@@ -1270,7 +1356,7 @@
       </p:grpSpPr>
       <p:sp>
         <p:nvSpPr>
-          <p:cNvPr id="1131735651" name="Slide Image Placeholder 1"/>
+          <p:cNvPr id="697451894" name="Slide Image Placeholder 1"/>
           <p:cNvSpPr>
             <a:spLocks noChangeAspect="1" noGrp="1" noRot="1"/>
           </p:cNvSpPr>
@@ -1282,7 +1368,7 @@
       </p:sp>
       <p:sp>
         <p:nvSpPr>
-          <p:cNvPr id="1048538091" name="Notes Placeholder 2"/>
+          <p:cNvPr id="1831452942" name="Notes Placeholder 2"/>
           <p:cNvSpPr>
             <a:spLocks noGrp="1"/>
           </p:cNvSpPr>
@@ -1304,7 +1390,7 @@
       </p:sp>
       <p:sp>
         <p:nvSpPr>
-          <p:cNvPr id="140300560" name="Slide Number Placeholder 3"/>
+          <p:cNvPr id="1612675488" name="Slide Number Placeholder 3"/>
           <p:cNvSpPr>
             <a:spLocks noGrp="1"/>
           </p:cNvSpPr>
@@ -1355,7 +1441,7 @@
       </p:grpSpPr>
       <p:sp>
         <p:nvSpPr>
-          <p:cNvPr id="1472207147" name="Slide Image Placeholder 1"/>
+          <p:cNvPr id="2119262115" name="Slide Image Placeholder 1"/>
           <p:cNvSpPr>
             <a:spLocks noChangeAspect="1" noGrp="1" noRot="1"/>
           </p:cNvSpPr>
@@ -1367,7 +1453,7 @@
       </p:sp>
       <p:sp>
         <p:nvSpPr>
-          <p:cNvPr id="820358861" name="Notes Placeholder 2"/>
+          <p:cNvPr id="17034562" name="Notes Placeholder 2"/>
           <p:cNvSpPr>
             <a:spLocks noGrp="1"/>
           </p:cNvSpPr>
@@ -1389,7 +1475,7 @@
       </p:sp>
       <p:sp>
         <p:nvSpPr>
-          <p:cNvPr id="834784498" name="Slide Number Placeholder 3"/>
+          <p:cNvPr id="1856207807" name="Slide Number Placeholder 3"/>
           <p:cNvSpPr>
             <a:spLocks noGrp="1"/>
           </p:cNvSpPr>
@@ -1440,7 +1526,7 @@
       </p:grpSpPr>
       <p:sp>
         <p:nvSpPr>
-          <p:cNvPr id="1195085851" name="Slide Image Placeholder 1"/>
+          <p:cNvPr id="1328952273" name="Slide Image Placeholder 1"/>
           <p:cNvSpPr>
             <a:spLocks noChangeAspect="1" noGrp="1" noRot="1"/>
           </p:cNvSpPr>
@@ -1452,7 +1538,7 @@
       </p:sp>
       <p:sp>
         <p:nvSpPr>
-          <p:cNvPr id="369339778" name="Notes Placeholder 2"/>
+          <p:cNvPr id="1815422803" name="Notes Placeholder 2"/>
           <p:cNvSpPr>
             <a:spLocks noGrp="1"/>
           </p:cNvSpPr>
@@ -1474,7 +1560,7 @@
       </p:sp>
       <p:sp>
         <p:nvSpPr>
-          <p:cNvPr id="1016131244" name="Slide Number Placeholder 3"/>
+          <p:cNvPr id="290424314" name="Slide Number Placeholder 3"/>
           <p:cNvSpPr>
             <a:spLocks noGrp="1"/>
           </p:cNvSpPr>
@@ -1872,7 +1958,7 @@
       </p:grpSpPr>
       <p:pic>
         <p:nvPicPr>
-          <p:cNvPr id="438941946" name="Image 0" descr="https://kimi-web-img.moonshot.cn/img/img.freepik.com/366e292ec1e25d7b6fda48ac147c1adea58bcef4.jpg"/>
+          <p:cNvPr id="236988698" name="Image 0" descr="https://kimi-web-img.moonshot.cn/img/img.freepik.com/366e292ec1e25d7b6fda48ac147c1adea58bcef4.jpg"/>
           <p:cNvPicPr>
             <a:picLocks noChangeAspect="1"/>
           </p:cNvPicPr>
@@ -1899,7 +1985,7 @@
       </p:pic>
       <p:sp>
         <p:nvSpPr>
-          <p:cNvPr id="794626590" name="Shape 0"/>
+          <p:cNvPr id="601065485" name="Shape 0"/>
           <p:cNvSpPr/>
           <p:nvPr/>
         </p:nvSpPr>
@@ -1960,7 +2046,7 @@
       </p:sp>
       <p:sp>
         <p:nvSpPr>
-          <p:cNvPr id="2092866467" name="Shape 1"/>
+          <p:cNvPr id="1245617781" name="Shape 1"/>
           <p:cNvSpPr/>
           <p:nvPr/>
         </p:nvSpPr>
@@ -2033,7 +2119,7 @@
       </p:sp>
       <p:sp>
         <p:nvSpPr>
-          <p:cNvPr id="1939573943" name="Shape 2"/>
+          <p:cNvPr id="153746035" name="Shape 2"/>
           <p:cNvSpPr/>
           <p:nvPr/>
         </p:nvSpPr>
@@ -2124,7 +2210,7 @@
       </p:sp>
       <p:sp>
         <p:nvSpPr>
-          <p:cNvPr id="1346205025" name="Text 3"/>
+          <p:cNvPr id="1349986289" name="Text 3"/>
           <p:cNvSpPr/>
           <p:nvPr/>
         </p:nvSpPr>
@@ -2166,7 +2252,7 @@
       </p:sp>
       <p:sp>
         <p:nvSpPr>
-          <p:cNvPr id="716954973" name="Text 4"/>
+          <p:cNvPr id="1129497045" name="Text 4"/>
           <p:cNvSpPr/>
           <p:nvPr/>
         </p:nvSpPr>
@@ -2208,7 +2294,7 @@
       </p:sp>
       <p:sp>
         <p:nvSpPr>
-          <p:cNvPr id="1233613761" name="Shape 5"/>
+          <p:cNvPr id="557268993" name="Shape 5"/>
           <p:cNvSpPr/>
           <p:nvPr/>
         </p:nvSpPr>
@@ -2252,7 +2338,7 @@
       </p:sp>
       <p:sp>
         <p:nvSpPr>
-          <p:cNvPr id="1239576846" name="Shape 6"/>
+          <p:cNvPr id="872372577" name="Shape 6"/>
           <p:cNvSpPr/>
           <p:nvPr/>
         </p:nvSpPr>
@@ -2325,7 +2411,7 @@
       </p:sp>
       <p:sp>
         <p:nvSpPr>
-          <p:cNvPr id="250163629" name="Shape 7"/>
+          <p:cNvPr id="724263689" name="Shape 7"/>
           <p:cNvSpPr/>
           <p:nvPr/>
         </p:nvSpPr>
@@ -2504,7 +2590,7 @@
       </p:sp>
       <p:sp>
         <p:nvSpPr>
-          <p:cNvPr id="1993133975" name="Text 8"/>
+          <p:cNvPr id="717502627" name="Text 8"/>
           <p:cNvSpPr/>
           <p:nvPr/>
         </p:nvSpPr>
@@ -2546,7 +2632,7 @@
       </p:sp>
       <p:sp>
         <p:nvSpPr>
-          <p:cNvPr id="1287681678" name="Text 9"/>
+          <p:cNvPr id="114221170" name="Text 9"/>
           <p:cNvSpPr/>
           <p:nvPr/>
         </p:nvSpPr>
@@ -2590,7 +2676,7 @@
       </p:sp>
       <p:sp>
         <p:nvSpPr>
-          <p:cNvPr id="2088217558" name="Shape 10"/>
+          <p:cNvPr id="1471854955" name="Shape 10"/>
           <p:cNvSpPr/>
           <p:nvPr/>
         </p:nvSpPr>
@@ -2663,7 +2749,7 @@
       </p:sp>
       <p:sp>
         <p:nvSpPr>
-          <p:cNvPr id="805902078" name="Shape 11"/>
+          <p:cNvPr id="1664999668" name="Shape 11"/>
           <p:cNvSpPr/>
           <p:nvPr/>
         </p:nvSpPr>
@@ -2981,7 +3067,7 @@
       </p:sp>
       <p:sp>
         <p:nvSpPr>
-          <p:cNvPr id="391272319" name="Text 12"/>
+          <p:cNvPr id="1140689046" name="Text 12"/>
           <p:cNvSpPr/>
           <p:nvPr/>
         </p:nvSpPr>
@@ -3023,7 +3109,7 @@
       </p:sp>
       <p:sp>
         <p:nvSpPr>
-          <p:cNvPr id="33109031" name="Text 13"/>
+          <p:cNvPr id="779551417" name="Text 13"/>
           <p:cNvSpPr/>
           <p:nvPr/>
         </p:nvSpPr>
@@ -3087,6 +3173,39 @@
 
 <file path=ppt/slides/slide10.xml><?xml version="1.0" encoding="utf-8"?>
 <p:sld xmlns:a="http://schemas.openxmlformats.org/drawingml/2006/main" xmlns:r="http://schemas.openxmlformats.org/officeDocument/2006/relationships" xmlns:p="http://schemas.openxmlformats.org/presentationml/2006/main" xmlns:m="http://schemas.openxmlformats.org/officeDocument/2006/math" xmlns:w="http://schemas.openxmlformats.org/wordprocessingml/2006/main" xmlns:mc="http://schemas.openxmlformats.org/markup-compatibility/2006" showMasterPhAnim="0" showMasterSp="1" show="1">
+  <p:cSld name="">
+    <p:spTree>
+      <p:nvGrpSpPr>
+        <p:cNvPr id="1" name=""/>
+        <p:cNvGrpSpPr/>
+        <p:nvPr/>
+      </p:nvGrpSpPr>
+      <p:grpSpPr bwMode="auto">
+        <a:xfrm>
+          <a:off x="0" y="0"/>
+          <a:ext cx="0" cy="0"/>
+          <a:chOff x="0" y="0"/>
+          <a:chExt cx="0" cy="0"/>
+        </a:xfrm>
+      </p:grpSpPr>
+    </p:spTree>
+  </p:cSld>
+  <p:clrMapOvr>
+    <a:masterClrMapping/>
+  </p:clrMapOvr>
+  <mc:AlternateContent xmlns:mc="http://schemas.openxmlformats.org/markup-compatibility/2006">
+    <mc:Choice xmlns:p159="http://schemas.microsoft.com/office/powerpoint/2015/09/main" xmlns:p14="http://schemas.microsoft.com/office/powerpoint/2010/main" Requires="p159">
+      <p:transition p14:dur="2000" advClick="1"/>
+    </mc:Choice>
+    <mc:Fallback>
+      <p:transition advClick="1"/>
+    </mc:Fallback>
+  </mc:AlternateContent>
+</p:sld>
+</file>
+
+<file path=ppt/slides/slide11.xml><?xml version="1.0" encoding="utf-8"?>
+<p:sld xmlns:a="http://schemas.openxmlformats.org/drawingml/2006/main" xmlns:r="http://schemas.openxmlformats.org/officeDocument/2006/relationships" xmlns:p="http://schemas.openxmlformats.org/presentationml/2006/main" xmlns:m="http://schemas.openxmlformats.org/officeDocument/2006/math" xmlns:w="http://schemas.openxmlformats.org/wordprocessingml/2006/main" xmlns:mc="http://schemas.openxmlformats.org/markup-compatibility/2006" showMasterPhAnim="0" showMasterSp="1" show="1">
   <p:cSld name="Slide 10">
     <p:bg>
       <p:bgPr shadeToTitle="0">
@@ -3111,7 +3230,7 @@
       </p:grpSpPr>
       <p:sp>
         <p:nvSpPr>
-          <p:cNvPr id="383435535" name="Shape 0"/>
+          <p:cNvPr id="1509259422" name="Shape 0"/>
           <p:cNvSpPr/>
           <p:nvPr/>
         </p:nvSpPr>
@@ -3175,7 +3294,7 @@
       </p:sp>
       <p:sp>
         <p:nvSpPr>
-          <p:cNvPr id="1034092186" name="Text 1"/>
+          <p:cNvPr id="703295562" name="Text 1"/>
           <p:cNvSpPr/>
           <p:nvPr/>
         </p:nvSpPr>
@@ -3217,7 +3336,7 @@
       </p:sp>
       <p:sp>
         <p:nvSpPr>
-          <p:cNvPr id="2045199474" name="Text 2"/>
+          <p:cNvPr id="49143431" name="Text 2"/>
           <p:cNvSpPr/>
           <p:nvPr/>
         </p:nvSpPr>
@@ -3259,7 +3378,7 @@
       </p:sp>
       <p:sp>
         <p:nvSpPr>
-          <p:cNvPr id="712158412" name="Shape 3"/>
+          <p:cNvPr id="505451954" name="Shape 3"/>
           <p:cNvSpPr/>
           <p:nvPr/>
         </p:nvSpPr>
@@ -3323,7 +3442,7 @@
           <a:ln w="12700">
             <a:solidFill>
               <a:srgbClr val="5F85A5">
-                <a:alpha val="30194"/>
+                <a:alpha val="30193"/>
               </a:srgbClr>
             </a:solidFill>
             <a:prstDash val="solid"/>
@@ -3332,7 +3451,7 @@
       </p:sp>
       <p:graphicFrame>
         <p:nvGraphicFramePr>
-          <p:cNvPr id="1167262692" name="Table 0"/>
+          <p:cNvPr id="1403008240" name="Table 0"/>
           <p:cNvGraphicFramePr>
             <a:graphicFrameLocks xmlns:a="http://schemas.openxmlformats.org/drawingml/2006/main" noGrp="1"/>
           </p:cNvGraphicFramePr>
@@ -4852,7 +4971,7 @@
       </p:graphicFrame>
       <p:sp>
         <p:nvSpPr>
-          <p:cNvPr id="1881085013" name="Shape 4"/>
+          <p:cNvPr id="759462158" name="Shape 4"/>
           <p:cNvSpPr/>
           <p:nvPr/>
         </p:nvSpPr>
@@ -4925,7 +5044,7 @@
       </p:sp>
       <p:sp>
         <p:nvSpPr>
-          <p:cNvPr id="1319665644" name="Shape 5"/>
+          <p:cNvPr id="103562075" name="Shape 5"/>
           <p:cNvSpPr/>
           <p:nvPr/>
         </p:nvSpPr>
@@ -4998,7 +5117,7 @@
       </p:sp>
       <p:sp>
         <p:nvSpPr>
-          <p:cNvPr id="1498743610" name="Shape 6"/>
+          <p:cNvPr id="1163809660" name="Shape 6"/>
           <p:cNvSpPr/>
           <p:nvPr/>
         </p:nvSpPr>
@@ -5096,7 +5215,7 @@
       </p:sp>
       <p:sp>
         <p:nvSpPr>
-          <p:cNvPr id="238231043" name="Text 7"/>
+          <p:cNvPr id="1039086909" name="Text 7"/>
           <p:cNvSpPr/>
           <p:nvPr/>
         </p:nvSpPr>
@@ -5138,7 +5257,7 @@
       </p:sp>
       <p:sp>
         <p:nvSpPr>
-          <p:cNvPr id="1635670571" name="Text 8"/>
+          <p:cNvPr id="94203214" name="Text 8"/>
           <p:cNvSpPr/>
           <p:nvPr/>
         </p:nvSpPr>
@@ -5193,7 +5312,7 @@
       </p:sp>
       <p:sp>
         <p:nvSpPr>
-          <p:cNvPr id="99011260" name="Shape 9"/>
+          <p:cNvPr id="45362348" name="Shape 9"/>
           <p:cNvSpPr/>
           <p:nvPr/>
         </p:nvSpPr>
@@ -5266,7 +5385,7 @@
       </p:sp>
       <p:sp>
         <p:nvSpPr>
-          <p:cNvPr id="1530480956" name="Shape 10"/>
+          <p:cNvPr id="1180276152" name="Shape 10"/>
           <p:cNvSpPr/>
           <p:nvPr/>
         </p:nvSpPr>
@@ -5339,7 +5458,7 @@
       </p:sp>
       <p:sp>
         <p:nvSpPr>
-          <p:cNvPr id="361728575" name="Shape 11"/>
+          <p:cNvPr id="1497822018" name="Shape 11"/>
           <p:cNvSpPr/>
           <p:nvPr/>
         </p:nvSpPr>
@@ -5474,7 +5593,7 @@
       </p:sp>
       <p:sp>
         <p:nvSpPr>
-          <p:cNvPr id="16617377" name="Text 12"/>
+          <p:cNvPr id="527871901" name="Text 12"/>
           <p:cNvSpPr/>
           <p:nvPr/>
         </p:nvSpPr>
@@ -5516,7 +5635,7 @@
       </p:sp>
       <p:sp>
         <p:nvSpPr>
-          <p:cNvPr id="1728674475" name="Text 13"/>
+          <p:cNvPr id="315472945" name="Text 13"/>
           <p:cNvSpPr/>
           <p:nvPr/>
         </p:nvSpPr>
@@ -5571,7 +5690,7 @@
       </p:sp>
       <p:sp>
         <p:nvSpPr>
-          <p:cNvPr id="778129898" name="Shape 14"/>
+          <p:cNvPr id="843147623" name="Shape 14"/>
           <p:cNvSpPr/>
           <p:nvPr/>
         </p:nvSpPr>
@@ -5644,7 +5763,7 @@
       </p:sp>
       <p:sp>
         <p:nvSpPr>
-          <p:cNvPr id="1838461460" name="Shape 15"/>
+          <p:cNvPr id="1301386651" name="Shape 15"/>
           <p:cNvSpPr/>
           <p:nvPr/>
         </p:nvSpPr>
@@ -5717,7 +5836,7 @@
       </p:sp>
       <p:sp>
         <p:nvSpPr>
-          <p:cNvPr id="547861780" name="Shape 16"/>
+          <p:cNvPr id="1871489105" name="Shape 16"/>
           <p:cNvSpPr/>
           <p:nvPr/>
         </p:nvSpPr>
@@ -5837,7 +5956,7 @@
       </p:sp>
       <p:sp>
         <p:nvSpPr>
-          <p:cNvPr id="851969123" name="Text 17"/>
+          <p:cNvPr id="486642032" name="Text 17"/>
           <p:cNvSpPr/>
           <p:nvPr/>
         </p:nvSpPr>
@@ -5879,7 +5998,7 @@
       </p:sp>
       <p:sp>
         <p:nvSpPr>
-          <p:cNvPr id="1315728925" name="Text 18"/>
+          <p:cNvPr id="1512937725" name="Text 18"/>
           <p:cNvSpPr/>
           <p:nvPr/>
         </p:nvSpPr>
@@ -5952,7 +6071,7 @@
 </p:sld>
 </file>
 
-<file path=ppt/slides/slide11.xml><?xml version="1.0" encoding="utf-8"?>
+<file path=ppt/slides/slide12.xml><?xml version="1.0" encoding="utf-8"?>
 <p:sld xmlns:a="http://schemas.openxmlformats.org/drawingml/2006/main" xmlns:r="http://schemas.openxmlformats.org/officeDocument/2006/relationships" xmlns:p="http://schemas.openxmlformats.org/presentationml/2006/main" xmlns:m="http://schemas.openxmlformats.org/officeDocument/2006/math" xmlns:w="http://schemas.openxmlformats.org/wordprocessingml/2006/main" xmlns:mc="http://schemas.openxmlformats.org/markup-compatibility/2006" showMasterPhAnim="0" showMasterSp="1" show="1">
   <p:cSld name="Slide 11">
     <p:bg>
@@ -5978,7 +6097,7 @@
       </p:grpSpPr>
       <p:sp>
         <p:nvSpPr>
-          <p:cNvPr id="1317731476" name="Shape 0"/>
+          <p:cNvPr id="782388612" name="Shape 0"/>
           <p:cNvSpPr/>
           <p:nvPr/>
         </p:nvSpPr>
@@ -6042,7 +6161,7 @@
       </p:sp>
       <p:sp>
         <p:nvSpPr>
-          <p:cNvPr id="1807998684" name="Text 1"/>
+          <p:cNvPr id="795096953" name="Text 1"/>
           <p:cNvSpPr/>
           <p:nvPr/>
         </p:nvSpPr>
@@ -6084,7 +6203,7 @@
       </p:sp>
       <p:sp>
         <p:nvSpPr>
-          <p:cNvPr id="2076941314" name="Text 2"/>
+          <p:cNvPr id="1736619662" name="Text 2"/>
           <p:cNvSpPr/>
           <p:nvPr/>
         </p:nvSpPr>
@@ -6126,7 +6245,7 @@
       </p:sp>
       <p:sp>
         <p:nvSpPr>
-          <p:cNvPr id="1692869553" name="Shape 3"/>
+          <p:cNvPr id="704485423" name="Shape 3"/>
           <p:cNvSpPr/>
           <p:nvPr/>
         </p:nvSpPr>
@@ -6197,7 +6316,7 @@
       </p:sp>
       <p:sp>
         <p:nvSpPr>
-          <p:cNvPr id="975864363" name="Shape 4"/>
+          <p:cNvPr id="2077228019" name="Shape 4"/>
           <p:cNvSpPr/>
           <p:nvPr/>
         </p:nvSpPr>
@@ -6261,7 +6380,7 @@
       </p:sp>
       <p:sp>
         <p:nvSpPr>
-          <p:cNvPr id="1554468632" name="Text 5"/>
+          <p:cNvPr id="192992076" name="Text 5"/>
           <p:cNvSpPr/>
           <p:nvPr/>
         </p:nvSpPr>
@@ -6303,7 +6422,7 @@
       </p:sp>
       <p:sp>
         <p:nvSpPr>
-          <p:cNvPr id="530310811" name="Text 6"/>
+          <p:cNvPr id="1958697819" name="Text 6"/>
           <p:cNvSpPr/>
           <p:nvPr/>
         </p:nvSpPr>
@@ -6345,7 +6464,7 @@
       </p:sp>
       <p:sp>
         <p:nvSpPr>
-          <p:cNvPr id="1779678953" name="Text 7"/>
+          <p:cNvPr id="986135216" name="Text 7"/>
           <p:cNvSpPr/>
           <p:nvPr/>
         </p:nvSpPr>
@@ -6389,7 +6508,7 @@
       </p:sp>
       <p:sp>
         <p:nvSpPr>
-          <p:cNvPr id="845900513" name="Shape 8"/>
+          <p:cNvPr id="41147128" name="Shape 8"/>
           <p:cNvSpPr/>
           <p:nvPr/>
         </p:nvSpPr>
@@ -6453,7 +6572,7 @@
           <a:ln w="12700">
             <a:solidFill>
               <a:srgbClr val="4ECDC4">
-                <a:alpha val="30194"/>
+                <a:alpha val="30193"/>
               </a:srgbClr>
             </a:solidFill>
             <a:prstDash val="solid"/>
@@ -6462,7 +6581,7 @@
       </p:sp>
       <p:sp>
         <p:nvSpPr>
-          <p:cNvPr id="791323532" name="Shape 9"/>
+          <p:cNvPr id="992871919" name="Shape 9"/>
           <p:cNvSpPr/>
           <p:nvPr/>
         </p:nvSpPr>
@@ -6559,7 +6678,7 @@
       </p:sp>
       <p:sp>
         <p:nvSpPr>
-          <p:cNvPr id="992565554" name="Text 10"/>
+          <p:cNvPr id="877753138" name="Text 10"/>
           <p:cNvSpPr/>
           <p:nvPr/>
         </p:nvSpPr>
@@ -6601,7 +6720,7 @@
       </p:sp>
       <p:sp>
         <p:nvSpPr>
-          <p:cNvPr id="343929931" name="Text 11"/>
+          <p:cNvPr id="1649152787" name="Text 11"/>
           <p:cNvSpPr/>
           <p:nvPr/>
         </p:nvSpPr>
@@ -6645,7 +6764,7 @@
       </p:sp>
       <p:sp>
         <p:nvSpPr>
-          <p:cNvPr id="1038326245" name="Shape 12"/>
+          <p:cNvPr id="670200627" name="Shape 12"/>
           <p:cNvSpPr/>
           <p:nvPr/>
         </p:nvSpPr>
@@ -6709,7 +6828,7 @@
           <a:ln w="12700">
             <a:solidFill>
               <a:srgbClr val="4ECDC4">
-                <a:alpha val="30194"/>
+                <a:alpha val="30193"/>
               </a:srgbClr>
             </a:solidFill>
             <a:prstDash val="solid"/>
@@ -6718,7 +6837,7 @@
       </p:sp>
       <p:sp>
         <p:nvSpPr>
-          <p:cNvPr id="914907668" name="Shape 13"/>
+          <p:cNvPr id="20169124" name="Shape 13"/>
           <p:cNvSpPr/>
           <p:nvPr/>
         </p:nvSpPr>
@@ -6844,7 +6963,7 @@
       </p:sp>
       <p:sp>
         <p:nvSpPr>
-          <p:cNvPr id="145746730" name="Text 14"/>
+          <p:cNvPr id="1328643267" name="Text 14"/>
           <p:cNvSpPr/>
           <p:nvPr/>
         </p:nvSpPr>
@@ -6886,7 +7005,7 @@
       </p:sp>
       <p:sp>
         <p:nvSpPr>
-          <p:cNvPr id="1035077772" name="Text 15"/>
+          <p:cNvPr id="929292508" name="Text 15"/>
           <p:cNvSpPr/>
           <p:nvPr/>
         </p:nvSpPr>
@@ -6941,7 +7060,7 @@
       </p:sp>
       <p:sp>
         <p:nvSpPr>
-          <p:cNvPr id="1780154821" name="Shape 16"/>
+          <p:cNvPr id="2021016690" name="Shape 16"/>
           <p:cNvSpPr/>
           <p:nvPr/>
         </p:nvSpPr>
@@ -7005,7 +7124,7 @@
           <a:ln w="12700">
             <a:solidFill>
               <a:srgbClr val="4ECDC4">
-                <a:alpha val="30194"/>
+                <a:alpha val="30193"/>
               </a:srgbClr>
             </a:solidFill>
             <a:prstDash val="solid"/>
@@ -7014,7 +7133,7 @@
       </p:sp>
       <p:sp>
         <p:nvSpPr>
-          <p:cNvPr id="423422451" name="Shape 17"/>
+          <p:cNvPr id="278606137" name="Shape 17"/>
           <p:cNvSpPr/>
           <p:nvPr/>
         </p:nvSpPr>
@@ -7099,7 +7218,7 @@
       </p:sp>
       <p:sp>
         <p:nvSpPr>
-          <p:cNvPr id="50700473" name="Text 18"/>
+          <p:cNvPr id="1268498202" name="Text 18"/>
           <p:cNvSpPr/>
           <p:nvPr/>
         </p:nvSpPr>
@@ -7141,7 +7260,7 @@
       </p:sp>
       <p:sp>
         <p:nvSpPr>
-          <p:cNvPr id="1420678417" name="Text 19"/>
+          <p:cNvPr id="175486455" name="Text 19"/>
           <p:cNvSpPr/>
           <p:nvPr/>
         </p:nvSpPr>
@@ -7185,7 +7304,7 @@
       </p:sp>
       <p:sp>
         <p:nvSpPr>
-          <p:cNvPr id="129751106" name="Shape 20"/>
+          <p:cNvPr id="1198622220" name="Shape 20"/>
           <p:cNvSpPr/>
           <p:nvPr/>
         </p:nvSpPr>
@@ -7256,7 +7375,7 @@
       </p:sp>
       <p:sp>
         <p:nvSpPr>
-          <p:cNvPr id="1200039891" name="Shape 21"/>
+          <p:cNvPr id="1034924411" name="Shape 21"/>
           <p:cNvSpPr/>
           <p:nvPr/>
         </p:nvSpPr>
@@ -7350,7 +7469,7 @@
       </p:sp>
       <p:sp>
         <p:nvSpPr>
-          <p:cNvPr id="797792057" name="Shape 22"/>
+          <p:cNvPr id="964912630" name="Shape 22"/>
           <p:cNvSpPr/>
           <p:nvPr/>
         </p:nvSpPr>
@@ -7421,7 +7540,7 @@
       </p:sp>
       <p:sp>
         <p:nvSpPr>
-          <p:cNvPr id="719391654" name="Shape 23"/>
+          <p:cNvPr id="1423950071" name="Shape 23"/>
           <p:cNvSpPr/>
           <p:nvPr/>
         </p:nvSpPr>
@@ -7485,7 +7604,7 @@
       </p:sp>
       <p:sp>
         <p:nvSpPr>
-          <p:cNvPr id="626560261" name="Text 24"/>
+          <p:cNvPr id="198893907" name="Text 24"/>
           <p:cNvSpPr/>
           <p:nvPr/>
         </p:nvSpPr>
@@ -7527,7 +7646,7 @@
       </p:sp>
       <p:sp>
         <p:nvSpPr>
-          <p:cNvPr id="1295134933" name="Text 25"/>
+          <p:cNvPr id="900939689" name="Text 25"/>
           <p:cNvSpPr/>
           <p:nvPr/>
         </p:nvSpPr>
@@ -7569,7 +7688,7 @@
       </p:sp>
       <p:sp>
         <p:nvSpPr>
-          <p:cNvPr id="486450710" name="Text 26"/>
+          <p:cNvPr id="118592152" name="Text 26"/>
           <p:cNvSpPr/>
           <p:nvPr/>
         </p:nvSpPr>
@@ -7613,7 +7732,7 @@
       </p:sp>
       <p:sp>
         <p:nvSpPr>
-          <p:cNvPr id="787173289" name="Shape 27"/>
+          <p:cNvPr id="1284108713" name="Shape 27"/>
           <p:cNvSpPr/>
           <p:nvPr/>
         </p:nvSpPr>
@@ -7677,7 +7796,7 @@
           <a:ln w="12700">
             <a:solidFill>
               <a:srgbClr val="5F85A5">
-                <a:alpha val="30194"/>
+                <a:alpha val="30193"/>
               </a:srgbClr>
             </a:solidFill>
             <a:prstDash val="solid"/>
@@ -7686,7 +7805,7 @@
       </p:sp>
       <p:sp>
         <p:nvSpPr>
-          <p:cNvPr id="756864425" name="Shape 28"/>
+          <p:cNvPr id="1516236271" name="Shape 28"/>
           <p:cNvSpPr/>
           <p:nvPr/>
         </p:nvSpPr>
@@ -7994,7 +8113,7 @@
       </p:sp>
       <p:sp>
         <p:nvSpPr>
-          <p:cNvPr id="107059474" name="Text 29"/>
+          <p:cNvPr id="1457053024" name="Text 29"/>
           <p:cNvSpPr/>
           <p:nvPr/>
         </p:nvSpPr>
@@ -8036,7 +8155,7 @@
       </p:sp>
       <p:sp>
         <p:nvSpPr>
-          <p:cNvPr id="1311729391" name="Text 30"/>
+          <p:cNvPr id="4001021" name="Text 30"/>
           <p:cNvSpPr/>
           <p:nvPr/>
         </p:nvSpPr>
@@ -8080,7 +8199,7 @@
       </p:sp>
       <p:sp>
         <p:nvSpPr>
-          <p:cNvPr id="1476030989" name="Shape 31"/>
+          <p:cNvPr id="1675565076" name="Shape 31"/>
           <p:cNvSpPr/>
           <p:nvPr/>
         </p:nvSpPr>
@@ -8144,7 +8263,7 @@
           <a:ln w="12700">
             <a:solidFill>
               <a:srgbClr val="5F85A5">
-                <a:alpha val="30194"/>
+                <a:alpha val="30193"/>
               </a:srgbClr>
             </a:solidFill>
             <a:prstDash val="solid"/>
@@ -8153,7 +8272,7 @@
       </p:sp>
       <p:sp>
         <p:nvSpPr>
-          <p:cNvPr id="1622953358" name="Shape 32"/>
+          <p:cNvPr id="832217946" name="Shape 32"/>
           <p:cNvSpPr/>
           <p:nvPr/>
         </p:nvSpPr>
@@ -8284,7 +8403,7 @@
       </p:sp>
       <p:sp>
         <p:nvSpPr>
-          <p:cNvPr id="1380066480" name="Text 33"/>
+          <p:cNvPr id="1400760086" name="Text 33"/>
           <p:cNvSpPr/>
           <p:nvPr/>
         </p:nvSpPr>
@@ -8326,7 +8445,7 @@
       </p:sp>
       <p:sp>
         <p:nvSpPr>
-          <p:cNvPr id="859349822" name="Text 34"/>
+          <p:cNvPr id="1771766726" name="Text 34"/>
           <p:cNvSpPr/>
           <p:nvPr/>
         </p:nvSpPr>
@@ -8381,7 +8500,7 @@
       </p:sp>
       <p:sp>
         <p:nvSpPr>
-          <p:cNvPr id="618455822" name="Shape 35"/>
+          <p:cNvPr id="57196158" name="Shape 35"/>
           <p:cNvSpPr/>
           <p:nvPr/>
         </p:nvSpPr>
@@ -8445,7 +8564,7 @@
           <a:ln w="12700">
             <a:solidFill>
               <a:srgbClr val="5F85A5">
-                <a:alpha val="30194"/>
+                <a:alpha val="30193"/>
               </a:srgbClr>
             </a:solidFill>
             <a:prstDash val="solid"/>
@@ -8454,7 +8573,7 @@
       </p:sp>
       <p:sp>
         <p:nvSpPr>
-          <p:cNvPr id="1874566207" name="Shape 36"/>
+          <p:cNvPr id="296136998" name="Shape 36"/>
           <p:cNvSpPr/>
           <p:nvPr/>
         </p:nvSpPr>
@@ -8539,7 +8658,7 @@
       </p:sp>
       <p:sp>
         <p:nvSpPr>
-          <p:cNvPr id="726680472" name="Text 37"/>
+          <p:cNvPr id="963422400" name="Text 37"/>
           <p:cNvSpPr/>
           <p:nvPr/>
         </p:nvSpPr>
@@ -8581,7 +8700,7 @@
       </p:sp>
       <p:sp>
         <p:nvSpPr>
-          <p:cNvPr id="719032972" name="Text 38"/>
+          <p:cNvPr id="1574696246" name="Text 38"/>
           <p:cNvSpPr/>
           <p:nvPr/>
         </p:nvSpPr>
@@ -8625,7 +8744,7 @@
       </p:sp>
       <p:sp>
         <p:nvSpPr>
-          <p:cNvPr id="553970147" name="Shape 39"/>
+          <p:cNvPr id="1123746885" name="Shape 39"/>
           <p:cNvSpPr/>
           <p:nvPr/>
         </p:nvSpPr>
@@ -8696,7 +8815,7 @@
       </p:sp>
       <p:sp>
         <p:nvSpPr>
-          <p:cNvPr id="1221632680" name="Shape 40"/>
+          <p:cNvPr id="905303969" name="Shape 40"/>
           <p:cNvSpPr/>
           <p:nvPr/>
         </p:nvSpPr>
@@ -8781,7 +8900,7 @@
       </p:sp>
       <p:sp>
         <p:nvSpPr>
-          <p:cNvPr id="794114900" name="Shape 41"/>
+          <p:cNvPr id="705252144" name="Shape 41"/>
           <p:cNvSpPr/>
           <p:nvPr/>
         </p:nvSpPr>
@@ -8852,7 +8971,7 @@
       </p:sp>
       <p:sp>
         <p:nvSpPr>
-          <p:cNvPr id="802712444" name="Shape 42"/>
+          <p:cNvPr id="1465212268" name="Shape 42"/>
           <p:cNvSpPr/>
           <p:nvPr/>
         </p:nvSpPr>
@@ -8916,7 +9035,7 @@
       </p:sp>
       <p:sp>
         <p:nvSpPr>
-          <p:cNvPr id="455881713" name="Text 43"/>
+          <p:cNvPr id="980511740" name="Text 43"/>
           <p:cNvSpPr/>
           <p:nvPr/>
         </p:nvSpPr>
@@ -8958,7 +9077,7 @@
       </p:sp>
       <p:sp>
         <p:nvSpPr>
-          <p:cNvPr id="201236643" name="Text 44"/>
+          <p:cNvPr id="1841824857" name="Text 44"/>
           <p:cNvSpPr/>
           <p:nvPr/>
         </p:nvSpPr>
@@ -9000,7 +9119,7 @@
       </p:sp>
       <p:sp>
         <p:nvSpPr>
-          <p:cNvPr id="228036505" name="Text 45"/>
+          <p:cNvPr id="223529754" name="Text 45"/>
           <p:cNvSpPr/>
           <p:nvPr/>
         </p:nvSpPr>
@@ -9044,7 +9163,7 @@
       </p:sp>
       <p:sp>
         <p:nvSpPr>
-          <p:cNvPr id="1450984718" name="Shape 46"/>
+          <p:cNvPr id="1920009859" name="Shape 46"/>
           <p:cNvSpPr/>
           <p:nvPr/>
         </p:nvSpPr>
@@ -9108,7 +9227,7 @@
           <a:ln w="12700">
             <a:solidFill>
               <a:srgbClr val="F39C12">
-                <a:alpha val="30194"/>
+                <a:alpha val="30193"/>
               </a:srgbClr>
             </a:solidFill>
             <a:prstDash val="solid"/>
@@ -9117,7 +9236,7 @@
       </p:sp>
       <p:sp>
         <p:nvSpPr>
-          <p:cNvPr id="926912459" name="Shape 47"/>
+          <p:cNvPr id="168150548" name="Shape 47"/>
           <p:cNvSpPr/>
           <p:nvPr/>
         </p:nvSpPr>
@@ -9287,7 +9406,7 @@
       </p:sp>
       <p:sp>
         <p:nvSpPr>
-          <p:cNvPr id="1649023615" name="Text 48"/>
+          <p:cNvPr id="384246552" name="Text 48"/>
           <p:cNvSpPr/>
           <p:nvPr/>
         </p:nvSpPr>
@@ -9329,7 +9448,7 @@
       </p:sp>
       <p:sp>
         <p:nvSpPr>
-          <p:cNvPr id="1974541467" name="Text 49"/>
+          <p:cNvPr id="1235448745" name="Text 49"/>
           <p:cNvSpPr/>
           <p:nvPr/>
         </p:nvSpPr>
@@ -9373,7 +9492,7 @@
       </p:sp>
       <p:sp>
         <p:nvSpPr>
-          <p:cNvPr id="420722725" name="Shape 50"/>
+          <p:cNvPr id="1162619097" name="Shape 50"/>
           <p:cNvSpPr/>
           <p:nvPr/>
         </p:nvSpPr>
@@ -9437,7 +9556,7 @@
           <a:ln w="12700">
             <a:solidFill>
               <a:srgbClr val="F39C12">
-                <a:alpha val="30194"/>
+                <a:alpha val="30193"/>
               </a:srgbClr>
             </a:solidFill>
             <a:prstDash val="solid"/>
@@ -9446,7 +9565,7 @@
       </p:sp>
       <p:sp>
         <p:nvSpPr>
-          <p:cNvPr id="337453427" name="Shape 51"/>
+          <p:cNvPr id="130092429" name="Shape 51"/>
           <p:cNvSpPr/>
           <p:nvPr/>
         </p:nvSpPr>
@@ -9616,7 +9735,7 @@
       </p:sp>
       <p:sp>
         <p:nvSpPr>
-          <p:cNvPr id="1284609647" name="Text 52"/>
+          <p:cNvPr id="1385772235" name="Text 52"/>
           <p:cNvSpPr/>
           <p:nvPr/>
         </p:nvSpPr>
@@ -9658,7 +9777,7 @@
       </p:sp>
       <p:sp>
         <p:nvSpPr>
-          <p:cNvPr id="243304616" name="Text 53"/>
+          <p:cNvPr id="1781201056" name="Text 53"/>
           <p:cNvSpPr/>
           <p:nvPr/>
         </p:nvSpPr>
@@ -9713,7 +9832,7 @@
       </p:sp>
       <p:sp>
         <p:nvSpPr>
-          <p:cNvPr id="1708752389" name="Shape 54"/>
+          <p:cNvPr id="1547199342" name="Shape 54"/>
           <p:cNvSpPr/>
           <p:nvPr/>
         </p:nvSpPr>
@@ -9777,7 +9896,7 @@
           <a:ln w="12700">
             <a:solidFill>
               <a:srgbClr val="F39C12">
-                <a:alpha val="30194"/>
+                <a:alpha val="30193"/>
               </a:srgbClr>
             </a:solidFill>
             <a:prstDash val="solid"/>
@@ -9786,7 +9905,7 @@
       </p:sp>
       <p:sp>
         <p:nvSpPr>
-          <p:cNvPr id="1120136289" name="Shape 55"/>
+          <p:cNvPr id="119267861" name="Shape 55"/>
           <p:cNvSpPr/>
           <p:nvPr/>
         </p:nvSpPr>
@@ -9884,7 +10003,7 @@
       </p:sp>
       <p:sp>
         <p:nvSpPr>
-          <p:cNvPr id="326233047" name="Text 56"/>
+          <p:cNvPr id="1957460816" name="Text 56"/>
           <p:cNvSpPr/>
           <p:nvPr/>
         </p:nvSpPr>
@@ -9926,7 +10045,7 @@
       </p:sp>
       <p:sp>
         <p:nvSpPr>
-          <p:cNvPr id="1609664970" name="Text 57"/>
+          <p:cNvPr id="211352962" name="Text 57"/>
           <p:cNvSpPr/>
           <p:nvPr/>
         </p:nvSpPr>
@@ -9970,7 +10089,7 @@
       </p:sp>
       <p:sp>
         <p:nvSpPr>
-          <p:cNvPr id="1125491606" name="Shape 58"/>
+          <p:cNvPr id="184324637" name="Shape 58"/>
           <p:cNvSpPr/>
           <p:nvPr/>
         </p:nvSpPr>
@@ -10041,7 +10160,7 @@
       </p:sp>
       <p:sp>
         <p:nvSpPr>
-          <p:cNvPr id="251456822" name="Shape 59"/>
+          <p:cNvPr id="385008898" name="Shape 59"/>
           <p:cNvSpPr/>
           <p:nvPr/>
         </p:nvSpPr>
@@ -10133,7 +10252,7 @@
 </p:sld>
 </file>
 
-<file path=ppt/slides/slide12.xml><?xml version="1.0" encoding="utf-8"?>
+<file path=ppt/slides/slide13.xml><?xml version="1.0" encoding="utf-8"?>
 <p:sld xmlns:a="http://schemas.openxmlformats.org/drawingml/2006/main" xmlns:r="http://schemas.openxmlformats.org/officeDocument/2006/relationships" xmlns:p="http://schemas.openxmlformats.org/presentationml/2006/main" xmlns:m="http://schemas.openxmlformats.org/officeDocument/2006/math" xmlns:w="http://schemas.openxmlformats.org/wordprocessingml/2006/main" xmlns:mc="http://schemas.openxmlformats.org/markup-compatibility/2006" showMasterPhAnim="0" showMasterSp="1" show="1">
   <p:cSld name="Slide 12">
     <p:bg>
@@ -10159,7 +10278,7 @@
       </p:grpSpPr>
       <p:sp>
         <p:nvSpPr>
-          <p:cNvPr id="1085553062" name="Shape 0"/>
+          <p:cNvPr id="1498743268" name="Shape 0"/>
           <p:cNvSpPr/>
           <p:nvPr/>
         </p:nvSpPr>
@@ -10223,7 +10342,7 @@
       </p:sp>
       <p:sp>
         <p:nvSpPr>
-          <p:cNvPr id="1418776215" name="Text 1"/>
+          <p:cNvPr id="1603320666" name="Text 1"/>
           <p:cNvSpPr/>
           <p:nvPr/>
         </p:nvSpPr>
@@ -10265,7 +10384,7 @@
       </p:sp>
       <p:sp>
         <p:nvSpPr>
-          <p:cNvPr id="2081108775" name="Shape 2"/>
+          <p:cNvPr id="1138600876" name="Shape 2"/>
           <p:cNvSpPr/>
           <p:nvPr/>
         </p:nvSpPr>
@@ -10321,7 +10440,7 @@
       </p:sp>
       <p:sp>
         <p:nvSpPr>
-          <p:cNvPr id="786055895" name="Shape 3"/>
+          <p:cNvPr id="1716066008" name="Shape 3"/>
           <p:cNvSpPr/>
           <p:nvPr/>
         </p:nvSpPr>
@@ -10365,7 +10484,7 @@
       </p:sp>
       <p:sp>
         <p:nvSpPr>
-          <p:cNvPr id="1054720226" name="Shape 4"/>
+          <p:cNvPr id="1104821293" name="Shape 4"/>
           <p:cNvSpPr/>
           <p:nvPr/>
         </p:nvSpPr>
@@ -10429,7 +10548,7 @@
       </p:sp>
       <p:sp>
         <p:nvSpPr>
-          <p:cNvPr id="1024561511" name="Shape 5"/>
+          <p:cNvPr id="345204614" name="Shape 5"/>
           <p:cNvSpPr/>
           <p:nvPr/>
         </p:nvSpPr>
@@ -10779,7 +10898,7 @@
       </p:sp>
       <p:sp>
         <p:nvSpPr>
-          <p:cNvPr id="1952442934" name="Shape 6"/>
+          <p:cNvPr id="1901817916" name="Shape 6"/>
           <p:cNvSpPr/>
           <p:nvPr/>
         </p:nvSpPr>
@@ -10852,7 +10971,7 @@
       </p:sp>
       <p:sp>
         <p:nvSpPr>
-          <p:cNvPr id="341036404" name="Text 7"/>
+          <p:cNvPr id="1433783079" name="Text 7"/>
           <p:cNvSpPr/>
           <p:nvPr/>
         </p:nvSpPr>
@@ -10894,7 +11013,7 @@
       </p:sp>
       <p:sp>
         <p:nvSpPr>
-          <p:cNvPr id="679499726" name="Text 8"/>
+          <p:cNvPr id="431648905" name="Text 8"/>
           <p:cNvSpPr/>
           <p:nvPr/>
         </p:nvSpPr>
@@ -10936,7 +11055,7 @@
       </p:sp>
       <p:sp>
         <p:nvSpPr>
-          <p:cNvPr id="1463605772" name="Text 9"/>
+          <p:cNvPr id="399265252" name="Text 9"/>
           <p:cNvSpPr/>
           <p:nvPr/>
         </p:nvSpPr>
@@ -11052,7 +11171,7 @@
       </p:sp>
       <p:sp>
         <p:nvSpPr>
-          <p:cNvPr id="1496317625" name="Shape 10"/>
+          <p:cNvPr id="309372583" name="Shape 10"/>
           <p:cNvSpPr/>
           <p:nvPr/>
         </p:nvSpPr>
@@ -11108,7 +11227,7 @@
       </p:sp>
       <p:sp>
         <p:nvSpPr>
-          <p:cNvPr id="1378992206" name="Shape 11"/>
+          <p:cNvPr id="106719767" name="Shape 11"/>
           <p:cNvSpPr/>
           <p:nvPr/>
         </p:nvSpPr>
@@ -11152,7 +11271,7 @@
       </p:sp>
       <p:sp>
         <p:nvSpPr>
-          <p:cNvPr id="1719689853" name="Shape 12"/>
+          <p:cNvPr id="779430715" name="Shape 12"/>
           <p:cNvSpPr/>
           <p:nvPr/>
         </p:nvSpPr>
@@ -11216,7 +11335,7 @@
       </p:sp>
       <p:sp>
         <p:nvSpPr>
-          <p:cNvPr id="1693896523" name="Shape 13"/>
+          <p:cNvPr id="1683626196" name="Shape 13"/>
           <p:cNvSpPr/>
           <p:nvPr/>
         </p:nvSpPr>
@@ -11524,7 +11643,7 @@
       </p:sp>
       <p:sp>
         <p:nvSpPr>
-          <p:cNvPr id="1503889434" name="Shape 14"/>
+          <p:cNvPr id="871533207" name="Shape 14"/>
           <p:cNvSpPr/>
           <p:nvPr/>
         </p:nvSpPr>
@@ -11597,7 +11716,7 @@
       </p:sp>
       <p:sp>
         <p:nvSpPr>
-          <p:cNvPr id="969326393" name="Text 15"/>
+          <p:cNvPr id="995450515" name="Text 15"/>
           <p:cNvSpPr/>
           <p:nvPr/>
         </p:nvSpPr>
@@ -11639,7 +11758,7 @@
       </p:sp>
       <p:sp>
         <p:nvSpPr>
-          <p:cNvPr id="817841999" name="Text 16"/>
+          <p:cNvPr id="1023251417" name="Text 16"/>
           <p:cNvSpPr/>
           <p:nvPr/>
         </p:nvSpPr>
@@ -11681,7 +11800,7 @@
       </p:sp>
       <p:sp>
         <p:nvSpPr>
-          <p:cNvPr id="725953225" name="Text 17"/>
+          <p:cNvPr id="1281084365" name="Text 17"/>
           <p:cNvSpPr/>
           <p:nvPr/>
         </p:nvSpPr>
@@ -11784,7 +11903,7 @@
       </p:sp>
       <p:sp>
         <p:nvSpPr>
-          <p:cNvPr id="222763329" name="Shape 18"/>
+          <p:cNvPr id="722623224" name="Shape 18"/>
           <p:cNvSpPr/>
           <p:nvPr/>
         </p:nvSpPr>
@@ -11840,7 +11959,7 @@
       </p:sp>
       <p:sp>
         <p:nvSpPr>
-          <p:cNvPr id="1881663161" name="Shape 19"/>
+          <p:cNvPr id="476976670" name="Shape 19"/>
           <p:cNvSpPr/>
           <p:nvPr/>
         </p:nvSpPr>
@@ -11884,7 +12003,7 @@
       </p:sp>
       <p:sp>
         <p:nvSpPr>
-          <p:cNvPr id="1165695681" name="Shape 20"/>
+          <p:cNvPr id="288572333" name="Shape 20"/>
           <p:cNvSpPr/>
           <p:nvPr/>
         </p:nvSpPr>
@@ -11948,7 +12067,7 @@
       </p:sp>
       <p:sp>
         <p:nvSpPr>
-          <p:cNvPr id="1736361106" name="Shape 21"/>
+          <p:cNvPr id="340199164" name="Shape 21"/>
           <p:cNvSpPr/>
           <p:nvPr/>
         </p:nvSpPr>
@@ -12118,7 +12237,7 @@
       </p:sp>
       <p:sp>
         <p:nvSpPr>
-          <p:cNvPr id="1110094520" name="Shape 22"/>
+          <p:cNvPr id="1274853768" name="Shape 22"/>
           <p:cNvSpPr/>
           <p:nvPr/>
         </p:nvSpPr>
@@ -12191,7 +12310,7 @@
       </p:sp>
       <p:sp>
         <p:nvSpPr>
-          <p:cNvPr id="1090868733" name="Text 23"/>
+          <p:cNvPr id="324247739" name="Text 23"/>
           <p:cNvSpPr/>
           <p:nvPr/>
         </p:nvSpPr>
@@ -12233,7 +12352,7 @@
       </p:sp>
       <p:sp>
         <p:nvSpPr>
-          <p:cNvPr id="1756604591" name="Text 24"/>
+          <p:cNvPr id="1938183022" name="Text 24"/>
           <p:cNvSpPr/>
           <p:nvPr/>
         </p:nvSpPr>
@@ -12275,7 +12394,7 @@
       </p:sp>
       <p:sp>
         <p:nvSpPr>
-          <p:cNvPr id="741734649" name="Text 25"/>
+          <p:cNvPr id="1262881842" name="Text 25"/>
           <p:cNvSpPr/>
           <p:nvPr/>
         </p:nvSpPr>
@@ -12367,7 +12486,7 @@
       </p:sp>
       <p:sp>
         <p:nvSpPr>
-          <p:cNvPr id="436716788" name="Shape 26"/>
+          <p:cNvPr id="632722752" name="Shape 26"/>
           <p:cNvSpPr/>
           <p:nvPr/>
         </p:nvSpPr>
@@ -12453,7 +12572,7 @@
       </p:sp>
       <p:sp>
         <p:nvSpPr>
-          <p:cNvPr id="1827097121" name="Shape 27"/>
+          <p:cNvPr id="341647178" name="Shape 27"/>
           <p:cNvSpPr/>
           <p:nvPr/>
         </p:nvSpPr>
@@ -12517,7 +12636,7 @@
       </p:sp>
       <p:sp>
         <p:nvSpPr>
-          <p:cNvPr id="816531872" name="Shape 28"/>
+          <p:cNvPr id="775043970" name="Shape 28"/>
           <p:cNvSpPr/>
           <p:nvPr/>
         </p:nvSpPr>
@@ -12637,7 +12756,7 @@
       </p:sp>
       <p:sp>
         <p:nvSpPr>
-          <p:cNvPr id="1399292262" name="Text 29"/>
+          <p:cNvPr id="1241687185" name="Text 29"/>
           <p:cNvSpPr/>
           <p:nvPr/>
         </p:nvSpPr>
@@ -12679,7 +12798,7 @@
       </p:sp>
       <p:sp>
         <p:nvSpPr>
-          <p:cNvPr id="1150720314" name="Text 30"/>
+          <p:cNvPr id="636553588" name="Text 30"/>
           <p:cNvSpPr/>
           <p:nvPr/>
         </p:nvSpPr>
@@ -12750,7 +12869,7 @@
 </p:sld>
 </file>
 
-<file path=ppt/slides/slide13.xml><?xml version="1.0" encoding="utf-8"?>
+<file path=ppt/slides/slide14.xml><?xml version="1.0" encoding="utf-8"?>
 <p:sld xmlns:a="http://schemas.openxmlformats.org/drawingml/2006/main" xmlns:r="http://schemas.openxmlformats.org/officeDocument/2006/relationships" xmlns:p="http://schemas.openxmlformats.org/presentationml/2006/main" xmlns:m="http://schemas.openxmlformats.org/officeDocument/2006/math" xmlns:w="http://schemas.openxmlformats.org/wordprocessingml/2006/main" xmlns:mc="http://schemas.openxmlformats.org/markup-compatibility/2006" showMasterPhAnim="0" showMasterSp="1" show="1">
   <p:cSld name="Slide 13">
     <p:bg>
@@ -12776,7 +12895,7 @@
       </p:grpSpPr>
       <p:pic>
         <p:nvPicPr>
-          <p:cNvPr id="246534065" name="Image 0" descr="https://kimi-web-img.moonshot.cn/img/www.shutterstock.com/12531f60163f5a49b925890cff3139268257011b.jpg"/>
+          <p:cNvPr id="1042322073" name="Image 0" descr="https://kimi-web-img.moonshot.cn/img/www.shutterstock.com/12531f60163f5a49b925890cff3139268257011b.jpg"/>
           <p:cNvPicPr>
             <a:picLocks noChangeAspect="1"/>
           </p:cNvPicPr>
@@ -12802,7 +12921,7 @@
       </p:pic>
       <p:sp>
         <p:nvSpPr>
-          <p:cNvPr id="1787247894" name="Shape 0"/>
+          <p:cNvPr id="998351584" name="Shape 0"/>
           <p:cNvSpPr/>
           <p:nvPr/>
         </p:nvSpPr>
@@ -12863,7 +12982,7 @@
       </p:sp>
       <p:sp>
         <p:nvSpPr>
-          <p:cNvPr id="612822482" name="Shape 1"/>
+          <p:cNvPr id="1616879191" name="Shape 1"/>
           <p:cNvSpPr/>
           <p:nvPr/>
         </p:nvSpPr>
@@ -12936,7 +13055,7 @@
       </p:sp>
       <p:sp>
         <p:nvSpPr>
-          <p:cNvPr id="340324408" name="Shape 2"/>
+          <p:cNvPr id="116109124" name="Shape 2"/>
           <p:cNvSpPr/>
           <p:nvPr/>
         </p:nvSpPr>
@@ -13054,7 +13173,7 @@
       </p:sp>
       <p:sp>
         <p:nvSpPr>
-          <p:cNvPr id="1964152273" name="Text 3"/>
+          <p:cNvPr id="733497427" name="Text 3"/>
           <p:cNvSpPr/>
           <p:nvPr/>
         </p:nvSpPr>
@@ -13096,7 +13215,7 @@
       </p:sp>
       <p:sp>
         <p:nvSpPr>
-          <p:cNvPr id="2093517986" name="Shape 4"/>
+          <p:cNvPr id="1554062358" name="Shape 4"/>
           <p:cNvSpPr/>
           <p:nvPr/>
         </p:nvSpPr>
@@ -13140,7 +13259,7 @@
       </p:sp>
       <p:sp>
         <p:nvSpPr>
-          <p:cNvPr id="2043492453" name="Shape 5"/>
+          <p:cNvPr id="987164915" name="Shape 5"/>
           <p:cNvSpPr/>
           <p:nvPr/>
         </p:nvSpPr>
@@ -13184,7 +13303,7 @@
       </p:sp>
       <p:sp>
         <p:nvSpPr>
-          <p:cNvPr id="1946020554" name="Shape 6"/>
+          <p:cNvPr id="1249581900" name="Shape 6"/>
           <p:cNvSpPr/>
           <p:nvPr/>
         </p:nvSpPr>
@@ -13228,7 +13347,7 @@
       </p:sp>
       <p:sp>
         <p:nvSpPr>
-          <p:cNvPr id="806992932" name="Shape 7"/>
+          <p:cNvPr id="1621763559" name="Shape 7"/>
           <p:cNvSpPr/>
           <p:nvPr/>
         </p:nvSpPr>
@@ -13286,13 +13405,13 @@
           </a:custGeom>
           <a:solidFill>
             <a:srgbClr val="4A5C6A">
-              <a:alpha val="30194"/>
+              <a:alpha val="30193"/>
             </a:srgbClr>
           </a:solidFill>
           <a:ln w="12700">
             <a:solidFill>
               <a:srgbClr val="5F85A5">
-                <a:alpha val="30194"/>
+                <a:alpha val="30193"/>
               </a:srgbClr>
             </a:solidFill>
             <a:prstDash val="solid"/>
@@ -13301,7 +13420,7 @@
       </p:sp>
       <p:sp>
         <p:nvSpPr>
-          <p:cNvPr id="2137173495" name="Shape 8"/>
+          <p:cNvPr id="1546891313" name="Shape 8"/>
           <p:cNvSpPr/>
           <p:nvPr/>
         </p:nvSpPr>
@@ -13374,7 +13493,7 @@
       </p:sp>
       <p:sp>
         <p:nvSpPr>
-          <p:cNvPr id="693865345" name="Shape 9"/>
+          <p:cNvPr id="1896798331" name="Shape 9"/>
           <p:cNvSpPr/>
           <p:nvPr/>
         </p:nvSpPr>
@@ -13553,7 +13672,7 @@
       </p:sp>
       <p:sp>
         <p:nvSpPr>
-          <p:cNvPr id="509387970" name="Text 10"/>
+          <p:cNvPr id="1107086617" name="Text 10"/>
           <p:cNvSpPr/>
           <p:nvPr/>
         </p:nvSpPr>
@@ -13595,7 +13714,7 @@
       </p:sp>
       <p:sp>
         <p:nvSpPr>
-          <p:cNvPr id="2001743862" name="Text 11"/>
+          <p:cNvPr id="1836016075" name="Text 11"/>
           <p:cNvSpPr/>
           <p:nvPr/>
         </p:nvSpPr>
@@ -13639,7 +13758,7 @@
       </p:sp>
       <p:sp>
         <p:nvSpPr>
-          <p:cNvPr id="1301338537" name="Shape 12"/>
+          <p:cNvPr id="680720451" name="Shape 12"/>
           <p:cNvSpPr/>
           <p:nvPr/>
         </p:nvSpPr>
@@ -13697,13 +13816,13 @@
           </a:custGeom>
           <a:solidFill>
             <a:srgbClr val="4A5C6A">
-              <a:alpha val="30194"/>
+              <a:alpha val="30193"/>
             </a:srgbClr>
           </a:solidFill>
           <a:ln w="12700">
             <a:solidFill>
               <a:srgbClr val="4ECDC4">
-                <a:alpha val="30194"/>
+                <a:alpha val="30193"/>
               </a:srgbClr>
             </a:solidFill>
             <a:prstDash val="solid"/>
@@ -13712,7 +13831,7 @@
       </p:sp>
       <p:sp>
         <p:nvSpPr>
-          <p:cNvPr id="1378991017" name="Shape 13"/>
+          <p:cNvPr id="742199639" name="Shape 13"/>
           <p:cNvSpPr/>
           <p:nvPr/>
         </p:nvSpPr>
@@ -13785,7 +13904,7 @@
       </p:sp>
       <p:sp>
         <p:nvSpPr>
-          <p:cNvPr id="861629490" name="Shape 14"/>
+          <p:cNvPr id="1842842196" name="Shape 14"/>
           <p:cNvSpPr/>
           <p:nvPr/>
         </p:nvSpPr>
@@ -14103,7 +14222,7 @@
       </p:sp>
       <p:sp>
         <p:nvSpPr>
-          <p:cNvPr id="1444823579" name="Text 15"/>
+          <p:cNvPr id="370730907" name="Text 15"/>
           <p:cNvSpPr/>
           <p:nvPr/>
         </p:nvSpPr>
@@ -14145,7 +14264,7 @@
       </p:sp>
       <p:sp>
         <p:nvSpPr>
-          <p:cNvPr id="758018500" name="Text 16"/>
+          <p:cNvPr id="1287927728" name="Text 16"/>
           <p:cNvSpPr/>
           <p:nvPr/>
         </p:nvSpPr>
@@ -14189,7 +14308,7 @@
       </p:sp>
       <p:sp>
         <p:nvSpPr>
-          <p:cNvPr id="987715178" name="Shape 17"/>
+          <p:cNvPr id="82748908" name="Shape 17"/>
           <p:cNvSpPr/>
           <p:nvPr/>
         </p:nvSpPr>
@@ -14247,13 +14366,13 @@
           </a:custGeom>
           <a:solidFill>
             <a:srgbClr val="4A5C6A">
-              <a:alpha val="30194"/>
+              <a:alpha val="30193"/>
             </a:srgbClr>
           </a:solidFill>
           <a:ln w="12700">
             <a:solidFill>
               <a:srgbClr val="F39C12">
-                <a:alpha val="30194"/>
+                <a:alpha val="30193"/>
               </a:srgbClr>
             </a:solidFill>
             <a:prstDash val="solid"/>
@@ -14262,7 +14381,7 @@
       </p:sp>
       <p:sp>
         <p:nvSpPr>
-          <p:cNvPr id="1072412805" name="Shape 18"/>
+          <p:cNvPr id="1434423171" name="Shape 18"/>
           <p:cNvSpPr/>
           <p:nvPr/>
         </p:nvSpPr>
@@ -14335,7 +14454,7 @@
       </p:sp>
       <p:sp>
         <p:nvSpPr>
-          <p:cNvPr id="1929217282" name="Shape 19"/>
+          <p:cNvPr id="569654327" name="Shape 19"/>
           <p:cNvSpPr/>
           <p:nvPr/>
         </p:nvSpPr>
@@ -14435,7 +14554,7 @@
       </p:sp>
       <p:sp>
         <p:nvSpPr>
-          <p:cNvPr id="1190265806" name="Text 20"/>
+          <p:cNvPr id="441205606" name="Text 20"/>
           <p:cNvSpPr/>
           <p:nvPr/>
         </p:nvSpPr>
@@ -14477,7 +14596,7 @@
       </p:sp>
       <p:sp>
         <p:nvSpPr>
-          <p:cNvPr id="943248642" name="Text 21"/>
+          <p:cNvPr id="1588784129" name="Text 21"/>
           <p:cNvSpPr/>
           <p:nvPr/>
         </p:nvSpPr>
@@ -14565,7 +14684,7 @@
       </p:grpSpPr>
       <p:sp>
         <p:nvSpPr>
-          <p:cNvPr id="897005248" name="Shape 0"/>
+          <p:cNvPr id="1286473648" name="Shape 0"/>
           <p:cNvSpPr/>
           <p:nvPr/>
         </p:nvSpPr>
@@ -14629,7 +14748,7 @@
       </p:sp>
       <p:sp>
         <p:nvSpPr>
-          <p:cNvPr id="1175841815" name="Text 1"/>
+          <p:cNvPr id="864749181" name="Text 1"/>
           <p:cNvSpPr/>
           <p:nvPr/>
         </p:nvSpPr>
@@ -14671,7 +14790,7 @@
       </p:sp>
       <p:sp>
         <p:nvSpPr>
-          <p:cNvPr id="1821037428" name="Text 2"/>
+          <p:cNvPr id="1864666311" name="Text 2"/>
           <p:cNvSpPr/>
           <p:nvPr/>
         </p:nvSpPr>
@@ -14713,7 +14832,7 @@
       </p:sp>
       <p:sp>
         <p:nvSpPr>
-          <p:cNvPr id="1077286542" name="Shape 3"/>
+          <p:cNvPr id="2019310211" name="Shape 3"/>
           <p:cNvSpPr/>
           <p:nvPr/>
         </p:nvSpPr>
@@ -14786,7 +14905,7 @@
       </p:sp>
       <p:sp>
         <p:nvSpPr>
-          <p:cNvPr id="1141904608" name="Shape 4"/>
+          <p:cNvPr id="608832439" name="Shape 4"/>
           <p:cNvSpPr/>
           <p:nvPr/>
         </p:nvSpPr>
@@ -14859,7 +14978,7 @@
       </p:sp>
       <p:sp>
         <p:nvSpPr>
-          <p:cNvPr id="1829333951" name="Shape 5"/>
+          <p:cNvPr id="1487020206" name="Shape 5"/>
           <p:cNvSpPr/>
           <p:nvPr/>
         </p:nvSpPr>
@@ -14994,7 +15113,7 @@
       </p:sp>
       <p:sp>
         <p:nvSpPr>
-          <p:cNvPr id="1489042657" name="Text 6"/>
+          <p:cNvPr id="1658356146" name="Text 6"/>
           <p:cNvSpPr/>
           <p:nvPr/>
         </p:nvSpPr>
@@ -15036,7 +15155,7 @@
       </p:sp>
       <p:sp>
         <p:nvSpPr>
-          <p:cNvPr id="907558720" name="Shape 7"/>
+          <p:cNvPr id="981827625" name="Shape 7"/>
           <p:cNvSpPr/>
           <p:nvPr/>
         </p:nvSpPr>
@@ -15156,7 +15275,7 @@
       </p:sp>
       <p:sp>
         <p:nvSpPr>
-          <p:cNvPr id="1624173509" name="Text 8"/>
+          <p:cNvPr id="928518514" name="Text 8"/>
           <p:cNvSpPr/>
           <p:nvPr/>
         </p:nvSpPr>
@@ -15198,7 +15317,7 @@
       </p:sp>
       <p:sp>
         <p:nvSpPr>
-          <p:cNvPr id="709878074" name="Text 9"/>
+          <p:cNvPr id="884644728" name="Text 9"/>
           <p:cNvSpPr/>
           <p:nvPr/>
         </p:nvSpPr>
@@ -15242,7 +15361,7 @@
       </p:sp>
       <p:sp>
         <p:nvSpPr>
-          <p:cNvPr id="675829921" name="Shape 10"/>
+          <p:cNvPr id="598124682" name="Shape 10"/>
           <p:cNvSpPr/>
           <p:nvPr/>
         </p:nvSpPr>
@@ -15468,7 +15587,7 @@
       </p:sp>
       <p:sp>
         <p:nvSpPr>
-          <p:cNvPr id="302524122" name="Text 11"/>
+          <p:cNvPr id="868466064" name="Text 11"/>
           <p:cNvSpPr/>
           <p:nvPr/>
         </p:nvSpPr>
@@ -15510,7 +15629,7 @@
       </p:sp>
       <p:sp>
         <p:nvSpPr>
-          <p:cNvPr id="1593953226" name="Text 12"/>
+          <p:cNvPr id="1744106593" name="Text 12"/>
           <p:cNvSpPr/>
           <p:nvPr/>
         </p:nvSpPr>
@@ -15567,7 +15686,7 @@
       </p:sp>
       <p:sp>
         <p:nvSpPr>
-          <p:cNvPr id="160452981" name="Shape 13"/>
+          <p:cNvPr id="1358086279" name="Shape 13"/>
           <p:cNvSpPr/>
           <p:nvPr/>
         </p:nvSpPr>
@@ -15705,7 +15824,7 @@
       </p:sp>
       <p:sp>
         <p:nvSpPr>
-          <p:cNvPr id="1772971182" name="Text 14"/>
+          <p:cNvPr id="806184259" name="Text 14"/>
           <p:cNvSpPr/>
           <p:nvPr/>
         </p:nvSpPr>
@@ -15747,7 +15866,7 @@
       </p:sp>
       <p:sp>
         <p:nvSpPr>
-          <p:cNvPr id="2046026079" name="Text 15"/>
+          <p:cNvPr id="1482269978" name="Text 15"/>
           <p:cNvSpPr/>
           <p:nvPr/>
         </p:nvSpPr>
@@ -15791,7 +15910,7 @@
       </p:sp>
       <p:sp>
         <p:nvSpPr>
-          <p:cNvPr id="1224976189" name="Shape 16"/>
+          <p:cNvPr id="1219965163" name="Shape 16"/>
           <p:cNvSpPr/>
           <p:nvPr/>
         </p:nvSpPr>
@@ -15864,7 +15983,7 @@
       </p:sp>
       <p:sp>
         <p:nvSpPr>
-          <p:cNvPr id="1399618247" name="Shape 17"/>
+          <p:cNvPr id="1445240121" name="Shape 17"/>
           <p:cNvSpPr/>
           <p:nvPr/>
         </p:nvSpPr>
@@ -15937,7 +16056,7 @@
       </p:sp>
       <p:sp>
         <p:nvSpPr>
-          <p:cNvPr id="291506746" name="Shape 18"/>
+          <p:cNvPr id="1960873668" name="Shape 18"/>
           <p:cNvSpPr/>
           <p:nvPr/>
         </p:nvSpPr>
@@ -16062,7 +16181,7 @@
       </p:sp>
       <p:sp>
         <p:nvSpPr>
-          <p:cNvPr id="1882652640" name="Text 19"/>
+          <p:cNvPr id="553012299" name="Text 19"/>
           <p:cNvSpPr/>
           <p:nvPr/>
         </p:nvSpPr>
@@ -16104,7 +16223,7 @@
       </p:sp>
       <p:sp>
         <p:nvSpPr>
-          <p:cNvPr id="190953645" name="Shape 20"/>
+          <p:cNvPr id="1263660855" name="Shape 20"/>
           <p:cNvSpPr/>
           <p:nvPr/>
         </p:nvSpPr>
@@ -16230,7 +16349,7 @@
       </p:sp>
       <p:sp>
         <p:nvSpPr>
-          <p:cNvPr id="771033626" name="Text 21"/>
+          <p:cNvPr id="505950189" name="Text 21"/>
           <p:cNvSpPr/>
           <p:nvPr/>
         </p:nvSpPr>
@@ -16272,7 +16391,7 @@
       </p:sp>
       <p:sp>
         <p:nvSpPr>
-          <p:cNvPr id="111987954" name="Text 22"/>
+          <p:cNvPr id="1239066452" name="Text 22"/>
           <p:cNvSpPr/>
           <p:nvPr/>
         </p:nvSpPr>
@@ -16316,7 +16435,7 @@
       </p:sp>
       <p:sp>
         <p:nvSpPr>
-          <p:cNvPr id="1354793287" name="Shape 23"/>
+          <p:cNvPr id="1054974895" name="Shape 23"/>
           <p:cNvSpPr/>
           <p:nvPr/>
         </p:nvSpPr>
@@ -16414,7 +16533,7 @@
       </p:sp>
       <p:sp>
         <p:nvSpPr>
-          <p:cNvPr id="639757937" name="Text 24"/>
+          <p:cNvPr id="1079566517" name="Text 24"/>
           <p:cNvSpPr/>
           <p:nvPr/>
         </p:nvSpPr>
@@ -16456,7 +16575,7 @@
       </p:sp>
       <p:sp>
         <p:nvSpPr>
-          <p:cNvPr id="402809306" name="Text 25"/>
+          <p:cNvPr id="1262108071" name="Text 25"/>
           <p:cNvSpPr/>
           <p:nvPr/>
         </p:nvSpPr>
@@ -16513,7 +16632,7 @@
       </p:sp>
       <p:sp>
         <p:nvSpPr>
-          <p:cNvPr id="1803245118" name="Shape 26"/>
+          <p:cNvPr id="1047228882" name="Shape 26"/>
           <p:cNvSpPr/>
           <p:nvPr/>
         </p:nvSpPr>
@@ -16683,7 +16802,7 @@
       </p:sp>
       <p:sp>
         <p:nvSpPr>
-          <p:cNvPr id="4492260" name="Text 27"/>
+          <p:cNvPr id="1713452882" name="Text 27"/>
           <p:cNvSpPr/>
           <p:nvPr/>
         </p:nvSpPr>
@@ -16725,7 +16844,7 @@
       </p:sp>
       <p:sp>
         <p:nvSpPr>
-          <p:cNvPr id="247678006" name="Text 28"/>
+          <p:cNvPr id="564561028" name="Text 28"/>
           <p:cNvSpPr/>
           <p:nvPr/>
         </p:nvSpPr>
@@ -16769,7 +16888,7 @@
       </p:sp>
       <p:sp>
         <p:nvSpPr>
-          <p:cNvPr id="1798176829" name="Shape 29"/>
+          <p:cNvPr id="1372442065" name="Shape 29"/>
           <p:cNvSpPr/>
           <p:nvPr/>
         </p:nvSpPr>
@@ -16833,7 +16952,7 @@
           <a:ln w="12700">
             <a:solidFill>
               <a:srgbClr val="5F85A5">
-                <a:alpha val="30194"/>
+                <a:alpha val="30193"/>
               </a:srgbClr>
             </a:solidFill>
             <a:prstDash val="solid"/>
@@ -16842,7 +16961,7 @@
       </p:sp>
       <p:sp>
         <p:nvSpPr>
-          <p:cNvPr id="166847472" name="Text 30"/>
+          <p:cNvPr id="1862404875" name="Text 30"/>
           <p:cNvSpPr/>
           <p:nvPr/>
         </p:nvSpPr>
@@ -16884,7 +17003,7 @@
       </p:sp>
       <p:sp>
         <p:nvSpPr>
-          <p:cNvPr id="708551680" name="Shape 31"/>
+          <p:cNvPr id="462520753" name="Shape 31"/>
           <p:cNvSpPr/>
           <p:nvPr/>
         </p:nvSpPr>
@@ -16948,7 +17067,7 @@
           <a:ln w="12700">
             <a:solidFill>
               <a:srgbClr val="E74C3C">
-                <a:alpha val="30194"/>
+                <a:alpha val="30193"/>
               </a:srgbClr>
             </a:solidFill>
             <a:prstDash val="solid"/>
@@ -16957,7 +17076,7 @@
       </p:sp>
       <p:sp>
         <p:nvSpPr>
-          <p:cNvPr id="1932830153" name="Text 32"/>
+          <p:cNvPr id="267016177" name="Text 32"/>
           <p:cNvSpPr/>
           <p:nvPr/>
         </p:nvSpPr>
@@ -16999,7 +17118,7 @@
       </p:sp>
       <p:sp>
         <p:nvSpPr>
-          <p:cNvPr id="37980040" name="Shape 33"/>
+          <p:cNvPr id="1323734792" name="Shape 33"/>
           <p:cNvSpPr/>
           <p:nvPr/>
         </p:nvSpPr>
@@ -17205,7 +17324,7 @@
       </p:sp>
       <p:sp>
         <p:nvSpPr>
-          <p:cNvPr id="95708390" name="Shape 34"/>
+          <p:cNvPr id="1641552347" name="Shape 34"/>
           <p:cNvSpPr/>
           <p:nvPr/>
         </p:nvSpPr>
@@ -17269,7 +17388,7 @@
       </p:sp>
       <p:sp>
         <p:nvSpPr>
-          <p:cNvPr id="1611258713" name="Text 35"/>
+          <p:cNvPr id="868971832" name="Text 35"/>
           <p:cNvSpPr/>
           <p:nvPr/>
         </p:nvSpPr>
@@ -17313,7 +17432,7 @@
       </p:sp>
       <p:sp>
         <p:nvSpPr>
-          <p:cNvPr id="213605038" name="Shape 36"/>
+          <p:cNvPr id="1994909740" name="Shape 36"/>
           <p:cNvSpPr/>
           <p:nvPr/>
         </p:nvSpPr>
@@ -17379,7 +17498,7 @@
       </p:sp>
       <p:sp>
         <p:nvSpPr>
-          <p:cNvPr id="678266313" name="Text 37"/>
+          <p:cNvPr id="867265101" name="Text 37"/>
           <p:cNvSpPr/>
           <p:nvPr/>
         </p:nvSpPr>
@@ -17423,7 +17542,7 @@
       </p:sp>
       <p:sp>
         <p:nvSpPr>
-          <p:cNvPr id="548021473" name="Shape 38"/>
+          <p:cNvPr id="676542919" name="Shape 38"/>
           <p:cNvSpPr/>
           <p:nvPr/>
         </p:nvSpPr>
@@ -17489,7 +17608,7 @@
       </p:sp>
       <p:sp>
         <p:nvSpPr>
-          <p:cNvPr id="1001012919" name="Text 39"/>
+          <p:cNvPr id="1839784084" name="Text 39"/>
           <p:cNvSpPr/>
           <p:nvPr/>
         </p:nvSpPr>
@@ -17533,7 +17652,7 @@
       </p:sp>
       <p:sp>
         <p:nvSpPr>
-          <p:cNvPr id="1506933132" name="Shape 40"/>
+          <p:cNvPr id="625806392" name="Shape 40"/>
           <p:cNvSpPr/>
           <p:nvPr/>
         </p:nvSpPr>
@@ -17597,7 +17716,7 @@
           <a:ln w="12700">
             <a:solidFill>
               <a:srgbClr val="4ECDC4">
-                <a:alpha val="30194"/>
+                <a:alpha val="30193"/>
               </a:srgbClr>
             </a:solidFill>
             <a:prstDash val="solid"/>
@@ -17606,7 +17725,7 @@
       </p:sp>
       <p:sp>
         <p:nvSpPr>
-          <p:cNvPr id="568846964" name="Text 41"/>
+          <p:cNvPr id="2011979282" name="Text 41"/>
           <p:cNvSpPr/>
           <p:nvPr/>
         </p:nvSpPr>
@@ -17648,7 +17767,7 @@
       </p:sp>
       <p:sp>
         <p:nvSpPr>
-          <p:cNvPr id="373167708" name="Shape 42"/>
+          <p:cNvPr id="1509179879" name="Shape 42"/>
           <p:cNvSpPr/>
           <p:nvPr/>
         </p:nvSpPr>
@@ -17745,7 +17864,7 @@
       </p:sp>
       <p:sp>
         <p:nvSpPr>
-          <p:cNvPr id="628691231" name="Shape 43"/>
+          <p:cNvPr id="961887800" name="Shape 43"/>
           <p:cNvSpPr/>
           <p:nvPr/>
         </p:nvSpPr>
@@ -17809,7 +17928,7 @@
       </p:sp>
       <p:sp>
         <p:nvSpPr>
-          <p:cNvPr id="1206675882" name="Text 44"/>
+          <p:cNvPr id="910091380" name="Text 44"/>
           <p:cNvSpPr/>
           <p:nvPr/>
         </p:nvSpPr>
@@ -17853,7 +17972,7 @@
       </p:sp>
       <p:sp>
         <p:nvSpPr>
-          <p:cNvPr id="1959470773" name="Shape 45"/>
+          <p:cNvPr id="149130250" name="Shape 45"/>
           <p:cNvSpPr/>
           <p:nvPr/>
         </p:nvSpPr>
@@ -17917,7 +18036,7 @@
       </p:sp>
       <p:sp>
         <p:nvSpPr>
-          <p:cNvPr id="853180070" name="Text 46"/>
+          <p:cNvPr id="827272668" name="Text 46"/>
           <p:cNvSpPr/>
           <p:nvPr/>
         </p:nvSpPr>
@@ -17961,7 +18080,7 @@
       </p:sp>
       <p:sp>
         <p:nvSpPr>
-          <p:cNvPr id="641510055" name="Shape 47"/>
+          <p:cNvPr id="1324062237" name="Shape 47"/>
           <p:cNvSpPr/>
           <p:nvPr/>
         </p:nvSpPr>
@@ -18025,7 +18144,7 @@
       </p:sp>
       <p:sp>
         <p:nvSpPr>
-          <p:cNvPr id="896532678" name="Text 48"/>
+          <p:cNvPr id="852977421" name="Text 48"/>
           <p:cNvSpPr/>
           <p:nvPr/>
         </p:nvSpPr>
@@ -18069,7 +18188,7 @@
       </p:sp>
       <p:sp>
         <p:nvSpPr>
-          <p:cNvPr id="1774436745" name="Shape 49"/>
+          <p:cNvPr id="1228107178" name="Shape 49"/>
           <p:cNvSpPr/>
           <p:nvPr/>
         </p:nvSpPr>
@@ -18133,7 +18252,7 @@
           <a:ln w="12700">
             <a:solidFill>
               <a:srgbClr val="4ECDC4">
-                <a:alpha val="30194"/>
+                <a:alpha val="30193"/>
               </a:srgbClr>
             </a:solidFill>
             <a:prstDash val="solid"/>
@@ -18142,7 +18261,7 @@
       </p:sp>
       <p:sp>
         <p:nvSpPr>
-          <p:cNvPr id="2116272592" name="Shape 50"/>
+          <p:cNvPr id="364289743" name="Shape 50"/>
           <p:cNvSpPr/>
           <p:nvPr/>
         </p:nvSpPr>
@@ -18254,7 +18373,7 @@
       </p:sp>
       <p:sp>
         <p:nvSpPr>
-          <p:cNvPr id="1127992499" name="Text 51"/>
+          <p:cNvPr id="1597384382" name="Text 51"/>
           <p:cNvSpPr/>
           <p:nvPr/>
         </p:nvSpPr>
@@ -18340,7 +18459,7 @@
       </p:grpSpPr>
       <p:sp>
         <p:nvSpPr>
-          <p:cNvPr id="2115491081" name="Shape 0"/>
+          <p:cNvPr id="1241693330" name="Shape 0"/>
           <p:cNvSpPr/>
           <p:nvPr/>
         </p:nvSpPr>
@@ -18404,7 +18523,7 @@
       </p:sp>
       <p:sp>
         <p:nvSpPr>
-          <p:cNvPr id="1821976015" name="Text 1"/>
+          <p:cNvPr id="53887868" name="Text 1"/>
           <p:cNvSpPr/>
           <p:nvPr/>
         </p:nvSpPr>
@@ -18446,7 +18565,7 @@
       </p:sp>
       <p:sp>
         <p:nvSpPr>
-          <p:cNvPr id="1338211477" name="Text 2"/>
+          <p:cNvPr id="741343000" name="Text 2"/>
           <p:cNvSpPr/>
           <p:nvPr/>
         </p:nvSpPr>
@@ -18488,7 +18607,7 @@
       </p:sp>
       <p:sp>
         <p:nvSpPr>
-          <p:cNvPr id="1644939113" name="Shape 3"/>
+          <p:cNvPr id="630791839" name="Shape 3"/>
           <p:cNvSpPr/>
           <p:nvPr/>
         </p:nvSpPr>
@@ -18552,7 +18671,7 @@
           <a:ln w="12700">
             <a:solidFill>
               <a:srgbClr val="5F85A5">
-                <a:alpha val="30194"/>
+                <a:alpha val="30193"/>
               </a:srgbClr>
             </a:solidFill>
             <a:prstDash val="solid"/>
@@ -18561,7 +18680,7 @@
       </p:sp>
       <p:sp>
         <p:nvSpPr>
-          <p:cNvPr id="807717272" name="Shape 4"/>
+          <p:cNvPr id="1143713185" name="Shape 4"/>
           <p:cNvSpPr/>
           <p:nvPr/>
         </p:nvSpPr>
@@ -18634,7 +18753,7 @@
       </p:sp>
       <p:sp>
         <p:nvSpPr>
-          <p:cNvPr id="1758342515" name="Shape 5"/>
+          <p:cNvPr id="296337178" name="Shape 5"/>
           <p:cNvSpPr/>
           <p:nvPr/>
         </p:nvSpPr>
@@ -18772,7 +18891,7 @@
       </p:sp>
       <p:sp>
         <p:nvSpPr>
-          <p:cNvPr id="1181450072" name="Text 6"/>
+          <p:cNvPr id="120392059" name="Text 6"/>
           <p:cNvSpPr/>
           <p:nvPr/>
         </p:nvSpPr>
@@ -18814,7 +18933,7 @@
       </p:sp>
       <p:sp>
         <p:nvSpPr>
-          <p:cNvPr id="1823548175" name="Text 7"/>
+          <p:cNvPr id="197976323" name="Text 7"/>
           <p:cNvSpPr/>
           <p:nvPr/>
         </p:nvSpPr>
@@ -18882,7 +19001,7 @@
       </p:sp>
       <p:sp>
         <p:nvSpPr>
-          <p:cNvPr id="1287903286" name="Shape 8"/>
+          <p:cNvPr id="357596997" name="Shape 8"/>
           <p:cNvSpPr/>
           <p:nvPr/>
         </p:nvSpPr>
@@ -18955,7 +19074,7 @@
       </p:sp>
       <p:sp>
         <p:nvSpPr>
-          <p:cNvPr id="1788704770" name="Shape 9"/>
+          <p:cNvPr id="1378753044" name="Shape 9"/>
           <p:cNvSpPr/>
           <p:nvPr/>
         </p:nvSpPr>
@@ -19028,7 +19147,7 @@
       </p:sp>
       <p:sp>
         <p:nvSpPr>
-          <p:cNvPr id="1878460211" name="Shape 10"/>
+          <p:cNvPr id="1196000896" name="Shape 10"/>
           <p:cNvSpPr/>
           <p:nvPr/>
         </p:nvSpPr>
@@ -19159,7 +19278,7 @@
       </p:sp>
       <p:sp>
         <p:nvSpPr>
-          <p:cNvPr id="959120433" name="Text 11"/>
+          <p:cNvPr id="2056000716" name="Text 11"/>
           <p:cNvSpPr/>
           <p:nvPr/>
         </p:nvSpPr>
@@ -19201,7 +19320,7 @@
       </p:sp>
       <p:sp>
         <p:nvSpPr>
-          <p:cNvPr id="923737299" name="Text 12"/>
+          <p:cNvPr id="1365880047" name="Text 12"/>
           <p:cNvSpPr/>
           <p:nvPr/>
         </p:nvSpPr>
@@ -19245,7 +19364,7 @@
       </p:sp>
       <p:sp>
         <p:nvSpPr>
-          <p:cNvPr id="359685740" name="Shape 13"/>
+          <p:cNvPr id="904025074" name="Shape 13"/>
           <p:cNvSpPr/>
           <p:nvPr/>
         </p:nvSpPr>
@@ -19318,7 +19437,7 @@
       </p:sp>
       <p:sp>
         <p:nvSpPr>
-          <p:cNvPr id="913053663" name="Shape 14"/>
+          <p:cNvPr id="1714574663" name="Shape 14"/>
           <p:cNvSpPr/>
           <p:nvPr/>
         </p:nvSpPr>
@@ -19391,7 +19510,7 @@
       </p:sp>
       <p:sp>
         <p:nvSpPr>
-          <p:cNvPr id="618726479" name="Shape 15"/>
+          <p:cNvPr id="1419078063" name="Shape 15"/>
           <p:cNvSpPr/>
           <p:nvPr/>
         </p:nvSpPr>
@@ -19495,7 +19614,7 @@
       </p:sp>
       <p:sp>
         <p:nvSpPr>
-          <p:cNvPr id="1238643000" name="Text 16"/>
+          <p:cNvPr id="1695799035" name="Text 16"/>
           <p:cNvSpPr/>
           <p:nvPr/>
         </p:nvSpPr>
@@ -19537,7 +19656,7 @@
       </p:sp>
       <p:sp>
         <p:nvSpPr>
-          <p:cNvPr id="400046557" name="Text 17"/>
+          <p:cNvPr id="474341218" name="Text 17"/>
           <p:cNvSpPr/>
           <p:nvPr/>
         </p:nvSpPr>
@@ -19581,7 +19700,7 @@
       </p:sp>
       <p:sp>
         <p:nvSpPr>
-          <p:cNvPr id="2038043412" name="Shape 18"/>
+          <p:cNvPr id="454260323" name="Shape 18"/>
           <p:cNvSpPr/>
           <p:nvPr/>
         </p:nvSpPr>
@@ -19654,7 +19773,7 @@
       </p:sp>
       <p:sp>
         <p:nvSpPr>
-          <p:cNvPr id="1328975080" name="Shape 19"/>
+          <p:cNvPr id="1768678403" name="Shape 19"/>
           <p:cNvSpPr/>
           <p:nvPr/>
         </p:nvSpPr>
@@ -19727,7 +19846,7 @@
       </p:sp>
       <p:sp>
         <p:nvSpPr>
-          <p:cNvPr id="1929626548" name="Shape 20"/>
+          <p:cNvPr id="1087433703" name="Shape 20"/>
           <p:cNvSpPr/>
           <p:nvPr/>
         </p:nvSpPr>
@@ -19993,7 +20112,7 @@
       </p:sp>
       <p:sp>
         <p:nvSpPr>
-          <p:cNvPr id="982090855" name="Text 21"/>
+          <p:cNvPr id="1394103790" name="Text 21"/>
           <p:cNvSpPr/>
           <p:nvPr/>
         </p:nvSpPr>
@@ -20035,7 +20154,7 @@
       </p:sp>
       <p:sp>
         <p:nvSpPr>
-          <p:cNvPr id="190712023" name="Text 22"/>
+          <p:cNvPr id="1296354189" name="Text 22"/>
           <p:cNvSpPr/>
           <p:nvPr/>
         </p:nvSpPr>
@@ -20079,7 +20198,7 @@
       </p:sp>
       <p:sp>
         <p:nvSpPr>
-          <p:cNvPr id="1547167564" name="Shape 23"/>
+          <p:cNvPr id="1244008070" name="Shape 23"/>
           <p:cNvSpPr/>
           <p:nvPr/>
         </p:nvSpPr>
@@ -20152,7 +20271,7 @@
       </p:sp>
       <p:sp>
         <p:nvSpPr>
-          <p:cNvPr id="947199740" name="Shape 24"/>
+          <p:cNvPr id="278321868" name="Shape 24"/>
           <p:cNvSpPr/>
           <p:nvPr/>
         </p:nvSpPr>
@@ -20225,7 +20344,7 @@
       </p:sp>
       <p:sp>
         <p:nvSpPr>
-          <p:cNvPr id="1267259668" name="Shape 25"/>
+          <p:cNvPr id="285855755" name="Shape 25"/>
           <p:cNvSpPr/>
           <p:nvPr/>
         </p:nvSpPr>
@@ -20367,7 +20486,7 @@
       </p:sp>
       <p:sp>
         <p:nvSpPr>
-          <p:cNvPr id="210440006" name="Text 26"/>
+          <p:cNvPr id="24526155" name="Text 26"/>
           <p:cNvSpPr/>
           <p:nvPr/>
         </p:nvSpPr>
@@ -20409,7 +20528,7 @@
       </p:sp>
       <p:sp>
         <p:nvSpPr>
-          <p:cNvPr id="1063139450" name="Text 27"/>
+          <p:cNvPr id="746476434" name="Text 27"/>
           <p:cNvSpPr/>
           <p:nvPr/>
         </p:nvSpPr>
@@ -20453,7 +20572,7 @@
       </p:sp>
       <p:sp>
         <p:nvSpPr>
-          <p:cNvPr id="1698715117" name="Shape 28"/>
+          <p:cNvPr id="1181669626" name="Shape 28"/>
           <p:cNvSpPr/>
           <p:nvPr/>
         </p:nvSpPr>
@@ -20517,7 +20636,7 @@
           <a:ln w="12700">
             <a:solidFill>
               <a:srgbClr val="5F85A5">
-                <a:alpha val="30194"/>
+                <a:alpha val="30193"/>
               </a:srgbClr>
             </a:solidFill>
             <a:prstDash val="solid"/>
@@ -20526,7 +20645,7 @@
       </p:sp>
       <p:sp>
         <p:nvSpPr>
-          <p:cNvPr id="189559186" name="Text 29"/>
+          <p:cNvPr id="947794053" name="Text 29"/>
           <p:cNvSpPr/>
           <p:nvPr/>
         </p:nvSpPr>
@@ -20568,7 +20687,7 @@
       </p:sp>
       <p:pic>
         <p:nvPicPr>
-          <p:cNvPr id="266596200" name="Image 0" descr="https://kimi-img.moonshot.cn/pub/slides/26-01-29-03:40:55-d5t6chrid4ma1laigeeg.png"/>
+          <p:cNvPr id="2066621622" name="Image 0" descr="https://kimi-img.moonshot.cn/pub/slides/26-01-29-03:40:55-d5t6chrid4ma1laigeeg.png"/>
           <p:cNvPicPr>
             <a:picLocks noChangeAspect="1"/>
           </p:cNvPicPr>
@@ -20593,7 +20712,7 @@
       </p:pic>
       <p:sp>
         <p:nvSpPr>
-          <p:cNvPr id="2064959388" name="Shape 30"/>
+          <p:cNvPr id="829945893" name="Shape 30"/>
           <p:cNvSpPr/>
           <p:nvPr/>
         </p:nvSpPr>
@@ -20657,7 +20776,7 @@
           <a:ln w="12700">
             <a:solidFill>
               <a:srgbClr val="5F85A5">
-                <a:alpha val="30194"/>
+                <a:alpha val="30193"/>
               </a:srgbClr>
             </a:solidFill>
             <a:prstDash val="solid"/>
@@ -20666,7 +20785,7 @@
       </p:sp>
       <p:sp>
         <p:nvSpPr>
-          <p:cNvPr id="398785920" name="Shape 31"/>
+          <p:cNvPr id="1637486297" name="Shape 31"/>
           <p:cNvSpPr/>
           <p:nvPr/>
         </p:nvSpPr>
@@ -20730,7 +20849,7 @@
           <a:ln w="12700">
             <a:solidFill>
               <a:srgbClr val="4ECDC4">
-                <a:alpha val="30194"/>
+                <a:alpha val="30193"/>
               </a:srgbClr>
             </a:solidFill>
             <a:prstDash val="solid"/>
@@ -20739,7 +20858,7 @@
       </p:sp>
       <p:sp>
         <p:nvSpPr>
-          <p:cNvPr id="1610533117" name="Shape 32"/>
+          <p:cNvPr id="60387074" name="Shape 32"/>
           <p:cNvSpPr/>
           <p:nvPr/>
         </p:nvSpPr>
@@ -20812,7 +20931,7 @@
       </p:sp>
       <p:sp>
         <p:nvSpPr>
-          <p:cNvPr id="2034508001" name="Shape 33"/>
+          <p:cNvPr id="1584839088" name="Shape 33"/>
           <p:cNvSpPr/>
           <p:nvPr/>
         </p:nvSpPr>
@@ -20910,7 +21029,7 @@
       </p:sp>
       <p:sp>
         <p:nvSpPr>
-          <p:cNvPr id="1406189527" name="Text 34"/>
+          <p:cNvPr id="2042106599" name="Text 34"/>
           <p:cNvSpPr/>
           <p:nvPr/>
         </p:nvSpPr>
@@ -20952,7 +21071,7 @@
       </p:sp>
       <p:sp>
         <p:nvSpPr>
-          <p:cNvPr id="56191060" name="Text 35"/>
+          <p:cNvPr id="1676591407" name="Text 35"/>
           <p:cNvSpPr/>
           <p:nvPr/>
         </p:nvSpPr>
@@ -20996,7 +21115,7 @@
       </p:sp>
       <p:sp>
         <p:nvSpPr>
-          <p:cNvPr id="83476796" name="Text 36"/>
+          <p:cNvPr id="1611425153" name="Text 36"/>
           <p:cNvSpPr/>
           <p:nvPr/>
         </p:nvSpPr>
@@ -21038,7 +21157,7 @@
       </p:sp>
       <p:sp>
         <p:nvSpPr>
-          <p:cNvPr id="926494266" name="Shape 37"/>
+          <p:cNvPr id="561840376" name="Shape 37"/>
           <p:cNvSpPr/>
           <p:nvPr/>
         </p:nvSpPr>
@@ -21102,7 +21221,7 @@
           <a:ln w="12700">
             <a:solidFill>
               <a:srgbClr val="E74C3C">
-                <a:alpha val="30194"/>
+                <a:alpha val="30193"/>
               </a:srgbClr>
             </a:solidFill>
             <a:prstDash val="solid"/>
@@ -21111,7 +21230,7 @@
       </p:sp>
       <p:sp>
         <p:nvSpPr>
-          <p:cNvPr id="1009173724" name="Shape 38"/>
+          <p:cNvPr id="630652833" name="Shape 38"/>
           <p:cNvSpPr/>
           <p:nvPr/>
         </p:nvSpPr>
@@ -21193,7 +21312,7 @@
       </p:sp>
       <p:sp>
         <p:nvSpPr>
-          <p:cNvPr id="122318703" name="Shape 39"/>
+          <p:cNvPr id="103896060" name="Shape 39"/>
           <p:cNvSpPr/>
           <p:nvPr/>
         </p:nvSpPr>
@@ -21371,7 +21490,7 @@
       </p:sp>
       <p:sp>
         <p:nvSpPr>
-          <p:cNvPr id="1640323685" name="Text 40"/>
+          <p:cNvPr id="2128565922" name="Text 40"/>
           <p:cNvSpPr/>
           <p:nvPr/>
         </p:nvSpPr>
@@ -21413,7 +21532,7 @@
       </p:sp>
       <p:sp>
         <p:nvSpPr>
-          <p:cNvPr id="765922883" name="Text 41"/>
+          <p:cNvPr id="302883214" name="Text 41"/>
           <p:cNvSpPr/>
           <p:nvPr/>
         </p:nvSpPr>
@@ -21457,7 +21576,7 @@
       </p:sp>
       <p:sp>
         <p:nvSpPr>
-          <p:cNvPr id="412207661" name="Text 42"/>
+          <p:cNvPr id="203841995" name="Text 42"/>
           <p:cNvSpPr/>
           <p:nvPr/>
         </p:nvSpPr>
@@ -21528,7 +21647,7 @@
       </p:sp>
       <p:sp>
         <p:nvSpPr>
-          <p:cNvPr id="1795955918" name="Shape 43"/>
+          <p:cNvPr id="402587589" name="Shape 43"/>
           <p:cNvSpPr/>
           <p:nvPr/>
         </p:nvSpPr>
@@ -21592,7 +21711,7 @@
           <a:ln w="12700">
             <a:solidFill>
               <a:srgbClr val="F39C12">
-                <a:alpha val="30194"/>
+                <a:alpha val="30193"/>
               </a:srgbClr>
             </a:solidFill>
             <a:prstDash val="solid"/>
@@ -21601,7 +21720,7 @@
       </p:sp>
       <p:sp>
         <p:nvSpPr>
-          <p:cNvPr id="1926611775" name="Shape 44"/>
+          <p:cNvPr id="747901837" name="Shape 44"/>
           <p:cNvSpPr/>
           <p:nvPr/>
         </p:nvSpPr>
@@ -21674,7 +21793,7 @@
       </p:sp>
       <p:sp>
         <p:nvSpPr>
-          <p:cNvPr id="1986631588" name="Shape 45"/>
+          <p:cNvPr id="294654309" name="Shape 45"/>
           <p:cNvSpPr/>
           <p:nvPr/>
         </p:nvSpPr>
@@ -21771,7 +21890,7 @@
       </p:sp>
       <p:sp>
         <p:nvSpPr>
-          <p:cNvPr id="1116584641" name="Text 46"/>
+          <p:cNvPr id="473708338" name="Text 46"/>
           <p:cNvSpPr/>
           <p:nvPr/>
         </p:nvSpPr>
@@ -21813,7 +21932,7 @@
       </p:sp>
       <p:sp>
         <p:nvSpPr>
-          <p:cNvPr id="2117101449" name="Text 47"/>
+          <p:cNvPr id="2105133547" name="Text 47"/>
           <p:cNvSpPr/>
           <p:nvPr/>
         </p:nvSpPr>
@@ -21857,7 +21976,7 @@
       </p:sp>
       <p:sp>
         <p:nvSpPr>
-          <p:cNvPr id="1005026255" name="Text 48"/>
+          <p:cNvPr id="1953431423" name="Text 48"/>
           <p:cNvSpPr/>
           <p:nvPr/>
         </p:nvSpPr>
@@ -21899,7 +22018,7 @@
       </p:sp>
       <p:sp>
         <p:nvSpPr>
-          <p:cNvPr id="528019730" name="Shape 49"/>
+          <p:cNvPr id="25261963" name="Shape 49"/>
           <p:cNvSpPr/>
           <p:nvPr/>
         </p:nvSpPr>
@@ -21963,7 +22082,7 @@
           <a:ln w="12700">
             <a:solidFill>
               <a:srgbClr val="9B59B6">
-                <a:alpha val="30194"/>
+                <a:alpha val="30193"/>
               </a:srgbClr>
             </a:solidFill>
             <a:prstDash val="solid"/>
@@ -21972,7 +22091,7 @@
       </p:sp>
       <p:sp>
         <p:nvSpPr>
-          <p:cNvPr id="570942384" name="Shape 50"/>
+          <p:cNvPr id="1873246164" name="Shape 50"/>
           <p:cNvSpPr/>
           <p:nvPr/>
         </p:nvSpPr>
@@ -22045,7 +22164,7 @@
       </p:sp>
       <p:sp>
         <p:nvSpPr>
-          <p:cNvPr id="1275346605" name="Shape 51"/>
+          <p:cNvPr id="1763373703" name="Shape 51"/>
           <p:cNvSpPr/>
           <p:nvPr/>
         </p:nvSpPr>
@@ -22328,7 +22447,7 @@
       </p:sp>
       <p:sp>
         <p:nvSpPr>
-          <p:cNvPr id="743132103" name="Text 52"/>
+          <p:cNvPr id="804313096" name="Text 52"/>
           <p:cNvSpPr/>
           <p:nvPr/>
         </p:nvSpPr>
@@ -22370,7 +22489,7 @@
       </p:sp>
       <p:sp>
         <p:nvSpPr>
-          <p:cNvPr id="297483830" name="Text 53"/>
+          <p:cNvPr id="1618651523" name="Text 53"/>
           <p:cNvSpPr/>
           <p:nvPr/>
         </p:nvSpPr>
@@ -22414,7 +22533,7 @@
       </p:sp>
       <p:sp>
         <p:nvSpPr>
-          <p:cNvPr id="1110879003" name="Text 54"/>
+          <p:cNvPr id="1474984577" name="Text 54"/>
           <p:cNvSpPr/>
           <p:nvPr/>
         </p:nvSpPr>
@@ -22456,7 +22575,7 @@
       </p:sp>
       <p:sp>
         <p:nvSpPr>
-          <p:cNvPr id="368940229" name="Shape 55"/>
+          <p:cNvPr id="1229217625" name="Shape 55"/>
           <p:cNvSpPr/>
           <p:nvPr/>
         </p:nvSpPr>
@@ -22520,7 +22639,7 @@
           <a:ln w="12700">
             <a:solidFill>
               <a:srgbClr val="7F8C8D">
-                <a:alpha val="30194"/>
+                <a:alpha val="30193"/>
               </a:srgbClr>
             </a:solidFill>
             <a:prstDash val="solid"/>
@@ -22529,7 +22648,7 @@
       </p:sp>
       <p:sp>
         <p:nvSpPr>
-          <p:cNvPr id="123852460" name="Shape 56"/>
+          <p:cNvPr id="1869116544" name="Shape 56"/>
           <p:cNvSpPr/>
           <p:nvPr/>
         </p:nvSpPr>
@@ -22602,7 +22721,7 @@
       </p:sp>
       <p:sp>
         <p:nvSpPr>
-          <p:cNvPr id="1057039530" name="Shape 57"/>
+          <p:cNvPr id="552607257" name="Shape 57"/>
           <p:cNvSpPr/>
           <p:nvPr/>
         </p:nvSpPr>
@@ -22765,7 +22884,7 @@
       </p:sp>
       <p:sp>
         <p:nvSpPr>
-          <p:cNvPr id="1938208792" name="Text 58"/>
+          <p:cNvPr id="278355376" name="Text 58"/>
           <p:cNvSpPr/>
           <p:nvPr/>
         </p:nvSpPr>
@@ -22807,7 +22926,7 @@
       </p:sp>
       <p:sp>
         <p:nvSpPr>
-          <p:cNvPr id="1747201214" name="Text 59"/>
+          <p:cNvPr id="1928478397" name="Text 59"/>
           <p:cNvSpPr/>
           <p:nvPr/>
         </p:nvSpPr>
@@ -22851,7 +22970,7 @@
       </p:sp>
       <p:sp>
         <p:nvSpPr>
-          <p:cNvPr id="663140234" name="Text 60"/>
+          <p:cNvPr id="1823590039" name="Text 60"/>
           <p:cNvSpPr/>
           <p:nvPr/>
         </p:nvSpPr>
@@ -22937,7 +23056,7 @@
       </p:grpSpPr>
       <p:sp>
         <p:nvSpPr>
-          <p:cNvPr id="1926770180" name="Shape 0"/>
+          <p:cNvPr id="2119578038" name="Shape 0"/>
           <p:cNvSpPr/>
           <p:nvPr/>
         </p:nvSpPr>
@@ -23001,7 +23120,7 @@
       </p:sp>
       <p:sp>
         <p:nvSpPr>
-          <p:cNvPr id="1753884615" name="Text 1"/>
+          <p:cNvPr id="220200141" name="Text 1"/>
           <p:cNvSpPr/>
           <p:nvPr/>
         </p:nvSpPr>
@@ -23054,7 +23173,7 @@
       </p:sp>
       <p:pic>
         <p:nvPicPr>
-          <p:cNvPr id="1564294781" name="Image 0" descr="https://kimi-img.moonshot.cn/pub/slides/26-01-29-04:12:23-d5t6r9sqdqeqh6ga6e6g.png"/>
+          <p:cNvPr id="55908261" name="Image 0" descr="https://kimi-img.moonshot.cn/pub/slides/26-01-29-04:12:23-d5t6r9sqdqeqh6ga6e6g.png"/>
           <p:cNvPicPr>
             <a:picLocks noChangeAspect="1"/>
           </p:cNvPicPr>
@@ -23076,7 +23195,7 @@
       </p:pic>
       <p:pic>
         <p:nvPicPr>
-          <p:cNvPr id="1050825372" name="Image 1" descr="https://kimi-img.moonshot.cn/pub/slides/26-01-29-04:13:05-d5t6rkf60ra4vsp8erp0.png"/>
+          <p:cNvPr id="1074757315" name="Image 1" descr="https://kimi-img.moonshot.cn/pub/slides/26-01-29-04:13:05-d5t6rkf60ra4vsp8erp0.png"/>
           <p:cNvPicPr>
             <a:picLocks noChangeAspect="1"/>
           </p:cNvPicPr>
@@ -23098,7 +23217,7 @@
       </p:pic>
       <p:pic>
         <p:nvPicPr>
-          <p:cNvPr id="220140149" name="Image 2" descr="https://kimi-img.moonshot.cn/pub/slides/26-01-29-04:16:57-d5t6tebmsqfdj3fsp09g.png"/>
+          <p:cNvPr id="563123252" name="Image 2" descr="https://kimi-img.moonshot.cn/pub/slides/26-01-29-04:16:57-d5t6tebmsqfdj3fsp09g.png"/>
           <p:cNvPicPr>
             <a:picLocks noChangeAspect="1"/>
           </p:cNvPicPr>
@@ -23164,7 +23283,7 @@
       </p:grpSpPr>
       <p:sp>
         <p:nvSpPr>
-          <p:cNvPr id="305899918" name="Shape 0"/>
+          <p:cNvPr id="736875756" name="Shape 0"/>
           <p:cNvSpPr/>
           <p:nvPr/>
         </p:nvSpPr>
@@ -23228,7 +23347,7 @@
       </p:sp>
       <p:sp>
         <p:nvSpPr>
-          <p:cNvPr id="782569329" name="Text 1"/>
+          <p:cNvPr id="820964199" name="Text 1"/>
           <p:cNvSpPr/>
           <p:nvPr/>
         </p:nvSpPr>
@@ -23270,7 +23389,7 @@
       </p:sp>
       <p:sp>
         <p:nvSpPr>
-          <p:cNvPr id="1433725306" name="Text 2"/>
+          <p:cNvPr id="410831563" name="Text 2"/>
           <p:cNvSpPr/>
           <p:nvPr/>
         </p:nvSpPr>
@@ -23312,7 +23431,7 @@
       </p:sp>
       <p:sp>
         <p:nvSpPr>
-          <p:cNvPr id="211638226" name="Shape 3"/>
+          <p:cNvPr id="2076148578" name="Shape 3"/>
           <p:cNvSpPr/>
           <p:nvPr/>
         </p:nvSpPr>
@@ -23385,7 +23504,7 @@
       </p:sp>
       <p:sp>
         <p:nvSpPr>
-          <p:cNvPr id="410558319" name="Shape 4"/>
+          <p:cNvPr id="176940705" name="Shape 4"/>
           <p:cNvSpPr/>
           <p:nvPr/>
         </p:nvSpPr>
@@ -23458,7 +23577,7 @@
       </p:sp>
       <p:sp>
         <p:nvSpPr>
-          <p:cNvPr id="1851760800" name="Shape 5"/>
+          <p:cNvPr id="596079595" name="Shape 5"/>
           <p:cNvSpPr/>
           <p:nvPr/>
         </p:nvSpPr>
@@ -23578,7 +23697,7 @@
       </p:sp>
       <p:sp>
         <p:nvSpPr>
-          <p:cNvPr id="457270785" name="Text 6"/>
+          <p:cNvPr id="988358643" name="Text 6"/>
           <p:cNvSpPr/>
           <p:nvPr/>
         </p:nvSpPr>
@@ -23620,7 +23739,7 @@
       </p:sp>
       <p:sp>
         <p:nvSpPr>
-          <p:cNvPr id="238141953" name="Shape 7"/>
+          <p:cNvPr id="2051538164" name="Shape 7"/>
           <p:cNvSpPr/>
           <p:nvPr/>
         </p:nvSpPr>
@@ -23684,7 +23803,7 @@
           <a:ln w="12700">
             <a:solidFill>
               <a:srgbClr val="4ECDC4">
-                <a:alpha val="30194"/>
+                <a:alpha val="30193"/>
               </a:srgbClr>
             </a:solidFill>
             <a:prstDash val="solid"/>
@@ -23693,7 +23812,7 @@
       </p:sp>
       <p:sp>
         <p:nvSpPr>
-          <p:cNvPr id="78027617" name="Shape 8"/>
+          <p:cNvPr id="956473228" name="Shape 8"/>
           <p:cNvSpPr/>
           <p:nvPr/>
         </p:nvSpPr>
@@ -23791,7 +23910,7 @@
       </p:sp>
       <p:sp>
         <p:nvSpPr>
-          <p:cNvPr id="501999901" name="Text 9"/>
+          <p:cNvPr id="800585854" name="Text 9"/>
           <p:cNvSpPr/>
           <p:nvPr/>
         </p:nvSpPr>
@@ -23833,7 +23952,7 @@
       </p:sp>
       <p:sp>
         <p:nvSpPr>
-          <p:cNvPr id="889627758" name="Text 10"/>
+          <p:cNvPr id="1425411478" name="Text 10"/>
           <p:cNvSpPr/>
           <p:nvPr/>
         </p:nvSpPr>
@@ -23877,7 +23996,7 @@
       </p:sp>
       <p:sp>
         <p:nvSpPr>
-          <p:cNvPr id="274916091" name="Text 11"/>
+          <p:cNvPr id="1431949331" name="Text 11"/>
           <p:cNvSpPr/>
           <p:nvPr/>
         </p:nvSpPr>
@@ -23921,7 +24040,7 @@
       </p:sp>
       <p:sp>
         <p:nvSpPr>
-          <p:cNvPr id="1802965484" name="Shape 12"/>
+          <p:cNvPr id="2020612291" name="Shape 12"/>
           <p:cNvSpPr/>
           <p:nvPr/>
         </p:nvSpPr>
@@ -23985,7 +24104,7 @@
           <a:ln w="12700">
             <a:solidFill>
               <a:srgbClr val="F39C12">
-                <a:alpha val="30194"/>
+                <a:alpha val="30193"/>
               </a:srgbClr>
             </a:solidFill>
             <a:prstDash val="solid"/>
@@ -23994,7 +24113,7 @@
       </p:sp>
       <p:sp>
         <p:nvSpPr>
-          <p:cNvPr id="54699609" name="Shape 13"/>
+          <p:cNvPr id="204126796" name="Shape 13"/>
           <p:cNvSpPr/>
           <p:nvPr/>
         </p:nvSpPr>
@@ -24128,7 +24247,7 @@
       </p:sp>
       <p:sp>
         <p:nvSpPr>
-          <p:cNvPr id="592338251" name="Text 14"/>
+          <p:cNvPr id="1764043702" name="Text 14"/>
           <p:cNvSpPr/>
           <p:nvPr/>
         </p:nvSpPr>
@@ -24170,7 +24289,7 @@
       </p:sp>
       <p:sp>
         <p:nvSpPr>
-          <p:cNvPr id="86714447" name="Text 15"/>
+          <p:cNvPr id="320239465" name="Text 15"/>
           <p:cNvSpPr/>
           <p:nvPr/>
         </p:nvSpPr>
@@ -24214,7 +24333,7 @@
       </p:sp>
       <p:sp>
         <p:nvSpPr>
-          <p:cNvPr id="1983599252" name="Text 16"/>
+          <p:cNvPr id="1231352340" name="Text 16"/>
           <p:cNvSpPr/>
           <p:nvPr/>
         </p:nvSpPr>
@@ -24258,7 +24377,7 @@
       </p:sp>
       <p:sp>
         <p:nvSpPr>
-          <p:cNvPr id="899627138" name="Shape 17"/>
+          <p:cNvPr id="545340737" name="Shape 17"/>
           <p:cNvSpPr/>
           <p:nvPr/>
         </p:nvSpPr>
@@ -24331,7 +24450,7 @@
       </p:sp>
       <p:sp>
         <p:nvSpPr>
-          <p:cNvPr id="1072354483" name="Shape 18"/>
+          <p:cNvPr id="1914605392" name="Shape 18"/>
           <p:cNvSpPr/>
           <p:nvPr/>
         </p:nvSpPr>
@@ -24404,7 +24523,7 @@
       </p:sp>
       <p:sp>
         <p:nvSpPr>
-          <p:cNvPr id="678906160" name="Shape 19"/>
+          <p:cNvPr id="1631878854" name="Shape 19"/>
           <p:cNvSpPr/>
           <p:nvPr/>
         </p:nvSpPr>
@@ -24520,7 +24639,7 @@
       </p:sp>
       <p:sp>
         <p:nvSpPr>
-          <p:cNvPr id="1726356240" name="Text 20"/>
+          <p:cNvPr id="1427074700" name="Text 20"/>
           <p:cNvSpPr/>
           <p:nvPr/>
         </p:nvSpPr>
@@ -24562,7 +24681,7 @@
       </p:sp>
       <p:sp>
         <p:nvSpPr>
-          <p:cNvPr id="1092553145" name="Shape 21"/>
+          <p:cNvPr id="2143857451" name="Shape 21"/>
           <p:cNvSpPr/>
           <p:nvPr/>
         </p:nvSpPr>
@@ -24626,7 +24745,7 @@
           <a:ln w="12700">
             <a:solidFill>
               <a:srgbClr val="F39C12">
-                <a:alpha val="30194"/>
+                <a:alpha val="30193"/>
               </a:srgbClr>
             </a:solidFill>
             <a:prstDash val="solid"/>
@@ -24635,7 +24754,7 @@
       </p:sp>
       <p:sp>
         <p:nvSpPr>
-          <p:cNvPr id="2010865211" name="Shape 22"/>
+          <p:cNvPr id="868016817" name="Shape 22"/>
           <p:cNvSpPr/>
           <p:nvPr/>
         </p:nvSpPr>
@@ -24741,7 +24860,7 @@
       </p:sp>
       <p:sp>
         <p:nvSpPr>
-          <p:cNvPr id="1705357919" name="Text 23"/>
+          <p:cNvPr id="1165667541" name="Text 23"/>
           <p:cNvSpPr/>
           <p:nvPr/>
         </p:nvSpPr>
@@ -24783,7 +24902,7 @@
       </p:sp>
       <p:sp>
         <p:nvSpPr>
-          <p:cNvPr id="1656015184" name="Text 24"/>
+          <p:cNvPr id="966783053" name="Text 24"/>
           <p:cNvSpPr/>
           <p:nvPr/>
         </p:nvSpPr>
@@ -24827,7 +24946,7 @@
       </p:sp>
       <p:sp>
         <p:nvSpPr>
-          <p:cNvPr id="1055986820" name="Text 25"/>
+          <p:cNvPr id="229770276" name="Text 25"/>
           <p:cNvSpPr/>
           <p:nvPr/>
         </p:nvSpPr>
@@ -24871,7 +24990,7 @@
       </p:sp>
       <p:sp>
         <p:nvSpPr>
-          <p:cNvPr id="877044213" name="Shape 26"/>
+          <p:cNvPr id="361447890" name="Shape 26"/>
           <p:cNvSpPr/>
           <p:nvPr/>
         </p:nvSpPr>
@@ -24935,7 +25054,7 @@
           <a:ln w="12700">
             <a:solidFill>
               <a:srgbClr val="4ECDC4">
-                <a:alpha val="30194"/>
+                <a:alpha val="30193"/>
               </a:srgbClr>
             </a:solidFill>
             <a:prstDash val="solid"/>
@@ -24944,7 +25063,7 @@
       </p:sp>
       <p:sp>
         <p:nvSpPr>
-          <p:cNvPr id="134731048" name="Shape 27"/>
+          <p:cNvPr id="654002711" name="Shape 27"/>
           <p:cNvSpPr/>
           <p:nvPr/>
         </p:nvSpPr>
@@ -25092,7 +25211,7 @@
       </p:sp>
       <p:sp>
         <p:nvSpPr>
-          <p:cNvPr id="1679272824" name="Text 28"/>
+          <p:cNvPr id="814523105" name="Text 28"/>
           <p:cNvSpPr/>
           <p:nvPr/>
         </p:nvSpPr>
@@ -25134,7 +25253,7 @@
       </p:sp>
       <p:sp>
         <p:nvSpPr>
-          <p:cNvPr id="784424276" name="Text 29"/>
+          <p:cNvPr id="1171162197" name="Text 29"/>
           <p:cNvSpPr/>
           <p:nvPr/>
         </p:nvSpPr>
@@ -25178,7 +25297,7 @@
       </p:sp>
       <p:sp>
         <p:nvSpPr>
-          <p:cNvPr id="1440730716" name="Text 30"/>
+          <p:cNvPr id="1401305849" name="Text 30"/>
           <p:cNvSpPr/>
           <p:nvPr/>
         </p:nvSpPr>
@@ -25222,7 +25341,7 @@
       </p:sp>
       <p:sp>
         <p:nvSpPr>
-          <p:cNvPr id="98605521" name="Shape 31"/>
+          <p:cNvPr id="1827248753" name="Shape 31"/>
           <p:cNvSpPr/>
           <p:nvPr/>
         </p:nvSpPr>
@@ -25295,7 +25414,7 @@
       </p:sp>
       <p:sp>
         <p:nvSpPr>
-          <p:cNvPr id="483202466" name="Shape 32"/>
+          <p:cNvPr id="1134985798" name="Shape 32"/>
           <p:cNvSpPr/>
           <p:nvPr/>
         </p:nvSpPr>
@@ -25368,7 +25487,7 @@
       </p:sp>
       <p:sp>
         <p:nvSpPr>
-          <p:cNvPr id="1730744209" name="Shape 33"/>
+          <p:cNvPr id="618725756" name="Shape 33"/>
           <p:cNvSpPr/>
           <p:nvPr/>
         </p:nvSpPr>
@@ -25514,7 +25633,7 @@
       </p:sp>
       <p:sp>
         <p:nvSpPr>
-          <p:cNvPr id="312943371" name="Text 34"/>
+          <p:cNvPr id="352938078" name="Text 34"/>
           <p:cNvSpPr/>
           <p:nvPr/>
         </p:nvSpPr>
@@ -25556,7 +25675,7 @@
       </p:sp>
       <p:sp>
         <p:nvSpPr>
-          <p:cNvPr id="1212892142" name="Shape 35"/>
+          <p:cNvPr id="1923118313" name="Shape 35"/>
           <p:cNvSpPr/>
           <p:nvPr/>
         </p:nvSpPr>
@@ -25620,7 +25739,7 @@
           <a:ln w="12700">
             <a:solidFill>
               <a:srgbClr val="E74C3C">
-                <a:alpha val="30194"/>
+                <a:alpha val="30193"/>
               </a:srgbClr>
             </a:solidFill>
             <a:prstDash val="solid"/>
@@ -25629,7 +25748,7 @@
       </p:sp>
       <p:sp>
         <p:nvSpPr>
-          <p:cNvPr id="232418873" name="Shape 36"/>
+          <p:cNvPr id="1757385914" name="Shape 36"/>
           <p:cNvSpPr/>
           <p:nvPr/>
         </p:nvSpPr>
@@ -25837,7 +25956,7 @@
       </p:sp>
       <p:sp>
         <p:nvSpPr>
-          <p:cNvPr id="602129056" name="Text 37"/>
+          <p:cNvPr id="929843935" name="Text 37"/>
           <p:cNvSpPr/>
           <p:nvPr/>
         </p:nvSpPr>
@@ -25879,7 +25998,7 @@
       </p:sp>
       <p:sp>
         <p:nvSpPr>
-          <p:cNvPr id="880473763" name="Text 38"/>
+          <p:cNvPr id="1244248073" name="Text 38"/>
           <p:cNvSpPr/>
           <p:nvPr/>
         </p:nvSpPr>
@@ -25923,7 +26042,7 @@
       </p:sp>
       <p:sp>
         <p:nvSpPr>
-          <p:cNvPr id="899025653" name="Text 39"/>
+          <p:cNvPr id="300644985" name="Text 39"/>
           <p:cNvSpPr/>
           <p:nvPr/>
         </p:nvSpPr>
@@ -25967,7 +26086,7 @@
       </p:sp>
       <p:sp>
         <p:nvSpPr>
-          <p:cNvPr id="804409029" name="Shape 40"/>
+          <p:cNvPr id="1067755582" name="Shape 40"/>
           <p:cNvSpPr/>
           <p:nvPr/>
         </p:nvSpPr>
@@ -26031,7 +26150,7 @@
           <a:ln w="12700">
             <a:solidFill>
               <a:srgbClr val="F39C12">
-                <a:alpha val="30194"/>
+                <a:alpha val="30193"/>
               </a:srgbClr>
             </a:solidFill>
             <a:prstDash val="solid"/>
@@ -26040,7 +26159,7 @@
       </p:sp>
       <p:sp>
         <p:nvSpPr>
-          <p:cNvPr id="829389319" name="Shape 41"/>
+          <p:cNvPr id="1571267502" name="Shape 41"/>
           <p:cNvSpPr/>
           <p:nvPr/>
         </p:nvSpPr>
@@ -26153,7 +26272,7 @@
       </p:sp>
       <p:sp>
         <p:nvSpPr>
-          <p:cNvPr id="108696148" name="Text 42"/>
+          <p:cNvPr id="804222599" name="Text 42"/>
           <p:cNvSpPr/>
           <p:nvPr/>
         </p:nvSpPr>
@@ -26195,7 +26314,7 @@
       </p:sp>
       <p:sp>
         <p:nvSpPr>
-          <p:cNvPr id="1386680697" name="Text 43"/>
+          <p:cNvPr id="464179632" name="Text 43"/>
           <p:cNvSpPr/>
           <p:nvPr/>
         </p:nvSpPr>
@@ -26239,7 +26358,7 @@
       </p:sp>
       <p:sp>
         <p:nvSpPr>
-          <p:cNvPr id="8446061" name="Text 44"/>
+          <p:cNvPr id="138470542" name="Text 44"/>
           <p:cNvSpPr/>
           <p:nvPr/>
         </p:nvSpPr>
@@ -26283,7 +26402,7 @@
       </p:sp>
       <p:sp>
         <p:nvSpPr>
-          <p:cNvPr id="2107794011" name="Shape 45"/>
+          <p:cNvPr id="1893596884" name="Shape 45"/>
           <p:cNvSpPr/>
           <p:nvPr/>
         </p:nvSpPr>
@@ -26347,7 +26466,7 @@
           <a:ln w="12700">
             <a:solidFill>
               <a:srgbClr val="5F85A5">
-                <a:alpha val="30194"/>
+                <a:alpha val="30193"/>
               </a:srgbClr>
             </a:solidFill>
             <a:prstDash val="solid"/>
@@ -26356,7 +26475,7 @@
       </p:sp>
       <p:sp>
         <p:nvSpPr>
-          <p:cNvPr id="1623492216" name="Text 46"/>
+          <p:cNvPr id="2141592808" name="Text 46"/>
           <p:cNvSpPr/>
           <p:nvPr/>
         </p:nvSpPr>
@@ -26398,7 +26517,7 @@
       </p:sp>
       <p:pic>
         <p:nvPicPr>
-          <p:cNvPr id="251392746" name="Image 0" descr="https://kimi-img.moonshot.cn/pub/slides/26-01-29-03:44:23-d5t6e5u0ftls5bf5vtfg.png"/>
+          <p:cNvPr id="1949861873" name="Image 0" descr="https://kimi-img.moonshot.cn/pub/slides/26-01-29-03:44:23-d5t6e5u0ftls5bf5vtfg.png"/>
           <p:cNvPicPr>
             <a:picLocks noChangeAspect="1"/>
           </p:cNvPicPr>
@@ -26420,7 +26539,7 @@
       </p:pic>
       <p:sp>
         <p:nvSpPr>
-          <p:cNvPr id="1247493622" name="Text 47"/>
+          <p:cNvPr id="513780963" name="Text 47"/>
           <p:cNvSpPr/>
           <p:nvPr/>
         </p:nvSpPr>
@@ -26464,7 +26583,7 @@
       </p:sp>
       <p:pic>
         <p:nvPicPr>
-          <p:cNvPr id="1246014506" name="Image 1" descr="https://kimi-img.moonshot.cn/pub/slides/26-01-29-04:03:03-d5t6mto64o3oh3ev23eg.png"/>
+          <p:cNvPr id="1081947813" name="Image 1" descr="https://kimi-img.moonshot.cn/pub/slides/26-01-29-04:03:03-d5t6mto64o3oh3ev23eg.png"/>
           <p:cNvPicPr>
             <a:picLocks noChangeAspect="1"/>
           </p:cNvPicPr>
@@ -26530,7 +26649,7 @@
       </p:grpSpPr>
       <p:sp>
         <p:nvSpPr>
-          <p:cNvPr id="942285884" name="Shape 0"/>
+          <p:cNvPr id="1069813030" name="Shape 0"/>
           <p:cNvSpPr/>
           <p:nvPr/>
         </p:nvSpPr>
@@ -26594,7 +26713,7 @@
       </p:sp>
       <p:sp>
         <p:nvSpPr>
-          <p:cNvPr id="1078350088" name="Text 1"/>
+          <p:cNvPr id="1023105024" name="Text 1"/>
           <p:cNvSpPr/>
           <p:nvPr/>
         </p:nvSpPr>
@@ -26636,7 +26755,7 @@
       </p:sp>
       <p:sp>
         <p:nvSpPr>
-          <p:cNvPr id="606601745" name="Text 2"/>
+          <p:cNvPr id="1982974940" name="Text 2"/>
           <p:cNvSpPr/>
           <p:nvPr/>
         </p:nvSpPr>
@@ -26678,7 +26797,7 @@
       </p:sp>
       <p:sp>
         <p:nvSpPr>
-          <p:cNvPr id="823435882" name="Shape 3"/>
+          <p:cNvPr id="115857116" name="Shape 3"/>
           <p:cNvSpPr/>
           <p:nvPr/>
         </p:nvSpPr>
@@ -26751,7 +26870,7 @@
       </p:sp>
       <p:sp>
         <p:nvSpPr>
-          <p:cNvPr id="981452095" name="Shape 4"/>
+          <p:cNvPr id="820907707" name="Shape 4"/>
           <p:cNvSpPr/>
           <p:nvPr/>
         </p:nvSpPr>
@@ -26824,7 +26943,7 @@
       </p:sp>
       <p:sp>
         <p:nvSpPr>
-          <p:cNvPr id="1200282239" name="Shape 5"/>
+          <p:cNvPr id="1752133768" name="Shape 5"/>
           <p:cNvSpPr/>
           <p:nvPr/>
         </p:nvSpPr>
@@ -26949,7 +27068,7 @@
       </p:sp>
       <p:sp>
         <p:nvSpPr>
-          <p:cNvPr id="1790803228" name="Text 6"/>
+          <p:cNvPr id="1354588732" name="Text 6"/>
           <p:cNvSpPr/>
           <p:nvPr/>
         </p:nvSpPr>
@@ -26991,7 +27110,7 @@
       </p:sp>
       <p:sp>
         <p:nvSpPr>
-          <p:cNvPr id="1580298512" name="Shape 7"/>
+          <p:cNvPr id="1749683161" name="Shape 7"/>
           <p:cNvSpPr/>
           <p:nvPr/>
         </p:nvSpPr>
@@ -27055,7 +27174,7 @@
           <a:ln w="12700">
             <a:solidFill>
               <a:srgbClr val="5F85A5">
-                <a:alpha val="30194"/>
+                <a:alpha val="30193"/>
               </a:srgbClr>
             </a:solidFill>
             <a:prstDash val="solid"/>
@@ -27064,7 +27183,7 @@
       </p:sp>
       <p:sp>
         <p:nvSpPr>
-          <p:cNvPr id="818728569" name="Text 8"/>
+          <p:cNvPr id="1383582821" name="Text 8"/>
           <p:cNvSpPr/>
           <p:nvPr/>
         </p:nvSpPr>
@@ -27106,7 +27225,7 @@
       </p:sp>
       <p:sp>
         <p:nvSpPr>
-          <p:cNvPr id="450891752" name="Text 9"/>
+          <p:cNvPr id="456498868" name="Text 9"/>
           <p:cNvSpPr/>
           <p:nvPr/>
         </p:nvSpPr>
@@ -27150,7 +27269,7 @@
       </p:sp>
       <p:sp>
         <p:nvSpPr>
-          <p:cNvPr id="948140275" name="Shape 10"/>
+          <p:cNvPr id="1471626882" name="Shape 10"/>
           <p:cNvSpPr/>
           <p:nvPr/>
         </p:nvSpPr>
@@ -27214,7 +27333,7 @@
           <a:ln w="12700">
             <a:solidFill>
               <a:srgbClr val="5F85A5">
-                <a:alpha val="30194"/>
+                <a:alpha val="30193"/>
               </a:srgbClr>
             </a:solidFill>
             <a:prstDash val="solid"/>
@@ -27223,7 +27342,7 @@
       </p:sp>
       <p:sp>
         <p:nvSpPr>
-          <p:cNvPr id="877838727" name="Text 11"/>
+          <p:cNvPr id="1502939226" name="Text 11"/>
           <p:cNvSpPr/>
           <p:nvPr/>
         </p:nvSpPr>
@@ -27265,7 +27384,7 @@
       </p:sp>
       <p:sp>
         <p:nvSpPr>
-          <p:cNvPr id="591598309" name="Text 12"/>
+          <p:cNvPr id="1897852566" name="Text 12"/>
           <p:cNvSpPr/>
           <p:nvPr/>
         </p:nvSpPr>
@@ -27309,7 +27428,7 @@
       </p:sp>
       <p:sp>
         <p:nvSpPr>
-          <p:cNvPr id="1423571279" name="Shape 13"/>
+          <p:cNvPr id="44820627" name="Shape 13"/>
           <p:cNvSpPr/>
           <p:nvPr/>
         </p:nvSpPr>
@@ -27373,7 +27492,7 @@
           <a:ln w="12700">
             <a:solidFill>
               <a:srgbClr val="5F85A5">
-                <a:alpha val="30194"/>
+                <a:alpha val="30193"/>
               </a:srgbClr>
             </a:solidFill>
             <a:prstDash val="solid"/>
@@ -27382,7 +27501,7 @@
       </p:sp>
       <p:sp>
         <p:nvSpPr>
-          <p:cNvPr id="899095780" name="Text 14"/>
+          <p:cNvPr id="17925736" name="Text 14"/>
           <p:cNvSpPr/>
           <p:nvPr/>
         </p:nvSpPr>
@@ -27424,7 +27543,7 @@
       </p:sp>
       <p:sp>
         <p:nvSpPr>
-          <p:cNvPr id="530288617" name="Text 15"/>
+          <p:cNvPr id="2070205660" name="Text 15"/>
           <p:cNvSpPr/>
           <p:nvPr/>
         </p:nvSpPr>
@@ -27468,7 +27587,7 @@
       </p:sp>
       <p:sp>
         <p:nvSpPr>
-          <p:cNvPr id="2105281693" name="Shape 16"/>
+          <p:cNvPr id="2007470698" name="Shape 16"/>
           <p:cNvSpPr/>
           <p:nvPr/>
         </p:nvSpPr>
@@ -27541,7 +27660,7 @@
       </p:sp>
       <p:sp>
         <p:nvSpPr>
-          <p:cNvPr id="588472966" name="Shape 17"/>
+          <p:cNvPr id="2047129969" name="Shape 17"/>
           <p:cNvSpPr/>
           <p:nvPr/>
         </p:nvSpPr>
@@ -27614,7 +27733,7 @@
       </p:sp>
       <p:sp>
         <p:nvSpPr>
-          <p:cNvPr id="533409405" name="Shape 18"/>
+          <p:cNvPr id="98452192" name="Shape 18"/>
           <p:cNvSpPr/>
           <p:nvPr/>
         </p:nvSpPr>
@@ -27778,7 +27897,7 @@
       </p:sp>
       <p:sp>
         <p:nvSpPr>
-          <p:cNvPr id="442285481" name="Text 19"/>
+          <p:cNvPr id="1614436704" name="Text 19"/>
           <p:cNvSpPr/>
           <p:nvPr/>
         </p:nvSpPr>
@@ -27820,7 +27939,7 @@
       </p:sp>
       <p:sp>
         <p:nvSpPr>
-          <p:cNvPr id="347383474" name="Shape 20"/>
+          <p:cNvPr id="823114256" name="Shape 20"/>
           <p:cNvSpPr/>
           <p:nvPr/>
         </p:nvSpPr>
@@ -27884,7 +28003,7 @@
           <a:ln w="12700">
             <a:solidFill>
               <a:srgbClr val="4ECDC4">
-                <a:alpha val="30194"/>
+                <a:alpha val="30193"/>
               </a:srgbClr>
             </a:solidFill>
             <a:prstDash val="solid"/>
@@ -27893,7 +28012,7 @@
       </p:sp>
       <p:sp>
         <p:nvSpPr>
-          <p:cNvPr id="279676989" name="Text 21"/>
+          <p:cNvPr id="278135826" name="Text 21"/>
           <p:cNvSpPr/>
           <p:nvPr/>
         </p:nvSpPr>
@@ -27935,7 +28054,7 @@
       </p:sp>
       <p:sp>
         <p:nvSpPr>
-          <p:cNvPr id="1430653374" name="Text 22"/>
+          <p:cNvPr id="329663728" name="Text 22"/>
           <p:cNvSpPr/>
           <p:nvPr/>
         </p:nvSpPr>
@@ -27977,7 +28096,7 @@
       </p:sp>
       <p:sp>
         <p:nvSpPr>
-          <p:cNvPr id="877897200" name="Text 23"/>
+          <p:cNvPr id="1248381011" name="Text 23"/>
           <p:cNvSpPr/>
           <p:nvPr/>
         </p:nvSpPr>
@@ -28021,7 +28140,7 @@
       </p:sp>
       <p:sp>
         <p:nvSpPr>
-          <p:cNvPr id="1879761477" name="Shape 24"/>
+          <p:cNvPr id="817752758" name="Shape 24"/>
           <p:cNvSpPr/>
           <p:nvPr/>
         </p:nvSpPr>
@@ -28085,7 +28204,7 @@
           <a:ln w="12700">
             <a:solidFill>
               <a:srgbClr val="F39C12">
-                <a:alpha val="30194"/>
+                <a:alpha val="30193"/>
               </a:srgbClr>
             </a:solidFill>
             <a:prstDash val="solid"/>
@@ -28094,7 +28213,7 @@
       </p:sp>
       <p:sp>
         <p:nvSpPr>
-          <p:cNvPr id="457830153" name="Text 25"/>
+          <p:cNvPr id="1715880810" name="Text 25"/>
           <p:cNvSpPr/>
           <p:nvPr/>
         </p:nvSpPr>
@@ -28136,7 +28255,7 @@
       </p:sp>
       <p:sp>
         <p:nvSpPr>
-          <p:cNvPr id="1656906469" name="Text 26"/>
+          <p:cNvPr id="279011610" name="Text 26"/>
           <p:cNvSpPr/>
           <p:nvPr/>
         </p:nvSpPr>
@@ -28178,7 +28297,7 @@
       </p:sp>
       <p:sp>
         <p:nvSpPr>
-          <p:cNvPr id="1067450022" name="Text 27"/>
+          <p:cNvPr id="1116168123" name="Text 27"/>
           <p:cNvSpPr/>
           <p:nvPr/>
         </p:nvSpPr>
@@ -28222,7 +28341,7 @@
       </p:sp>
       <p:sp>
         <p:nvSpPr>
-          <p:cNvPr id="1914189539" name="Shape 28"/>
+          <p:cNvPr id="735995177" name="Shape 28"/>
           <p:cNvSpPr/>
           <p:nvPr/>
         </p:nvSpPr>
@@ -28286,7 +28405,7 @@
           <a:ln w="12700">
             <a:solidFill>
               <a:srgbClr val="5F85A5">
-                <a:alpha val="30194"/>
+                <a:alpha val="30193"/>
               </a:srgbClr>
             </a:solidFill>
             <a:prstDash val="solid"/>
@@ -28295,7 +28414,7 @@
       </p:sp>
       <p:sp>
         <p:nvSpPr>
-          <p:cNvPr id="1794820745" name="Text 29"/>
+          <p:cNvPr id="430281903" name="Text 29"/>
           <p:cNvSpPr/>
           <p:nvPr/>
         </p:nvSpPr>
@@ -28337,7 +28456,7 @@
       </p:sp>
       <p:sp>
         <p:nvSpPr>
-          <p:cNvPr id="723849640" name="Shape 30"/>
+          <p:cNvPr id="1068143669" name="Shape 30"/>
           <p:cNvSpPr/>
           <p:nvPr/>
         </p:nvSpPr>
@@ -28401,7 +28520,7 @@
           <a:ln w="12700">
             <a:solidFill>
               <a:srgbClr val="4ECDC4">
-                <a:alpha val="30194"/>
+                <a:alpha val="30193"/>
               </a:srgbClr>
             </a:solidFill>
             <a:prstDash val="solid"/>
@@ -28410,7 +28529,7 @@
       </p:sp>
       <p:sp>
         <p:nvSpPr>
-          <p:cNvPr id="1707118879" name="Shape 31"/>
+          <p:cNvPr id="2126192390" name="Shape 31"/>
           <p:cNvSpPr/>
           <p:nvPr/>
         </p:nvSpPr>
@@ -28474,7 +28593,7 @@
       </p:sp>
       <p:sp>
         <p:nvSpPr>
-          <p:cNvPr id="2049344398" name="Text 32"/>
+          <p:cNvPr id="117117034" name="Text 32"/>
           <p:cNvSpPr/>
           <p:nvPr/>
         </p:nvSpPr>
@@ -28516,7 +28635,7 @@
       </p:sp>
       <p:sp>
         <p:nvSpPr>
-          <p:cNvPr id="779954168" name="Shape 33"/>
+          <p:cNvPr id="1450457271" name="Shape 33"/>
           <p:cNvSpPr/>
           <p:nvPr/>
         </p:nvSpPr>
@@ -28580,7 +28699,7 @@
           <a:ln w="12700">
             <a:solidFill>
               <a:srgbClr val="E74C3C">
-                <a:alpha val="30194"/>
+                <a:alpha val="30193"/>
               </a:srgbClr>
             </a:solidFill>
             <a:prstDash val="solid"/>
@@ -28589,7 +28708,7 @@
       </p:sp>
       <p:sp>
         <p:nvSpPr>
-          <p:cNvPr id="1608608375" name="Shape 34"/>
+          <p:cNvPr id="1595816934" name="Shape 34"/>
           <p:cNvSpPr/>
           <p:nvPr/>
         </p:nvSpPr>
@@ -28653,7 +28772,7 @@
       </p:sp>
       <p:sp>
         <p:nvSpPr>
-          <p:cNvPr id="477501050" name="Text 35"/>
+          <p:cNvPr id="1285592451" name="Text 35"/>
           <p:cNvSpPr/>
           <p:nvPr/>
         </p:nvSpPr>
@@ -28695,7 +28814,7 @@
       </p:sp>
       <p:sp>
         <p:nvSpPr>
-          <p:cNvPr id="120397378" name="Shape 36"/>
+          <p:cNvPr id="1293747126" name="Shape 36"/>
           <p:cNvSpPr/>
           <p:nvPr/>
         </p:nvSpPr>
@@ -28759,7 +28878,7 @@
           <a:ln w="12700">
             <a:solidFill>
               <a:srgbClr val="F39C12">
-                <a:alpha val="30194"/>
+                <a:alpha val="30193"/>
               </a:srgbClr>
             </a:solidFill>
             <a:prstDash val="solid"/>
@@ -28768,7 +28887,7 @@
       </p:sp>
       <p:sp>
         <p:nvSpPr>
-          <p:cNvPr id="1827914039" name="Shape 37"/>
+          <p:cNvPr id="1137217864" name="Shape 37"/>
           <p:cNvSpPr/>
           <p:nvPr/>
         </p:nvSpPr>
@@ -28832,7 +28951,7 @@
       </p:sp>
       <p:sp>
         <p:nvSpPr>
-          <p:cNvPr id="865679289" name="Text 38"/>
+          <p:cNvPr id="1182464700" name="Text 38"/>
           <p:cNvSpPr/>
           <p:nvPr/>
         </p:nvSpPr>
@@ -28874,7 +28993,7 @@
       </p:sp>
       <p:sp>
         <p:nvSpPr>
-          <p:cNvPr id="549505407" name="Shape 39"/>
+          <p:cNvPr id="528450634" name="Shape 39"/>
           <p:cNvSpPr/>
           <p:nvPr/>
         </p:nvSpPr>
@@ -28938,7 +29057,7 @@
           <a:ln w="12700">
             <a:solidFill>
               <a:srgbClr val="9B59B6">
-                <a:alpha val="30194"/>
+                <a:alpha val="30193"/>
               </a:srgbClr>
             </a:solidFill>
             <a:prstDash val="solid"/>
@@ -28947,7 +29066,7 @@
       </p:sp>
       <p:sp>
         <p:nvSpPr>
-          <p:cNvPr id="2034269675" name="Shape 40"/>
+          <p:cNvPr id="2064265336" name="Shape 40"/>
           <p:cNvSpPr/>
           <p:nvPr/>
         </p:nvSpPr>
@@ -29011,7 +29130,7 @@
       </p:sp>
       <p:sp>
         <p:nvSpPr>
-          <p:cNvPr id="1753553169" name="Text 41"/>
+          <p:cNvPr id="399213633" name="Text 41"/>
           <p:cNvSpPr/>
           <p:nvPr/>
         </p:nvSpPr>
@@ -29053,7 +29172,7 @@
       </p:sp>
       <p:sp>
         <p:nvSpPr>
-          <p:cNvPr id="1442481232" name="Shape 42"/>
+          <p:cNvPr id="1165488501" name="Shape 42"/>
           <p:cNvSpPr/>
           <p:nvPr/>
         </p:nvSpPr>
@@ -29117,7 +29236,7 @@
           <a:ln w="12700">
             <a:solidFill>
               <a:srgbClr val="7F8C8D">
-                <a:alpha val="30194"/>
+                <a:alpha val="30193"/>
               </a:srgbClr>
             </a:solidFill>
             <a:prstDash val="solid"/>
@@ -29126,7 +29245,7 @@
       </p:sp>
       <p:sp>
         <p:nvSpPr>
-          <p:cNvPr id="424614669" name="Shape 43"/>
+          <p:cNvPr id="1383105160" name="Shape 43"/>
           <p:cNvSpPr/>
           <p:nvPr/>
         </p:nvSpPr>
@@ -29190,7 +29309,7 @@
       </p:sp>
       <p:sp>
         <p:nvSpPr>
-          <p:cNvPr id="399430255" name="Text 44"/>
+          <p:cNvPr id="595928948" name="Text 44"/>
           <p:cNvSpPr/>
           <p:nvPr/>
         </p:nvSpPr>
@@ -29232,7 +29351,7 @@
       </p:sp>
       <p:pic>
         <p:nvPicPr>
-          <p:cNvPr id="2046209379" name="Image 0" descr="https://kimi-img.moonshot.cn/pub/slides/26-01-29-04:26:41-d5t720cbcdrm5nmdfcm0.png"/>
+          <p:cNvPr id="774046429" name="Image 0" descr="https://kimi-img.moonshot.cn/pub/slides/26-01-29-04:26:41-d5t720cbcdrm5nmdfcm0.png"/>
           <p:cNvPicPr>
             <a:picLocks noChangeAspect="1"/>
           </p:cNvPicPr>
@@ -29298,7 +29417,7 @@
       </p:grpSpPr>
       <p:sp>
         <p:nvSpPr>
-          <p:cNvPr id="634927471" name="Shape 0"/>
+          <p:cNvPr id="987002311" name="Shape 0"/>
           <p:cNvSpPr/>
           <p:nvPr/>
         </p:nvSpPr>
@@ -29362,7 +29481,7 @@
       </p:sp>
       <p:sp>
         <p:nvSpPr>
-          <p:cNvPr id="954091081" name="Text 1"/>
+          <p:cNvPr id="1411937983" name="Text 1"/>
           <p:cNvSpPr/>
           <p:nvPr/>
         </p:nvSpPr>
@@ -29404,7 +29523,7 @@
       </p:sp>
       <p:sp>
         <p:nvSpPr>
-          <p:cNvPr id="1673531665" name="Text 2"/>
+          <p:cNvPr id="2116655723" name="Text 2"/>
           <p:cNvSpPr/>
           <p:nvPr/>
         </p:nvSpPr>
@@ -29446,7 +29565,7 @@
       </p:sp>
       <p:sp>
         <p:nvSpPr>
-          <p:cNvPr id="438537893" name="Shape 3"/>
+          <p:cNvPr id="469355897" name="Shape 3"/>
           <p:cNvSpPr/>
           <p:nvPr/>
         </p:nvSpPr>
@@ -29519,7 +29638,7 @@
       </p:sp>
       <p:sp>
         <p:nvSpPr>
-          <p:cNvPr id="308466485" name="Shape 4"/>
+          <p:cNvPr id="254296874" name="Shape 4"/>
           <p:cNvSpPr/>
           <p:nvPr/>
         </p:nvSpPr>
@@ -29592,7 +29711,7 @@
       </p:sp>
       <p:sp>
         <p:nvSpPr>
-          <p:cNvPr id="1948870431" name="Shape 5"/>
+          <p:cNvPr id="477480872" name="Shape 5"/>
           <p:cNvSpPr/>
           <p:nvPr/>
         </p:nvSpPr>
@@ -29770,7 +29889,7 @@
       </p:sp>
       <p:sp>
         <p:nvSpPr>
-          <p:cNvPr id="1564547024" name="Text 6"/>
+          <p:cNvPr id="1584186072" name="Text 6"/>
           <p:cNvSpPr/>
           <p:nvPr/>
         </p:nvSpPr>
@@ -29812,7 +29931,7 @@
       </p:sp>
       <p:sp>
         <p:nvSpPr>
-          <p:cNvPr id="701291330" name="Text 7"/>
+          <p:cNvPr id="2099039918" name="Text 7"/>
           <p:cNvSpPr/>
           <p:nvPr/>
         </p:nvSpPr>
@@ -29856,7 +29975,7 @@
       </p:sp>
       <p:sp>
         <p:nvSpPr>
-          <p:cNvPr id="235890349" name="Shape 8"/>
+          <p:cNvPr id="1756912284" name="Shape 8"/>
           <p:cNvSpPr/>
           <p:nvPr/>
         </p:nvSpPr>
@@ -29920,7 +30039,7 @@
           <a:ln w="12700">
             <a:solidFill>
               <a:srgbClr val="E74C3C">
-                <a:alpha val="30194"/>
+                <a:alpha val="30193"/>
               </a:srgbClr>
             </a:solidFill>
             <a:prstDash val="solid"/>
@@ -29929,7 +30048,7 @@
       </p:sp>
       <p:sp>
         <p:nvSpPr>
-          <p:cNvPr id="533646698" name="Text 9"/>
+          <p:cNvPr id="545190800" name="Text 9"/>
           <p:cNvSpPr/>
           <p:nvPr/>
         </p:nvSpPr>
@@ -29973,7 +30092,7 @@
       </p:sp>
       <p:sp>
         <p:nvSpPr>
-          <p:cNvPr id="103116842" name="Text 10"/>
+          <p:cNvPr id="1867508076" name="Text 10"/>
           <p:cNvSpPr/>
           <p:nvPr/>
         </p:nvSpPr>
@@ -30015,7 +30134,7 @@
       </p:sp>
       <p:sp>
         <p:nvSpPr>
-          <p:cNvPr id="218767656" name="Shape 11"/>
+          <p:cNvPr id="1865604690" name="Shape 11"/>
           <p:cNvSpPr/>
           <p:nvPr/>
         </p:nvSpPr>
@@ -30079,7 +30198,7 @@
           <a:ln w="12700">
             <a:solidFill>
               <a:srgbClr val="E74C3C">
-                <a:alpha val="30194"/>
+                <a:alpha val="30193"/>
               </a:srgbClr>
             </a:solidFill>
             <a:prstDash val="solid"/>
@@ -30088,7 +30207,7 @@
       </p:sp>
       <p:sp>
         <p:nvSpPr>
-          <p:cNvPr id="115417503" name="Text 12"/>
+          <p:cNvPr id="1198667898" name="Text 12"/>
           <p:cNvSpPr/>
           <p:nvPr/>
         </p:nvSpPr>
@@ -30132,7 +30251,7 @@
       </p:sp>
       <p:sp>
         <p:nvSpPr>
-          <p:cNvPr id="747247626" name="Text 13"/>
+          <p:cNvPr id="1569081659" name="Text 13"/>
           <p:cNvSpPr/>
           <p:nvPr/>
         </p:nvSpPr>
@@ -30174,7 +30293,7 @@
       </p:sp>
       <p:sp>
         <p:nvSpPr>
-          <p:cNvPr id="1677480453" name="Shape 14"/>
+          <p:cNvPr id="349414039" name="Shape 14"/>
           <p:cNvSpPr/>
           <p:nvPr/>
         </p:nvSpPr>
@@ -30238,7 +30357,7 @@
           <a:ln w="12700">
             <a:solidFill>
               <a:srgbClr val="E74C3C">
-                <a:alpha val="30194"/>
+                <a:alpha val="30193"/>
               </a:srgbClr>
             </a:solidFill>
             <a:prstDash val="solid"/>
@@ -30247,7 +30366,7 @@
       </p:sp>
       <p:sp>
         <p:nvSpPr>
-          <p:cNvPr id="1838810036" name="Text 15"/>
+          <p:cNvPr id="1540645357" name="Text 15"/>
           <p:cNvSpPr/>
           <p:nvPr/>
         </p:nvSpPr>
@@ -30291,7 +30410,7 @@
       </p:sp>
       <p:sp>
         <p:nvSpPr>
-          <p:cNvPr id="303184395" name="Text 16"/>
+          <p:cNvPr id="292350114" name="Text 16"/>
           <p:cNvSpPr/>
           <p:nvPr/>
         </p:nvSpPr>
@@ -30333,7 +30452,7 @@
       </p:sp>
       <p:sp>
         <p:nvSpPr>
-          <p:cNvPr id="989225421" name="Shape 17"/>
+          <p:cNvPr id="309008923" name="Shape 17"/>
           <p:cNvSpPr/>
           <p:nvPr/>
         </p:nvSpPr>
@@ -30469,7 +30588,7 @@
       </p:sp>
       <p:sp>
         <p:nvSpPr>
-          <p:cNvPr id="626491683" name="Text 18"/>
+          <p:cNvPr id="2008640160" name="Text 18"/>
           <p:cNvSpPr/>
           <p:nvPr/>
         </p:nvSpPr>
@@ -30513,7 +30632,7 @@
       </p:sp>
       <p:sp>
         <p:nvSpPr>
-          <p:cNvPr id="1769719127" name="Shape 19"/>
+          <p:cNvPr id="2139746873" name="Shape 19"/>
           <p:cNvSpPr/>
           <p:nvPr/>
         </p:nvSpPr>
@@ -30586,7 +30705,7 @@
       </p:sp>
       <p:sp>
         <p:nvSpPr>
-          <p:cNvPr id="2122949511" name="Shape 20"/>
+          <p:cNvPr id="283261458" name="Shape 20"/>
           <p:cNvSpPr/>
           <p:nvPr/>
         </p:nvSpPr>
@@ -30659,7 +30778,7 @@
       </p:sp>
       <p:sp>
         <p:nvSpPr>
-          <p:cNvPr id="594602904" name="Shape 21"/>
+          <p:cNvPr id="824309900" name="Shape 21"/>
           <p:cNvSpPr/>
           <p:nvPr/>
         </p:nvSpPr>
@@ -30756,7 +30875,7 @@
       </p:sp>
       <p:sp>
         <p:nvSpPr>
-          <p:cNvPr id="543949166" name="Text 22"/>
+          <p:cNvPr id="477898299" name="Text 22"/>
           <p:cNvSpPr/>
           <p:nvPr/>
         </p:nvSpPr>
@@ -30798,7 +30917,7 @@
       </p:sp>
       <p:sp>
         <p:nvSpPr>
-          <p:cNvPr id="13660735" name="Text 23"/>
+          <p:cNvPr id="845444144" name="Text 23"/>
           <p:cNvSpPr/>
           <p:nvPr/>
         </p:nvSpPr>
@@ -30842,7 +30961,7 @@
       </p:sp>
       <p:sp>
         <p:nvSpPr>
-          <p:cNvPr id="1986252924" name="Shape 24"/>
+          <p:cNvPr id="1820979144" name="Shape 24"/>
           <p:cNvSpPr/>
           <p:nvPr/>
         </p:nvSpPr>
@@ -30906,7 +31025,7 @@
           <a:ln w="12700">
             <a:solidFill>
               <a:srgbClr val="F39C12">
-                <a:alpha val="30194"/>
+                <a:alpha val="30193"/>
               </a:srgbClr>
             </a:solidFill>
             <a:prstDash val="solid"/>
@@ -30915,7 +31034,7 @@
       </p:sp>
       <p:sp>
         <p:nvSpPr>
-          <p:cNvPr id="801177032" name="Text 25"/>
+          <p:cNvPr id="173595318" name="Text 25"/>
           <p:cNvSpPr/>
           <p:nvPr/>
         </p:nvSpPr>
@@ -30959,7 +31078,7 @@
       </p:sp>
       <p:sp>
         <p:nvSpPr>
-          <p:cNvPr id="505433724" name="Text 26"/>
+          <p:cNvPr id="1051976563" name="Text 26"/>
           <p:cNvSpPr/>
           <p:nvPr/>
         </p:nvSpPr>
@@ -31001,7 +31120,7 @@
       </p:sp>
       <p:sp>
         <p:nvSpPr>
-          <p:cNvPr id="1495759229" name="Shape 27"/>
+          <p:cNvPr id="567491371" name="Shape 27"/>
           <p:cNvSpPr/>
           <p:nvPr/>
         </p:nvSpPr>
@@ -31065,7 +31184,7 @@
           <a:ln w="12700">
             <a:solidFill>
               <a:srgbClr val="F39C12">
-                <a:alpha val="30194"/>
+                <a:alpha val="30193"/>
               </a:srgbClr>
             </a:solidFill>
             <a:prstDash val="solid"/>
@@ -31074,7 +31193,7 @@
       </p:sp>
       <p:sp>
         <p:nvSpPr>
-          <p:cNvPr id="624111384" name="Text 28"/>
+          <p:cNvPr id="693111111" name="Text 28"/>
           <p:cNvSpPr/>
           <p:nvPr/>
         </p:nvSpPr>
@@ -31118,7 +31237,7 @@
       </p:sp>
       <p:sp>
         <p:nvSpPr>
-          <p:cNvPr id="1150176728" name="Text 29"/>
+          <p:cNvPr id="340590026" name="Text 29"/>
           <p:cNvSpPr/>
           <p:nvPr/>
         </p:nvSpPr>
@@ -31160,7 +31279,7 @@
       </p:sp>
       <p:sp>
         <p:nvSpPr>
-          <p:cNvPr id="691121044" name="Shape 30"/>
+          <p:cNvPr id="2010569620" name="Shape 30"/>
           <p:cNvSpPr/>
           <p:nvPr/>
         </p:nvSpPr>
@@ -31224,7 +31343,7 @@
           <a:ln w="12700">
             <a:solidFill>
               <a:srgbClr val="F39C12">
-                <a:alpha val="30194"/>
+                <a:alpha val="30193"/>
               </a:srgbClr>
             </a:solidFill>
             <a:prstDash val="solid"/>
@@ -31233,7 +31352,7 @@
       </p:sp>
       <p:sp>
         <p:nvSpPr>
-          <p:cNvPr id="417075096" name="Text 31"/>
+          <p:cNvPr id="111294480" name="Text 31"/>
           <p:cNvSpPr/>
           <p:nvPr/>
         </p:nvSpPr>
@@ -31277,7 +31396,7 @@
       </p:sp>
       <p:sp>
         <p:nvSpPr>
-          <p:cNvPr id="1953008986" name="Text 32"/>
+          <p:cNvPr id="517724320" name="Text 32"/>
           <p:cNvSpPr/>
           <p:nvPr/>
         </p:nvSpPr>
@@ -31319,7 +31438,7 @@
       </p:sp>
       <p:sp>
         <p:nvSpPr>
-          <p:cNvPr id="433946946" name="Shape 33"/>
+          <p:cNvPr id="747161751" name="Shape 33"/>
           <p:cNvSpPr/>
           <p:nvPr/>
         </p:nvSpPr>
@@ -31455,7 +31574,7 @@
       </p:sp>
       <p:sp>
         <p:nvSpPr>
-          <p:cNvPr id="772812875" name="Text 34"/>
+          <p:cNvPr id="1214573638" name="Text 34"/>
           <p:cNvSpPr/>
           <p:nvPr/>
         </p:nvSpPr>
@@ -31499,7 +31618,7 @@
       </p:sp>
       <p:sp>
         <p:nvSpPr>
-          <p:cNvPr id="1371087696" name="Shape 35"/>
+          <p:cNvPr id="108460728" name="Shape 35"/>
           <p:cNvSpPr/>
           <p:nvPr/>
         </p:nvSpPr>
@@ -31572,7 +31691,7 @@
       </p:sp>
       <p:sp>
         <p:nvSpPr>
-          <p:cNvPr id="1726508143" name="Shape 36"/>
+          <p:cNvPr id="1767389134" name="Shape 36"/>
           <p:cNvSpPr/>
           <p:nvPr/>
         </p:nvSpPr>
@@ -31645,7 +31764,7 @@
       </p:sp>
       <p:sp>
         <p:nvSpPr>
-          <p:cNvPr id="1674949672" name="Shape 37"/>
+          <p:cNvPr id="927301391" name="Shape 37"/>
           <p:cNvSpPr/>
           <p:nvPr/>
         </p:nvSpPr>
@@ -31808,7 +31927,7 @@
       </p:sp>
       <p:sp>
         <p:nvSpPr>
-          <p:cNvPr id="1500754492" name="Text 38"/>
+          <p:cNvPr id="1705980352" name="Text 38"/>
           <p:cNvSpPr/>
           <p:nvPr/>
         </p:nvSpPr>
@@ -31850,7 +31969,7 @@
       </p:sp>
       <p:sp>
         <p:nvSpPr>
-          <p:cNvPr id="607037794" name="Text 39"/>
+          <p:cNvPr id="2099598498" name="Text 39"/>
           <p:cNvSpPr/>
           <p:nvPr/>
         </p:nvSpPr>
@@ -31894,7 +32013,7 @@
       </p:sp>
       <p:sp>
         <p:nvSpPr>
-          <p:cNvPr id="2047167159" name="Shape 40"/>
+          <p:cNvPr id="2025951116" name="Shape 40"/>
           <p:cNvSpPr/>
           <p:nvPr/>
         </p:nvSpPr>
@@ -31958,7 +32077,7 @@
           <a:ln w="12700">
             <a:solidFill>
               <a:srgbClr val="7F8C8D">
-                <a:alpha val="30194"/>
+                <a:alpha val="30193"/>
               </a:srgbClr>
             </a:solidFill>
             <a:prstDash val="solid"/>
@@ -31967,7 +32086,7 @@
       </p:sp>
       <p:sp>
         <p:nvSpPr>
-          <p:cNvPr id="1863140675" name="Text 41"/>
+          <p:cNvPr id="1889595320" name="Text 41"/>
           <p:cNvSpPr/>
           <p:nvPr/>
         </p:nvSpPr>
@@ -32011,7 +32130,7 @@
       </p:sp>
       <p:sp>
         <p:nvSpPr>
-          <p:cNvPr id="1429504293" name="Text 42"/>
+          <p:cNvPr id="693083070" name="Text 42"/>
           <p:cNvSpPr/>
           <p:nvPr/>
         </p:nvSpPr>
@@ -32053,7 +32172,7 @@
       </p:sp>
       <p:sp>
         <p:nvSpPr>
-          <p:cNvPr id="1420336177" name="Shape 43"/>
+          <p:cNvPr id="351009505" name="Shape 43"/>
           <p:cNvSpPr/>
           <p:nvPr/>
         </p:nvSpPr>
@@ -32117,7 +32236,7 @@
           <a:ln w="12700">
             <a:solidFill>
               <a:srgbClr val="7F8C8D">
-                <a:alpha val="30194"/>
+                <a:alpha val="30193"/>
               </a:srgbClr>
             </a:solidFill>
             <a:prstDash val="solid"/>
@@ -32126,7 +32245,7 @@
       </p:sp>
       <p:sp>
         <p:nvSpPr>
-          <p:cNvPr id="814850878" name="Text 44"/>
+          <p:cNvPr id="930001035" name="Text 44"/>
           <p:cNvSpPr/>
           <p:nvPr/>
         </p:nvSpPr>
@@ -32170,7 +32289,7 @@
       </p:sp>
       <p:sp>
         <p:nvSpPr>
-          <p:cNvPr id="1723932512" name="Text 45"/>
+          <p:cNvPr id="690550216" name="Text 45"/>
           <p:cNvSpPr/>
           <p:nvPr/>
         </p:nvSpPr>
@@ -32212,7 +32331,7 @@
       </p:sp>
       <p:sp>
         <p:nvSpPr>
-          <p:cNvPr id="791216923" name="Shape 46"/>
+          <p:cNvPr id="1720140357" name="Shape 46"/>
           <p:cNvSpPr/>
           <p:nvPr/>
         </p:nvSpPr>
@@ -32276,7 +32395,7 @@
           <a:ln w="12700">
             <a:solidFill>
               <a:srgbClr val="7F8C8D">
-                <a:alpha val="30194"/>
+                <a:alpha val="30193"/>
               </a:srgbClr>
             </a:solidFill>
             <a:prstDash val="solid"/>
@@ -32285,7 +32404,7 @@
       </p:sp>
       <p:sp>
         <p:nvSpPr>
-          <p:cNvPr id="1426618189" name="Text 47"/>
+          <p:cNvPr id="215972842" name="Text 47"/>
           <p:cNvSpPr/>
           <p:nvPr/>
         </p:nvSpPr>
@@ -32329,7 +32448,7 @@
       </p:sp>
       <p:sp>
         <p:nvSpPr>
-          <p:cNvPr id="606861017" name="Shape 48"/>
+          <p:cNvPr id="2128403977" name="Shape 48"/>
           <p:cNvSpPr/>
           <p:nvPr/>
         </p:nvSpPr>
@@ -32402,7 +32521,7 @@
       </p:sp>
       <p:sp>
         <p:nvSpPr>
-          <p:cNvPr id="1719983257" name="Shape 49"/>
+          <p:cNvPr id="683491524" name="Shape 49"/>
           <p:cNvSpPr/>
           <p:nvPr/>
         </p:nvSpPr>
@@ -32475,7 +32594,7 @@
       </p:sp>
       <p:sp>
         <p:nvSpPr>
-          <p:cNvPr id="1943686871" name="Shape 50"/>
+          <p:cNvPr id="547478210" name="Shape 50"/>
           <p:cNvSpPr/>
           <p:nvPr/>
         </p:nvSpPr>
@@ -32573,7 +32692,7 @@
       </p:sp>
       <p:sp>
         <p:nvSpPr>
-          <p:cNvPr id="614546923" name="Text 51"/>
+          <p:cNvPr id="1162908999" name="Text 51"/>
           <p:cNvSpPr/>
           <p:nvPr/>
         </p:nvSpPr>
@@ -32615,7 +32734,7 @@
       </p:sp>
       <p:sp>
         <p:nvSpPr>
-          <p:cNvPr id="2107477739" name="Text 52"/>
+          <p:cNvPr id="13603556" name="Text 52"/>
           <p:cNvSpPr/>
           <p:nvPr/>
         </p:nvSpPr>
@@ -32659,7 +32778,7 @@
       </p:sp>
       <p:sp>
         <p:nvSpPr>
-          <p:cNvPr id="898379875" name="Shape 53"/>
+          <p:cNvPr id="1728625902" name="Shape 53"/>
           <p:cNvSpPr/>
           <p:nvPr/>
         </p:nvSpPr>
@@ -32723,7 +32842,7 @@
           <a:ln w="12700">
             <a:solidFill>
               <a:srgbClr val="4ECDC4">
-                <a:alpha val="30194"/>
+                <a:alpha val="30193"/>
               </a:srgbClr>
             </a:solidFill>
             <a:prstDash val="solid"/>
@@ -32732,7 +32851,7 @@
       </p:sp>
       <p:sp>
         <p:nvSpPr>
-          <p:cNvPr id="1134062628" name="Text 54"/>
+          <p:cNvPr id="1922187319" name="Text 54"/>
           <p:cNvSpPr/>
           <p:nvPr/>
         </p:nvSpPr>
@@ -32776,7 +32895,7 @@
       </p:sp>
       <p:sp>
         <p:nvSpPr>
-          <p:cNvPr id="1748516166" name="Text 55"/>
+          <p:cNvPr id="32353480" name="Text 55"/>
           <p:cNvSpPr/>
           <p:nvPr/>
         </p:nvSpPr>
@@ -32818,7 +32937,7 @@
       </p:sp>
       <p:sp>
         <p:nvSpPr>
-          <p:cNvPr id="1081724316" name="Shape 56"/>
+          <p:cNvPr id="1064185077" name="Shape 56"/>
           <p:cNvSpPr/>
           <p:nvPr/>
         </p:nvSpPr>
@@ -32882,7 +33001,7 @@
           <a:ln w="12700">
             <a:solidFill>
               <a:srgbClr val="4ECDC4">
-                <a:alpha val="30194"/>
+                <a:alpha val="30193"/>
               </a:srgbClr>
             </a:solidFill>
             <a:prstDash val="solid"/>
@@ -32891,7 +33010,7 @@
       </p:sp>
       <p:sp>
         <p:nvSpPr>
-          <p:cNvPr id="694560363" name="Text 57"/>
+          <p:cNvPr id="1374928215" name="Text 57"/>
           <p:cNvSpPr/>
           <p:nvPr/>
         </p:nvSpPr>
@@ -32935,7 +33054,7 @@
       </p:sp>
       <p:sp>
         <p:nvSpPr>
-          <p:cNvPr id="1019329788" name="Text 58"/>
+          <p:cNvPr id="616793904" name="Text 58"/>
           <p:cNvSpPr/>
           <p:nvPr/>
         </p:nvSpPr>
@@ -32977,7 +33096,7 @@
       </p:sp>
       <p:sp>
         <p:nvSpPr>
-          <p:cNvPr id="511016701" name="Shape 59"/>
+          <p:cNvPr id="326713765" name="Shape 59"/>
           <p:cNvSpPr/>
           <p:nvPr/>
         </p:nvSpPr>
@@ -33041,7 +33160,7 @@
           <a:ln w="12700">
             <a:solidFill>
               <a:srgbClr val="4ECDC4">
-                <a:alpha val="30194"/>
+                <a:alpha val="30193"/>
               </a:srgbClr>
             </a:solidFill>
             <a:prstDash val="solid"/>
@@ -33050,7 +33169,7 @@
       </p:sp>
       <p:sp>
         <p:nvSpPr>
-          <p:cNvPr id="1599166614" name="Text 60"/>
+          <p:cNvPr id="1514515806" name="Text 60"/>
           <p:cNvSpPr/>
           <p:nvPr/>
         </p:nvSpPr>
@@ -33094,7 +33213,7 @@
       </p:sp>
       <p:sp>
         <p:nvSpPr>
-          <p:cNvPr id="547108746" name="Text 61"/>
+          <p:cNvPr id="789623756" name="Text 61"/>
           <p:cNvSpPr/>
           <p:nvPr/>
         </p:nvSpPr>
@@ -33136,7 +33255,7 @@
       </p:sp>
       <p:sp>
         <p:nvSpPr>
-          <p:cNvPr id="744100675" name="Shape 62"/>
+          <p:cNvPr id="1721504399" name="Shape 62"/>
           <p:cNvSpPr/>
           <p:nvPr/>
         </p:nvSpPr>
@@ -33272,7 +33391,7 @@
       </p:sp>
       <p:sp>
         <p:nvSpPr>
-          <p:cNvPr id="1873350577" name="Text 63"/>
+          <p:cNvPr id="578544035" name="Text 63"/>
           <p:cNvSpPr/>
           <p:nvPr/>
         </p:nvSpPr>
@@ -33360,7 +33479,7 @@
       </p:grpSpPr>
       <p:sp>
         <p:nvSpPr>
-          <p:cNvPr id="1317439396" name="Shape 0"/>
+          <p:cNvPr id="312641272" name="Shape 0"/>
           <p:cNvSpPr/>
           <p:nvPr/>
         </p:nvSpPr>
@@ -33424,7 +33543,7 @@
       </p:sp>
       <p:sp>
         <p:nvSpPr>
-          <p:cNvPr id="1106688297" name="Text 1"/>
+          <p:cNvPr id="1611050572" name="Text 1"/>
           <p:cNvSpPr/>
           <p:nvPr/>
         </p:nvSpPr>
@@ -33466,7 +33585,7 @@
       </p:sp>
       <p:sp>
         <p:nvSpPr>
-          <p:cNvPr id="1151635809" name="Text 2"/>
+          <p:cNvPr id="329514551" name="Text 2"/>
           <p:cNvSpPr/>
           <p:nvPr/>
         </p:nvSpPr>
@@ -33508,7 +33627,7 @@
       </p:sp>
       <p:sp>
         <p:nvSpPr>
-          <p:cNvPr id="44968972" name="Shape 3"/>
+          <p:cNvPr id="1794187704" name="Shape 3"/>
           <p:cNvSpPr/>
           <p:nvPr/>
         </p:nvSpPr>
@@ -33572,7 +33691,7 @@
           <a:ln w="12700">
             <a:solidFill>
               <a:srgbClr val="5F85A5">
-                <a:alpha val="30194"/>
+                <a:alpha val="30193"/>
               </a:srgbClr>
             </a:solidFill>
             <a:prstDash val="solid"/>
@@ -33581,7 +33700,7 @@
       </p:sp>
       <p:sp>
         <p:nvSpPr>
-          <p:cNvPr id="763542613" name="Text 4"/>
+          <p:cNvPr id="1744642537" name="Text 4"/>
           <p:cNvSpPr/>
           <p:nvPr/>
         </p:nvSpPr>
@@ -33623,7 +33742,7 @@
       </p:sp>
       <p:sp>
         <p:nvSpPr>
-          <p:cNvPr id="1060339057" name="Shape 5"/>
+          <p:cNvPr id="276089807" name="Shape 5"/>
           <p:cNvSpPr/>
           <p:nvPr/>
         </p:nvSpPr>
@@ -33687,7 +33806,7 @@
           <a:ln w="12700">
             <a:solidFill>
               <a:srgbClr val="4ECDC4">
-                <a:alpha val="30194"/>
+                <a:alpha val="30193"/>
               </a:srgbClr>
             </a:solidFill>
             <a:prstDash val="solid"/>
@@ -33696,7 +33815,7 @@
       </p:sp>
       <p:sp>
         <p:nvSpPr>
-          <p:cNvPr id="115280465" name="Text 6"/>
+          <p:cNvPr id="522058701" name="Text 6"/>
           <p:cNvSpPr/>
           <p:nvPr/>
         </p:nvSpPr>
@@ -33753,7 +33872,7 @@
       </p:sp>
       <p:sp>
         <p:nvSpPr>
-          <p:cNvPr id="2021116752" name="Text 7"/>
+          <p:cNvPr id="1184736569" name="Text 7"/>
           <p:cNvSpPr/>
           <p:nvPr/>
         </p:nvSpPr>
@@ -33806,7 +33925,7 @@
       </p:sp>
       <p:sp>
         <p:nvSpPr>
-          <p:cNvPr id="1993871232" name="Text 8"/>
+          <p:cNvPr id="155450145" name="Text 8"/>
           <p:cNvSpPr/>
           <p:nvPr/>
         </p:nvSpPr>
@@ -33850,7 +33969,7 @@
       </p:sp>
       <p:sp>
         <p:nvSpPr>
-          <p:cNvPr id="1428415235" name="Shape 9"/>
+          <p:cNvPr id="646410450" name="Shape 9"/>
           <p:cNvSpPr/>
           <p:nvPr/>
         </p:nvSpPr>
@@ -33914,7 +34033,7 @@
           <a:ln w="12700">
             <a:solidFill>
               <a:srgbClr val="5F85A5">
-                <a:alpha val="30194"/>
+                <a:alpha val="30193"/>
               </a:srgbClr>
             </a:solidFill>
             <a:prstDash val="solid"/>
@@ -33923,7 +34042,7 @@
       </p:sp>
       <p:sp>
         <p:nvSpPr>
-          <p:cNvPr id="1805888569" name="Text 10"/>
+          <p:cNvPr id="1493136435" name="Text 10"/>
           <p:cNvSpPr/>
           <p:nvPr/>
         </p:nvSpPr>
@@ -33967,7 +34086,7 @@
       </p:sp>
       <p:sp>
         <p:nvSpPr>
-          <p:cNvPr id="1258136544" name="Text 11"/>
+          <p:cNvPr id="1200526807" name="Text 11"/>
           <p:cNvSpPr/>
           <p:nvPr/>
         </p:nvSpPr>
@@ -34020,7 +34139,7 @@
       </p:sp>
       <p:sp>
         <p:nvSpPr>
-          <p:cNvPr id="1766673986" name="Text 12"/>
+          <p:cNvPr id="2076178227" name="Text 12"/>
           <p:cNvSpPr/>
           <p:nvPr/>
         </p:nvSpPr>
@@ -34064,7 +34183,7 @@
       </p:sp>
       <p:sp>
         <p:nvSpPr>
-          <p:cNvPr id="67600306" name="Shape 13"/>
+          <p:cNvPr id="1697442722" name="Shape 13"/>
           <p:cNvSpPr/>
           <p:nvPr/>
         </p:nvSpPr>
@@ -34128,7 +34247,7 @@
           <a:ln w="12700">
             <a:solidFill>
               <a:srgbClr val="F39C12">
-                <a:alpha val="30194"/>
+                <a:alpha val="30193"/>
               </a:srgbClr>
             </a:solidFill>
             <a:prstDash val="solid"/>
@@ -34137,7 +34256,7 @@
       </p:sp>
       <p:sp>
         <p:nvSpPr>
-          <p:cNvPr id="599836665" name="Text 14"/>
+          <p:cNvPr id="1723570834" name="Text 14"/>
           <p:cNvSpPr/>
           <p:nvPr/>
         </p:nvSpPr>
@@ -34181,7 +34300,7 @@
       </p:sp>
       <p:sp>
         <p:nvSpPr>
-          <p:cNvPr id="1114814828" name="Text 15"/>
+          <p:cNvPr id="1431305012" name="Text 15"/>
           <p:cNvSpPr/>
           <p:nvPr/>
         </p:nvSpPr>
@@ -34223,7 +34342,7 @@
       </p:sp>
       <p:sp>
         <p:nvSpPr>
-          <p:cNvPr id="401019898" name="Text 16"/>
+          <p:cNvPr id="543707291" name="Text 16"/>
           <p:cNvSpPr/>
           <p:nvPr/>
         </p:nvSpPr>
@@ -34267,7 +34386,7 @@
       </p:sp>
       <p:sp>
         <p:nvSpPr>
-          <p:cNvPr id="943300201" name="Shape 17"/>
+          <p:cNvPr id="1918570202" name="Shape 17"/>
           <p:cNvSpPr/>
           <p:nvPr/>
         </p:nvSpPr>
@@ -34331,7 +34450,7 @@
           <a:ln w="12700">
             <a:solidFill>
               <a:srgbClr val="5F85A5">
-                <a:alpha val="30194"/>
+                <a:alpha val="30193"/>
               </a:srgbClr>
             </a:solidFill>
             <a:prstDash val="solid"/>
@@ -34340,7 +34459,7 @@
       </p:sp>
       <p:sp>
         <p:nvSpPr>
-          <p:cNvPr id="1493566501" name="Text 18"/>
+          <p:cNvPr id="1373793823" name="Text 18"/>
           <p:cNvSpPr/>
           <p:nvPr/>
         </p:nvSpPr>
@@ -34382,7 +34501,7 @@
       </p:sp>
       <p:sp>
         <p:nvSpPr>
-          <p:cNvPr id="495283422" name="Shape 19"/>
+          <p:cNvPr id="1944492186" name="Shape 19"/>
           <p:cNvSpPr/>
           <p:nvPr/>
         </p:nvSpPr>
@@ -34455,7 +34574,7 @@
       </p:sp>
       <p:sp>
         <p:nvSpPr>
-          <p:cNvPr id="371974540" name="Shape 20"/>
+          <p:cNvPr id="1241662054" name="Shape 20"/>
           <p:cNvSpPr/>
           <p:nvPr/>
         </p:nvSpPr>
@@ -34528,7 +34647,7 @@
       </p:sp>
       <p:sp>
         <p:nvSpPr>
-          <p:cNvPr id="1924603" name="Shape 21"/>
+          <p:cNvPr id="1980855374" name="Shape 21"/>
           <p:cNvSpPr/>
           <p:nvPr/>
         </p:nvSpPr>
@@ -34653,7 +34772,7 @@
       </p:sp>
       <p:sp>
         <p:nvSpPr>
-          <p:cNvPr id="857953775" name="Text 22"/>
+          <p:cNvPr id="695586809" name="Text 22"/>
           <p:cNvSpPr/>
           <p:nvPr/>
         </p:nvSpPr>
@@ -34695,7 +34814,7 @@
       </p:sp>
       <p:sp>
         <p:nvSpPr>
-          <p:cNvPr id="601939095" name="Text 23"/>
+          <p:cNvPr id="51126537" name="Text 23"/>
           <p:cNvSpPr/>
           <p:nvPr/>
         </p:nvSpPr>
@@ -34787,7 +34906,7 @@
       </p:sp>
       <p:pic>
         <p:nvPicPr>
-          <p:cNvPr id="608333325" name="Image 0" descr="https://kimi-img.moonshot.cn/pub/slides/26-01-29-04:27:39-d5t72euf2kq09dqqd4u0.png"/>
+          <p:cNvPr id="1813263041" name="Image 0" descr="https://kimi-img.moonshot.cn/pub/slides/26-01-29-04:27:39-d5t72euf2kq09dqqd4u0.png"/>
           <p:cNvPicPr>
             <a:picLocks noChangeAspect="1"/>
           </p:cNvPicPr>
@@ -34809,7 +34928,7 @@
       </p:pic>
       <p:pic>
         <p:nvPicPr>
-          <p:cNvPr id="1789860552" name="Image 1" descr="https://kimi-img.moonshot.cn/pub/slides/26-01-29-04:44:29-d5t7abf01qmbfs4q42mg.png"/>
+          <p:cNvPr id="1192018393" name="Image 1" descr="https://kimi-img.moonshot.cn/pub/slides/26-01-29-04:44:29-d5t7abf01qmbfs4q42mg.png"/>
           <p:cNvPicPr>
             <a:picLocks noChangeAspect="1"/>
           </p:cNvPicPr>
@@ -34875,7 +34994,7 @@
       </p:grpSpPr>
       <p:sp>
         <p:nvSpPr>
-          <p:cNvPr id="1176138434" name="Shape 0"/>
+          <p:cNvPr id="1440844235" name="Shape 0"/>
           <p:cNvSpPr/>
           <p:nvPr/>
         </p:nvSpPr>
@@ -34939,7 +35058,7 @@
       </p:sp>
       <p:sp>
         <p:nvSpPr>
-          <p:cNvPr id="1766734036" name="Text 1"/>
+          <p:cNvPr id="767869437" name="Text 1"/>
           <p:cNvSpPr/>
           <p:nvPr/>
         </p:nvSpPr>
@@ -34981,7 +35100,7 @@
       </p:sp>
       <p:sp>
         <p:nvSpPr>
-          <p:cNvPr id="39206734" name="Text 2"/>
+          <p:cNvPr id="352301328" name="Text 2"/>
           <p:cNvSpPr/>
           <p:nvPr/>
         </p:nvSpPr>
@@ -35023,7 +35142,7 @@
       </p:sp>
       <p:sp>
         <p:nvSpPr>
-          <p:cNvPr id="241855270" name="Shape 3"/>
+          <p:cNvPr id="1020621355" name="Shape 3"/>
           <p:cNvSpPr/>
           <p:nvPr/>
         </p:nvSpPr>
@@ -35096,7 +35215,7 @@
       </p:sp>
       <p:sp>
         <p:nvSpPr>
-          <p:cNvPr id="374213468" name="Shape 4"/>
+          <p:cNvPr id="1849609257" name="Shape 4"/>
           <p:cNvSpPr/>
           <p:nvPr/>
         </p:nvSpPr>
@@ -35169,7 +35288,7 @@
       </p:sp>
       <p:sp>
         <p:nvSpPr>
-          <p:cNvPr id="394235346" name="Shape 5"/>
+          <p:cNvPr id="2059463018" name="Shape 5"/>
           <p:cNvSpPr/>
           <p:nvPr/>
         </p:nvSpPr>
@@ -35339,7 +35458,7 @@
       </p:sp>
       <p:sp>
         <p:nvSpPr>
-          <p:cNvPr id="499606617" name="Text 6"/>
+          <p:cNvPr id="1583372665" name="Text 6"/>
           <p:cNvSpPr/>
           <p:nvPr/>
         </p:nvSpPr>
@@ -35381,7 +35500,7 @@
       </p:sp>
       <p:sp>
         <p:nvSpPr>
-          <p:cNvPr id="384284348" name="Shape 7"/>
+          <p:cNvPr id="475286993" name="Shape 7"/>
           <p:cNvSpPr/>
           <p:nvPr/>
         </p:nvSpPr>
@@ -35445,7 +35564,7 @@
           <a:ln w="12700">
             <a:solidFill>
               <a:srgbClr val="5F85A5">
-                <a:alpha val="30194"/>
+                <a:alpha val="30193"/>
               </a:srgbClr>
             </a:solidFill>
             <a:prstDash val="solid"/>
@@ -35454,7 +35573,7 @@
       </p:sp>
       <p:sp>
         <p:nvSpPr>
-          <p:cNvPr id="1929257663" name="Text 8"/>
+          <p:cNvPr id="727337913" name="Text 8"/>
           <p:cNvSpPr/>
           <p:nvPr/>
         </p:nvSpPr>
@@ -35496,7 +35615,7 @@
       </p:sp>
       <p:sp>
         <p:nvSpPr>
-          <p:cNvPr id="1865572661" name="Text 9"/>
+          <p:cNvPr id="1343609216" name="Text 9"/>
           <p:cNvSpPr/>
           <p:nvPr/>
         </p:nvSpPr>
@@ -35540,7 +35659,7 @@
       </p:sp>
       <p:sp>
         <p:nvSpPr>
-          <p:cNvPr id="85803921" name="Shape 10"/>
+          <p:cNvPr id="1458166711" name="Shape 10"/>
           <p:cNvSpPr/>
           <p:nvPr/>
         </p:nvSpPr>
@@ -35604,7 +35723,7 @@
           <a:ln w="12700">
             <a:solidFill>
               <a:srgbClr val="5F85A5">
-                <a:alpha val="30194"/>
+                <a:alpha val="30193"/>
               </a:srgbClr>
             </a:solidFill>
             <a:prstDash val="solid"/>
@@ -35613,7 +35732,7 @@
       </p:sp>
       <p:sp>
         <p:nvSpPr>
-          <p:cNvPr id="1002889206" name="Text 11"/>
+          <p:cNvPr id="546255830" name="Text 11"/>
           <p:cNvSpPr/>
           <p:nvPr/>
         </p:nvSpPr>
@@ -35655,7 +35774,7 @@
       </p:sp>
       <p:sp>
         <p:nvSpPr>
-          <p:cNvPr id="2124708834" name="Text 12"/>
+          <p:cNvPr id="732573838" name="Text 12"/>
           <p:cNvSpPr/>
           <p:nvPr/>
         </p:nvSpPr>
@@ -35699,7 +35818,7 @@
       </p:sp>
       <p:sp>
         <p:nvSpPr>
-          <p:cNvPr id="502035506" name="Shape 13"/>
+          <p:cNvPr id="982926751" name="Shape 13"/>
           <p:cNvSpPr/>
           <p:nvPr/>
         </p:nvSpPr>
@@ -35763,7 +35882,7 @@
           <a:ln w="12700">
             <a:solidFill>
               <a:srgbClr val="5F85A5">
-                <a:alpha val="30194"/>
+                <a:alpha val="30193"/>
               </a:srgbClr>
             </a:solidFill>
             <a:prstDash val="solid"/>
@@ -35772,7 +35891,7 @@
       </p:sp>
       <p:sp>
         <p:nvSpPr>
-          <p:cNvPr id="355646258" name="Text 14"/>
+          <p:cNvPr id="793742899" name="Text 14"/>
           <p:cNvSpPr/>
           <p:nvPr/>
         </p:nvSpPr>
@@ -35814,7 +35933,7 @@
       </p:sp>
       <p:sp>
         <p:nvSpPr>
-          <p:cNvPr id="321160116" name="Text 15"/>
+          <p:cNvPr id="950183789" name="Text 15"/>
           <p:cNvSpPr/>
           <p:nvPr/>
         </p:nvSpPr>
@@ -35858,7 +35977,7 @@
       </p:sp>
       <p:sp>
         <p:nvSpPr>
-          <p:cNvPr id="2054480144" name="Shape 16"/>
+          <p:cNvPr id="1072517395" name="Shape 16"/>
           <p:cNvSpPr/>
           <p:nvPr/>
         </p:nvSpPr>
@@ -35931,7 +36050,7 @@
       </p:sp>
       <p:sp>
         <p:nvSpPr>
-          <p:cNvPr id="1210326741" name="Shape 17"/>
+          <p:cNvPr id="827893874" name="Shape 17"/>
           <p:cNvSpPr/>
           <p:nvPr/>
         </p:nvSpPr>
@@ -36004,7 +36123,7 @@
       </p:sp>
       <p:sp>
         <p:nvSpPr>
-          <p:cNvPr id="1567715896" name="Shape 18"/>
+          <p:cNvPr id="255448014" name="Shape 18"/>
           <p:cNvSpPr/>
           <p:nvPr/>
         </p:nvSpPr>
@@ -36174,7 +36293,7 @@
       </p:sp>
       <p:sp>
         <p:nvSpPr>
-          <p:cNvPr id="2087103873" name="Text 19"/>
+          <p:cNvPr id="2107545755" name="Text 19"/>
           <p:cNvSpPr/>
           <p:nvPr/>
         </p:nvSpPr>
@@ -36216,7 +36335,7 @@
       </p:sp>
       <p:sp>
         <p:nvSpPr>
-          <p:cNvPr id="1041653283" name="Shape 20"/>
+          <p:cNvPr id="1571109952" name="Shape 20"/>
           <p:cNvSpPr/>
           <p:nvPr/>
         </p:nvSpPr>
@@ -36280,7 +36399,7 @@
           <a:ln w="12700">
             <a:solidFill>
               <a:srgbClr val="4ECDC4">
-                <a:alpha val="30194"/>
+                <a:alpha val="30193"/>
               </a:srgbClr>
             </a:solidFill>
             <a:prstDash val="solid"/>
@@ -36289,7 +36408,7 @@
       </p:sp>
       <p:sp>
         <p:nvSpPr>
-          <p:cNvPr id="887172908" name="Text 21"/>
+          <p:cNvPr id="986948120" name="Text 21"/>
           <p:cNvSpPr/>
           <p:nvPr/>
         </p:nvSpPr>
@@ -36331,7 +36450,7 @@
       </p:sp>
       <p:sp>
         <p:nvSpPr>
-          <p:cNvPr id="60678569" name="Text 22"/>
+          <p:cNvPr id="1370909399" name="Text 22"/>
           <p:cNvSpPr/>
           <p:nvPr/>
         </p:nvSpPr>
@@ -36373,7 +36492,7 @@
       </p:sp>
       <p:sp>
         <p:nvSpPr>
-          <p:cNvPr id="1598183674" name="Text 23"/>
+          <p:cNvPr id="324017998" name="Text 23"/>
           <p:cNvSpPr/>
           <p:nvPr/>
         </p:nvSpPr>
@@ -36417,7 +36536,7 @@
       </p:sp>
       <p:sp>
         <p:nvSpPr>
-          <p:cNvPr id="1496086158" name="Shape 24"/>
+          <p:cNvPr id="1178395434" name="Shape 24"/>
           <p:cNvSpPr/>
           <p:nvPr/>
         </p:nvSpPr>
@@ -36481,7 +36600,7 @@
           <a:ln w="12700">
             <a:solidFill>
               <a:srgbClr val="F39C12">
-                <a:alpha val="30194"/>
+                <a:alpha val="30193"/>
               </a:srgbClr>
             </a:solidFill>
             <a:prstDash val="solid"/>
@@ -36490,7 +36609,7 @@
       </p:sp>
       <p:sp>
         <p:nvSpPr>
-          <p:cNvPr id="1508447260" name="Text 25"/>
+          <p:cNvPr id="1189959311" name="Text 25"/>
           <p:cNvSpPr/>
           <p:nvPr/>
         </p:nvSpPr>
@@ -36532,7 +36651,7 @@
       </p:sp>
       <p:sp>
         <p:nvSpPr>
-          <p:cNvPr id="1533425" name="Text 26"/>
+          <p:cNvPr id="1643017131" name="Text 26"/>
           <p:cNvSpPr/>
           <p:nvPr/>
         </p:nvSpPr>
@@ -36574,7 +36693,7 @@
       </p:sp>
       <p:sp>
         <p:nvSpPr>
-          <p:cNvPr id="1331453033" name="Text 27"/>
+          <p:cNvPr id="977757354" name="Text 27"/>
           <p:cNvSpPr/>
           <p:nvPr/>
         </p:nvSpPr>
@@ -36618,7 +36737,7 @@
       </p:sp>
       <p:sp>
         <p:nvSpPr>
-          <p:cNvPr id="1029635260" name="Shape 28"/>
+          <p:cNvPr id="1825294077" name="Shape 28"/>
           <p:cNvSpPr/>
           <p:nvPr/>
         </p:nvSpPr>
@@ -36682,7 +36801,7 @@
           <a:ln w="12700">
             <a:solidFill>
               <a:srgbClr val="5F85A5">
-                <a:alpha val="30194"/>
+                <a:alpha val="30193"/>
               </a:srgbClr>
             </a:solidFill>
             <a:prstDash val="solid"/>
@@ -36691,7 +36810,7 @@
       </p:sp>
       <p:sp>
         <p:nvSpPr>
-          <p:cNvPr id="2084339906" name="Text 29"/>
+          <p:cNvPr id="843066777" name="Text 29"/>
           <p:cNvSpPr/>
           <p:nvPr/>
         </p:nvSpPr>
@@ -36733,7 +36852,7 @@
       </p:sp>
       <p:sp>
         <p:nvSpPr>
-          <p:cNvPr id="1891357922" name="Shape 30"/>
+          <p:cNvPr id="13871110" name="Shape 30"/>
           <p:cNvSpPr/>
           <p:nvPr/>
         </p:nvSpPr>
@@ -36797,7 +36916,7 @@
           <a:ln w="12700">
             <a:solidFill>
               <a:srgbClr val="E74C3C">
-                <a:alpha val="30194"/>
+                <a:alpha val="30193"/>
               </a:srgbClr>
             </a:solidFill>
             <a:prstDash val="solid"/>
@@ -36806,7 +36925,7 @@
       </p:sp>
       <p:sp>
         <p:nvSpPr>
-          <p:cNvPr id="42737078" name="Text 31"/>
+          <p:cNvPr id="1872213883" name="Text 31"/>
           <p:cNvSpPr/>
           <p:nvPr/>
         </p:nvSpPr>
@@ -36850,7 +36969,7 @@
       </p:sp>
       <p:sp>
         <p:nvSpPr>
-          <p:cNvPr id="143396401" name="Text 32"/>
+          <p:cNvPr id="796986790" name="Text 32"/>
           <p:cNvSpPr/>
           <p:nvPr/>
         </p:nvSpPr>
@@ -36892,7 +37011,7 @@
       </p:sp>
       <p:sp>
         <p:nvSpPr>
-          <p:cNvPr id="1722559208" name="Shape 33"/>
+          <p:cNvPr id="1843029718" name="Shape 33"/>
           <p:cNvSpPr/>
           <p:nvPr/>
         </p:nvSpPr>
@@ -36956,7 +37075,7 @@
           <a:ln w="12700">
             <a:solidFill>
               <a:srgbClr val="F39C12">
-                <a:alpha val="30194"/>
+                <a:alpha val="30193"/>
               </a:srgbClr>
             </a:solidFill>
             <a:prstDash val="solid"/>
@@ -36965,7 +37084,7 @@
       </p:sp>
       <p:sp>
         <p:nvSpPr>
-          <p:cNvPr id="1996923779" name="Text 34"/>
+          <p:cNvPr id="669869060" name="Text 34"/>
           <p:cNvSpPr/>
           <p:nvPr/>
         </p:nvSpPr>
@@ -37009,7 +37128,7 @@
       </p:sp>
       <p:sp>
         <p:nvSpPr>
-          <p:cNvPr id="2068982968" name="Text 35"/>
+          <p:cNvPr id="1311227309" name="Text 35"/>
           <p:cNvSpPr/>
           <p:nvPr/>
         </p:nvSpPr>
@@ -37051,7 +37170,7 @@
       </p:sp>
       <p:sp>
         <p:nvSpPr>
-          <p:cNvPr id="1458810638" name="Shape 36"/>
+          <p:cNvPr id="537858736" name="Shape 36"/>
           <p:cNvSpPr/>
           <p:nvPr/>
         </p:nvSpPr>
@@ -37115,7 +37234,7 @@
           <a:ln w="12700">
             <a:solidFill>
               <a:srgbClr val="9B59B6">
-                <a:alpha val="30194"/>
+                <a:alpha val="30193"/>
               </a:srgbClr>
             </a:solidFill>
             <a:prstDash val="solid"/>
@@ -37124,7 +37243,7 @@
       </p:sp>
       <p:sp>
         <p:nvSpPr>
-          <p:cNvPr id="751381154" name="Text 37"/>
+          <p:cNvPr id="1329206779" name="Text 37"/>
           <p:cNvSpPr/>
           <p:nvPr/>
         </p:nvSpPr>
@@ -37168,7 +37287,7 @@
       </p:sp>
       <p:sp>
         <p:nvSpPr>
-          <p:cNvPr id="167276310" name="Text 38"/>
+          <p:cNvPr id="1150972347" name="Text 38"/>
           <p:cNvSpPr/>
           <p:nvPr/>
         </p:nvSpPr>
@@ -37210,7 +37329,7 @@
       </p:sp>
       <p:sp>
         <p:nvSpPr>
-          <p:cNvPr id="901525160" name="Shape 39"/>
+          <p:cNvPr id="786522999" name="Shape 39"/>
           <p:cNvSpPr/>
           <p:nvPr/>
         </p:nvSpPr>
@@ -37274,7 +37393,7 @@
           <a:ln w="12700">
             <a:solidFill>
               <a:srgbClr val="7F8C8D">
-                <a:alpha val="30194"/>
+                <a:alpha val="30193"/>
               </a:srgbClr>
             </a:solidFill>
             <a:prstDash val="solid"/>
@@ -37283,7 +37402,7 @@
       </p:sp>
       <p:sp>
         <p:nvSpPr>
-          <p:cNvPr id="970909743" name="Text 40"/>
+          <p:cNvPr id="1980214971" name="Text 40"/>
           <p:cNvSpPr/>
           <p:nvPr/>
         </p:nvSpPr>
@@ -37327,7 +37446,7 @@
       </p:sp>
       <p:sp>
         <p:nvSpPr>
-          <p:cNvPr id="74450760" name="Text 41"/>
+          <p:cNvPr id="2000944202" name="Text 41"/>
           <p:cNvSpPr/>
           <p:nvPr/>
         </p:nvSpPr>
@@ -37369,7 +37488,7 @@
       </p:sp>
       <p:pic>
         <p:nvPicPr>
-          <p:cNvPr id="2039053307" name="Image 0" descr="https://kimi-img.moonshot.cn/pub/slides/26-01-29-04:45:31-d5t7aqtdbv1hdrqu8re0.png"/>
+          <p:cNvPr id="315879436" name="Image 0" descr="https://kimi-img.moonshot.cn/pub/slides/26-01-29-04:45:31-d5t7aqtdbv1hdrqu8re0.png"/>
           <p:cNvPicPr>
             <a:picLocks noChangeAspect="1"/>
           </p:cNvPicPr>
